--- a/2_design/pso/GeneralPSO.pptx
+++ b/2_design/pso/GeneralPSO.pptx
@@ -221,7 +221,7 @@
           <a:p>
             <a:fld id="{8E6BD8EF-833A-4756-9DE8-262172883D9B}" type="datetimeFigureOut">
               <a:rPr lang="en-US" smtClean="0"/>
-              <a:t>2/26/2021</a:t>
+              <a:t>17/03/2021</a:t>
             </a:fld>
             <a:endParaRPr lang="en-US"/>
           </a:p>
@@ -3370,7 +3370,7 @@
           <a:p>
             <a:fld id="{86C443C5-9896-4FD6-8907-63FA806FC061}" type="datetime1">
               <a:rPr lang="en-US" smtClean="0"/>
-              <a:t>2/26/2021</a:t>
+              <a:t>17/03/2021</a:t>
             </a:fld>
             <a:endParaRPr lang="en-US"/>
           </a:p>
@@ -3601,7 +3601,7 @@
           <a:p>
             <a:fld id="{AAE09524-0B32-44E6-BBD9-E684CA7A71D1}" type="datetime1">
               <a:rPr lang="en-US" smtClean="0"/>
-              <a:t>2/26/2021</a:t>
+              <a:t>17/03/2021</a:t>
             </a:fld>
             <a:endParaRPr lang="en-US"/>
           </a:p>
@@ -3842,7 +3842,7 @@
           <a:p>
             <a:fld id="{2126A1F4-AC75-4FB5-B7F6-BC63D3878045}" type="datetime1">
               <a:rPr lang="en-US" smtClean="0"/>
-              <a:t>2/26/2021</a:t>
+              <a:t>17/03/2021</a:t>
             </a:fld>
             <a:endParaRPr lang="en-US"/>
           </a:p>
@@ -4116,7 +4116,7 @@
           <a:p>
             <a:fld id="{4E10A670-4E98-4FA5-A2C2-4F9C00874B7B}" type="datetime1">
               <a:rPr lang="en-US" smtClean="0"/>
-              <a:t>2/26/2021</a:t>
+              <a:t>17/03/2021</a:t>
             </a:fld>
             <a:endParaRPr lang="en-US"/>
           </a:p>
@@ -4391,7 +4391,7 @@
           <a:p>
             <a:fld id="{8BB328E5-528A-482D-A24C-DF2DFCFC26D5}" type="datetime1">
               <a:rPr lang="en-US" smtClean="0"/>
-              <a:t>2/26/2021</a:t>
+              <a:t>17/03/2021</a:t>
             </a:fld>
             <a:endParaRPr lang="en-US"/>
           </a:p>
@@ -4714,7 +4714,7 @@
           <a:p>
             <a:fld id="{C4240D55-2B9C-4000-872C-BC2E0A39B66A}" type="datetime1">
               <a:rPr lang="en-US" smtClean="0"/>
-              <a:t>2/26/2021</a:t>
+              <a:t>17/03/2021</a:t>
             </a:fld>
             <a:endParaRPr lang="en-US"/>
           </a:p>
@@ -5178,7 +5178,7 @@
           <a:p>
             <a:fld id="{13AD9469-C7BB-4C95-9650-8A5B7EFE1B19}" type="datetime1">
               <a:rPr lang="en-US" smtClean="0"/>
-              <a:t>2/26/2021</a:t>
+              <a:t>17/03/2021</a:t>
             </a:fld>
             <a:endParaRPr lang="en-US"/>
           </a:p>
@@ -5327,7 +5327,7 @@
           <a:p>
             <a:fld id="{9B245276-D03F-469E-9E86-BC4A9412881C}" type="datetime1">
               <a:rPr lang="en-US" smtClean="0"/>
-              <a:t>2/26/2021</a:t>
+              <a:t>17/03/2021</a:t>
             </a:fld>
             <a:endParaRPr lang="en-US"/>
           </a:p>
@@ -5447,7 +5447,7 @@
           <a:p>
             <a:fld id="{AEF8DD84-7905-4DFE-89E3-288ABB97B557}" type="datetime1">
               <a:rPr lang="en-US" smtClean="0"/>
-              <a:t>2/26/2021</a:t>
+              <a:t>17/03/2021</a:t>
             </a:fld>
             <a:endParaRPr lang="en-US"/>
           </a:p>
@@ -5768,7 +5768,7 @@
           <a:p>
             <a:fld id="{DC679EEB-5F96-4936-96A6-45EC20F93502}" type="datetime1">
               <a:rPr lang="en-US" smtClean="0"/>
-              <a:t>2/26/2021</a:t>
+              <a:t>17/03/2021</a:t>
             </a:fld>
             <a:endParaRPr lang="en-US"/>
           </a:p>
@@ -6054,7 +6054,7 @@
           <a:p>
             <a:fld id="{C3F53566-36C1-44D6-8180-076057385EDC}" type="datetime1">
               <a:rPr lang="en-US" smtClean="0"/>
-              <a:t>2/26/2021</a:t>
+              <a:t>17/03/2021</a:t>
             </a:fld>
             <a:endParaRPr lang="en-US"/>
           </a:p>
@@ -6285,7 +6285,7 @@
           <a:p>
             <a:fld id="{8EF4E3AB-AC54-4118-A9A7-78F60063BC93}" type="datetime1">
               <a:rPr lang="en-US" smtClean="0"/>
-              <a:t>2/26/2021</a:t>
+              <a:t>17/03/2021</a:t>
             </a:fld>
             <a:endParaRPr lang="en-US"/>
           </a:p>
@@ -6825,7 +6825,7 @@
           <a:p>
             <a:fld id="{5E4A7863-A1EE-4054-91EE-C7A7B1A1205F}" type="datetime1">
               <a:rPr lang="en-US" smtClean="0"/>
-              <a:t>2/26/2021</a:t>
+              <a:t>17/03/2021</a:t>
             </a:fld>
             <a:endParaRPr lang="en-US"/>
           </a:p>
@@ -6982,90 +6982,122 @@
                       <m:sSub>
                         <m:sSubPr>
                           <m:ctrlPr>
-                            <a:rPr lang="en-US" i="1"/>
+                            <a:rPr lang="en-US" i="1">
+                              <a:latin typeface="Cambria Math" panose="02040503050406030204" pitchFamily="18" charset="0"/>
+                            </a:rPr>
                           </m:ctrlPr>
                         </m:sSubPr>
                         <m:e>
                           <m:r>
-                            <a:rPr lang="en-US" b="1" i="1"/>
+                            <a:rPr lang="en-US" b="1" i="1">
+                              <a:latin typeface="Cambria Math" panose="02040503050406030204" pitchFamily="18" charset="0"/>
+                            </a:rPr>
                             <m:t>𝒗</m:t>
                           </m:r>
                         </m:e>
                         <m:sub>
                           <m:r>
-                            <a:rPr lang="en-US" i="1"/>
+                            <a:rPr lang="en-US" i="1">
+                              <a:latin typeface="Cambria Math" panose="02040503050406030204" pitchFamily="18" charset="0"/>
+                            </a:rPr>
                             <m:t>𝑖</m:t>
                           </m:r>
                         </m:sub>
                       </m:sSub>
                       <m:r>
-                        <a:rPr lang="en-US" i="1"/>
+                        <a:rPr lang="en-US" i="1">
+                          <a:latin typeface="Cambria Math" panose="02040503050406030204" pitchFamily="18" charset="0"/>
+                        </a:rPr>
                         <m:t>=</m:t>
                       </m:r>
                       <m:r>
-                        <a:rPr lang="en-US" i="1"/>
+                        <a:rPr lang="en-US" i="1">
+                          <a:latin typeface="Cambria Math" panose="02040503050406030204" pitchFamily="18" charset="0"/>
+                        </a:rPr>
                         <m:t>𝜒</m:t>
                       </m:r>
                       <m:d>
                         <m:dPr>
                           <m:ctrlPr>
-                            <a:rPr lang="en-US" i="1"/>
+                            <a:rPr lang="en-US" i="1">
+                              <a:latin typeface="Cambria Math" panose="02040503050406030204" pitchFamily="18" charset="0"/>
+                            </a:rPr>
                           </m:ctrlPr>
                         </m:dPr>
                         <m:e>
                           <m:sSub>
                             <m:sSubPr>
                               <m:ctrlPr>
-                                <a:rPr lang="en-US" i="1"/>
+                                <a:rPr lang="en-US" i="1">
+                                  <a:latin typeface="Cambria Math" panose="02040503050406030204" pitchFamily="18" charset="0"/>
+                                </a:rPr>
                               </m:ctrlPr>
                             </m:sSubPr>
                             <m:e>
                               <m:r>
-                                <a:rPr lang="en-US" b="1" i="1"/>
+                                <a:rPr lang="en-US" b="1" i="1">
+                                  <a:latin typeface="Cambria Math" panose="02040503050406030204" pitchFamily="18" charset="0"/>
+                                </a:rPr>
                                 <m:t>𝒗</m:t>
                               </m:r>
                             </m:e>
                             <m:sub>
                               <m:r>
-                                <a:rPr lang="en-US" i="1"/>
+                                <a:rPr lang="en-US" i="1">
+                                  <a:latin typeface="Cambria Math" panose="02040503050406030204" pitchFamily="18" charset="0"/>
+                                </a:rPr>
                                 <m:t>𝑖</m:t>
                               </m:r>
                             </m:sub>
                           </m:sSub>
                           <m:r>
-                            <a:rPr lang="en-US" i="1"/>
+                            <a:rPr lang="en-US" i="1">
+                              <a:latin typeface="Cambria Math" panose="02040503050406030204" pitchFamily="18" charset="0"/>
+                            </a:rPr>
                             <m:t>+</m:t>
                           </m:r>
                           <m:r>
-                            <a:rPr lang="en-US" i="1"/>
+                            <a:rPr lang="en-US" i="1">
+                              <a:latin typeface="Cambria Math" panose="02040503050406030204" pitchFamily="18" charset="0"/>
+                            </a:rPr>
                             <m:t>𝑈</m:t>
                           </m:r>
                           <m:d>
                             <m:dPr>
                               <m:ctrlPr>
-                                <a:rPr lang="en-US" i="1"/>
+                                <a:rPr lang="en-US" i="1">
+                                  <a:latin typeface="Cambria Math" panose="02040503050406030204" pitchFamily="18" charset="0"/>
+                                </a:rPr>
                               </m:ctrlPr>
                             </m:dPr>
                             <m:e>
                               <m:r>
-                                <a:rPr lang="en-US" i="1"/>
+                                <a:rPr lang="en-US" i="1">
+                                  <a:latin typeface="Cambria Math" panose="02040503050406030204" pitchFamily="18" charset="0"/>
+                                </a:rPr>
                                 <m:t>0,</m:t>
                               </m:r>
                               <m:sSub>
                                 <m:sSubPr>
                                   <m:ctrlPr>
-                                    <a:rPr lang="en-US" i="1"/>
+                                    <a:rPr lang="en-US" i="1">
+                                      <a:latin typeface="Cambria Math" panose="02040503050406030204" pitchFamily="18" charset="0"/>
+                                    </a:rPr>
                                   </m:ctrlPr>
                                 </m:sSubPr>
                                 <m:e>
                                   <m:r>
-                                    <a:rPr lang="en-US" i="1"/>
+                                    <a:rPr lang="en-US" i="1">
+                                      <a:latin typeface="Cambria Math" panose="02040503050406030204" pitchFamily="18" charset="0"/>
+                                    </a:rPr>
                                     <m:t>𝜙</m:t>
                                   </m:r>
                                 </m:e>
                                 <m:sub>
                                   <m:r>
-                                    <a:rPr lang="en-US" i="1"/>
+                                    <a:rPr lang="en-US" i="1">
+                                      <a:latin typeface="Cambria Math" panose="02040503050406030204" pitchFamily="18" charset="0"/>
+                                    </a:rPr>
                                     <m:t>1</m:t>
                                   </m:r>
                                 </m:sub>
@@ -7073,54 +7105,72 @@
                             </m:e>
                           </m:d>
                           <m:r>
-                            <a:rPr lang="en-US" i="1"/>
+                            <a:rPr lang="en-US" i="1">
+                              <a:latin typeface="Cambria Math" panose="02040503050406030204" pitchFamily="18" charset="0"/>
+                            </a:rPr>
                             <m:t>⨂</m:t>
                           </m:r>
                           <m:d>
                             <m:dPr>
                               <m:ctrlPr>
-                                <a:rPr lang="en-US" i="1"/>
+                                <a:rPr lang="en-US" i="1">
+                                  <a:latin typeface="Cambria Math" panose="02040503050406030204" pitchFamily="18" charset="0"/>
+                                </a:rPr>
                               </m:ctrlPr>
                             </m:dPr>
                             <m:e>
                               <m:sSub>
                                 <m:sSubPr>
                                   <m:ctrlPr>
-                                    <a:rPr lang="en-US" i="1"/>
+                                    <a:rPr lang="en-US" i="1">
+                                      <a:latin typeface="Cambria Math" panose="02040503050406030204" pitchFamily="18" charset="0"/>
+                                    </a:rPr>
                                   </m:ctrlPr>
                                 </m:sSubPr>
                                 <m:e>
                                   <m:r>
-                                    <a:rPr lang="en-US" b="1" i="1"/>
+                                    <a:rPr lang="en-US" b="1" i="1">
+                                      <a:latin typeface="Cambria Math" panose="02040503050406030204" pitchFamily="18" charset="0"/>
+                                    </a:rPr>
                                     <m:t>𝒑</m:t>
                                   </m:r>
                                 </m:e>
                                 <m:sub>
                                   <m:r>
-                                    <a:rPr lang="en-US" i="1"/>
+                                    <a:rPr lang="en-US" i="1">
+                                      <a:latin typeface="Cambria Math" panose="02040503050406030204" pitchFamily="18" charset="0"/>
+                                    </a:rPr>
                                     <m:t>𝑖</m:t>
                                   </m:r>
                                 </m:sub>
                               </m:sSub>
                               <m:r>
-                                <a:rPr lang="en-US" i="1"/>
+                                <a:rPr lang="en-US" i="1">
+                                  <a:latin typeface="Cambria Math" panose="02040503050406030204" pitchFamily="18" charset="0"/>
+                                </a:rPr>
                                 <m:t>−</m:t>
                               </m:r>
                               <m:sSub>
                                 <m:sSubPr>
                                   <m:ctrlPr>
-                                    <a:rPr lang="en-US" i="1"/>
+                                    <a:rPr lang="en-US" i="1">
+                                      <a:latin typeface="Cambria Math" panose="02040503050406030204" pitchFamily="18" charset="0"/>
+                                    </a:rPr>
                                   </m:ctrlPr>
                                 </m:sSubPr>
                                 <m:e>
                                   <m:r>
-                                    <a:rPr lang="en-US" b="1" i="1"/>
+                                    <a:rPr lang="en-US" b="1" i="1">
+                                      <a:latin typeface="Cambria Math" panose="02040503050406030204" pitchFamily="18" charset="0"/>
+                                    </a:rPr>
                                     <m:t>𝒙</m:t>
                                   </m:r>
                                 </m:e>
                                 <m:sub>
                                   <m:r>
-                                    <a:rPr lang="en-US" i="1"/>
+                                    <a:rPr lang="en-US" i="1">
+                                      <a:latin typeface="Cambria Math" panose="02040503050406030204" pitchFamily="18" charset="0"/>
+                                    </a:rPr>
                                     <m:t>𝑖</m:t>
                                   </m:r>
                                 </m:sub>
@@ -7128,39 +7178,53 @@
                             </m:e>
                           </m:d>
                           <m:r>
-                            <a:rPr lang="en-US" i="1"/>
+                            <a:rPr lang="en-US" i="1">
+                              <a:latin typeface="Cambria Math" panose="02040503050406030204" pitchFamily="18" charset="0"/>
+                            </a:rPr>
                             <m:t>+</m:t>
                           </m:r>
                           <m:r>
-                            <a:rPr lang="en-US" i="1"/>
+                            <a:rPr lang="en-US" i="1">
+                              <a:latin typeface="Cambria Math" panose="02040503050406030204" pitchFamily="18" charset="0"/>
+                            </a:rPr>
                             <m:t>𝑈</m:t>
                           </m:r>
                           <m:d>
                             <m:dPr>
                               <m:ctrlPr>
-                                <a:rPr lang="en-US" i="1"/>
+                                <a:rPr lang="en-US" i="1">
+                                  <a:latin typeface="Cambria Math" panose="02040503050406030204" pitchFamily="18" charset="0"/>
+                                </a:rPr>
                               </m:ctrlPr>
                             </m:dPr>
                             <m:e>
                               <m:r>
-                                <a:rPr lang="en-US" i="1"/>
+                                <a:rPr lang="en-US" i="1">
+                                  <a:latin typeface="Cambria Math" panose="02040503050406030204" pitchFamily="18" charset="0"/>
+                                </a:rPr>
                                 <m:t>0,</m:t>
                               </m:r>
                               <m:sSub>
                                 <m:sSubPr>
                                   <m:ctrlPr>
-                                    <a:rPr lang="en-US" i="1"/>
+                                    <a:rPr lang="en-US" i="1">
+                                      <a:latin typeface="Cambria Math" panose="02040503050406030204" pitchFamily="18" charset="0"/>
+                                    </a:rPr>
                                   </m:ctrlPr>
                                 </m:sSubPr>
                                 <m:e>
                                   <m:r>
-                                    <a:rPr lang="en-US" i="1"/>
+                                    <a:rPr lang="en-US" i="1">
+                                      <a:latin typeface="Cambria Math" panose="02040503050406030204" pitchFamily="18" charset="0"/>
+                                    </a:rPr>
                                     <m:t>𝜙</m:t>
                                   </m:r>
                                 </m:e>
                                 <m:sub>
                                   <m:r>
-                                    <a:rPr lang="en-US" i="1"/>
+                                    <a:rPr lang="en-US" i="1">
+                                      <a:latin typeface="Cambria Math" panose="02040503050406030204" pitchFamily="18" charset="0"/>
+                                    </a:rPr>
                                     <m:t>2</m:t>
                                   </m:r>
                                 </m:sub>
@@ -7168,54 +7232,72 @@
                             </m:e>
                           </m:d>
                           <m:r>
-                            <a:rPr lang="en-US" i="1"/>
+                            <a:rPr lang="en-US" i="1">
+                              <a:latin typeface="Cambria Math" panose="02040503050406030204" pitchFamily="18" charset="0"/>
+                            </a:rPr>
                             <m:t>⨂</m:t>
                           </m:r>
                           <m:d>
                             <m:dPr>
                               <m:ctrlPr>
-                                <a:rPr lang="en-US" i="1"/>
+                                <a:rPr lang="en-US" i="1">
+                                  <a:latin typeface="Cambria Math" panose="02040503050406030204" pitchFamily="18" charset="0"/>
+                                </a:rPr>
                               </m:ctrlPr>
                             </m:dPr>
                             <m:e>
                               <m:sSub>
                                 <m:sSubPr>
                                   <m:ctrlPr>
-                                    <a:rPr lang="en-US" i="1"/>
+                                    <a:rPr lang="en-US" i="1">
+                                      <a:latin typeface="Cambria Math" panose="02040503050406030204" pitchFamily="18" charset="0"/>
+                                    </a:rPr>
                                   </m:ctrlPr>
                                 </m:sSubPr>
                                 <m:e>
                                   <m:r>
-                                    <a:rPr lang="en-US" b="1" i="1"/>
+                                    <a:rPr lang="en-US" b="1" i="1">
+                                      <a:latin typeface="Cambria Math" panose="02040503050406030204" pitchFamily="18" charset="0"/>
+                                    </a:rPr>
                                     <m:t>𝒑</m:t>
                                   </m:r>
                                 </m:e>
                                 <m:sub>
                                   <m:r>
-                                    <a:rPr lang="en-US" i="1"/>
+                                    <a:rPr lang="en-US" i="1">
+                                      <a:latin typeface="Cambria Math" panose="02040503050406030204" pitchFamily="18" charset="0"/>
+                                    </a:rPr>
                                     <m:t>𝑔</m:t>
                                   </m:r>
                                 </m:sub>
                               </m:sSub>
                               <m:r>
-                                <a:rPr lang="en-US" i="1"/>
+                                <a:rPr lang="en-US" i="1">
+                                  <a:latin typeface="Cambria Math" panose="02040503050406030204" pitchFamily="18" charset="0"/>
+                                </a:rPr>
                                 <m:t>−</m:t>
                               </m:r>
                               <m:sSub>
                                 <m:sSubPr>
                                   <m:ctrlPr>
-                                    <a:rPr lang="en-US" i="1"/>
+                                    <a:rPr lang="en-US" i="1">
+                                      <a:latin typeface="Cambria Math" panose="02040503050406030204" pitchFamily="18" charset="0"/>
+                                    </a:rPr>
                                   </m:ctrlPr>
                                 </m:sSubPr>
                                 <m:e>
                                   <m:r>
-                                    <a:rPr lang="en-US" b="1" i="1"/>
+                                    <a:rPr lang="en-US" b="1" i="1">
+                                      <a:latin typeface="Cambria Math" panose="02040503050406030204" pitchFamily="18" charset="0"/>
+                                    </a:rPr>
                                     <m:t>𝒙</m:t>
                                   </m:r>
                                 </m:e>
                                 <m:sub>
                                   <m:r>
-                                    <a:rPr lang="en-US" i="1"/>
+                                    <a:rPr lang="en-US" i="1">
+                                      <a:latin typeface="Cambria Math" panose="02040503050406030204" pitchFamily="18" charset="0"/>
+                                    </a:rPr>
                                     <m:t>𝑖</m:t>
                                   </m:r>
                                 </m:sub>
@@ -7255,7 +7337,7 @@
               <a:p>
                 <a:r>
                   <a:rPr lang="en-US" dirty="0"/>
-                  <a:t>Equation 1.2 is the special case of equation 1.3 when the expression </a:t>
+                  <a:t>Equation 1.3 is the special case of equation 1.4 when the expression </a:t>
                 </a:r>
                 <a:r>
                   <a:rPr lang="en-US" i="1" dirty="0" err="1"/>
@@ -7450,7 +7532,7 @@
           <a:p>
             <a:fld id="{4E10A670-4E98-4FA5-A2C2-4F9C00874B7B}" type="datetime1">
               <a:rPr lang="en-US" smtClean="0"/>
-              <a:t>2/26/2021</a:t>
+              <a:t>17/03/2021</a:t>
             </a:fld>
             <a:endParaRPr lang="en-US"/>
           </a:p>
@@ -7807,69 +7889,93 @@
                       <m:sSub>
                         <m:sSubPr>
                           <m:ctrlPr>
-                            <a:rPr lang="en-US" i="1"/>
+                            <a:rPr lang="en-US" i="1">
+                              <a:latin typeface="Cambria Math" panose="02040503050406030204" pitchFamily="18" charset="0"/>
+                            </a:rPr>
                           </m:ctrlPr>
                         </m:sSubPr>
                         <m:e>
                           <m:r>
-                            <a:rPr lang="en-US" b="1" i="1"/>
+                            <a:rPr lang="en-US" b="1" i="1">
+                              <a:latin typeface="Cambria Math" panose="02040503050406030204" pitchFamily="18" charset="0"/>
+                            </a:rPr>
                             <m:t>𝒗</m:t>
                           </m:r>
                         </m:e>
                         <m:sub>
                           <m:r>
-                            <a:rPr lang="en-US" i="1"/>
+                            <a:rPr lang="en-US" i="1">
+                              <a:latin typeface="Cambria Math" panose="02040503050406030204" pitchFamily="18" charset="0"/>
+                            </a:rPr>
                             <m:t>𝑖</m:t>
                           </m:r>
                         </m:sub>
                       </m:sSub>
                       <m:r>
-                        <a:rPr lang="en-US" i="1"/>
+                        <a:rPr lang="en-US" i="1">
+                          <a:latin typeface="Cambria Math" panose="02040503050406030204" pitchFamily="18" charset="0"/>
+                        </a:rPr>
                         <m:t>=</m:t>
                       </m:r>
                       <m:r>
-                        <a:rPr lang="en-US" i="1"/>
+                        <a:rPr lang="en-US" i="1">
+                          <a:latin typeface="Cambria Math" panose="02040503050406030204" pitchFamily="18" charset="0"/>
+                        </a:rPr>
                         <m:t>𝜒</m:t>
                       </m:r>
                       <m:d>
                         <m:dPr>
                           <m:ctrlPr>
-                            <a:rPr lang="en-US" i="1"/>
+                            <a:rPr lang="en-US" i="1">
+                              <a:latin typeface="Cambria Math" panose="02040503050406030204" pitchFamily="18" charset="0"/>
+                            </a:rPr>
                           </m:ctrlPr>
                         </m:dPr>
                         <m:e>
                           <m:sSub>
                             <m:sSubPr>
                               <m:ctrlPr>
-                                <a:rPr lang="en-US" i="1"/>
+                                <a:rPr lang="en-US" i="1">
+                                  <a:latin typeface="Cambria Math" panose="02040503050406030204" pitchFamily="18" charset="0"/>
+                                </a:rPr>
                               </m:ctrlPr>
                             </m:sSubPr>
                             <m:e>
                               <m:r>
-                                <a:rPr lang="en-US" b="1" i="1"/>
+                                <a:rPr lang="en-US" b="1" i="1">
+                                  <a:latin typeface="Cambria Math" panose="02040503050406030204" pitchFamily="18" charset="0"/>
+                                </a:rPr>
                                 <m:t>𝒗</m:t>
                               </m:r>
                             </m:e>
                             <m:sub>
                               <m:r>
-                                <a:rPr lang="en-US" i="1"/>
+                                <a:rPr lang="en-US" i="1">
+                                  <a:latin typeface="Cambria Math" panose="02040503050406030204" pitchFamily="18" charset="0"/>
+                                </a:rPr>
                                 <m:t>𝑖</m:t>
                               </m:r>
                             </m:sub>
                           </m:sSub>
                           <m:r>
-                            <a:rPr lang="en-US" i="1"/>
+                            <a:rPr lang="en-US" i="1">
+                              <a:latin typeface="Cambria Math" panose="02040503050406030204" pitchFamily="18" charset="0"/>
+                            </a:rPr>
                             <m:t>+</m:t>
                           </m:r>
                           <m:f>
                             <m:fPr>
                               <m:ctrlPr>
-                                <a:rPr lang="en-US" i="1"/>
+                                <a:rPr lang="en-US" i="1">
+                                  <a:latin typeface="Cambria Math" panose="02040503050406030204" pitchFamily="18" charset="0"/>
+                                </a:rPr>
                               </m:ctrlPr>
                             </m:fPr>
                             <m:num>
                               <m:r>
-                                <a:rPr lang="en-US" i="1"/>
+                                <a:rPr lang="en-US" i="1">
+                                  <a:latin typeface="Cambria Math" panose="02040503050406030204" pitchFamily="18" charset="0"/>
+                                </a:rPr>
                                 <m:t>1</m:t>
                               </m:r>
                             </m:num>
@@ -7877,18 +7983,24 @@
                               <m:sSub>
                                 <m:sSubPr>
                                   <m:ctrlPr>
-                                    <a:rPr lang="en-US" i="1"/>
+                                    <a:rPr lang="en-US" i="1">
+                                      <a:latin typeface="Cambria Math" panose="02040503050406030204" pitchFamily="18" charset="0"/>
+                                    </a:rPr>
                                   </m:ctrlPr>
                                 </m:sSubPr>
                                 <m:e>
                                   <m:r>
-                                    <a:rPr lang="en-US" i="1"/>
+                                    <a:rPr lang="en-US" i="1">
+                                      <a:latin typeface="Cambria Math" panose="02040503050406030204" pitchFamily="18" charset="0"/>
+                                    </a:rPr>
                                     <m:t>𝐾</m:t>
                                   </m:r>
                                 </m:e>
                                 <m:sub>
                                   <m:r>
-                                    <a:rPr lang="en-US" i="1"/>
+                                    <a:rPr lang="en-US" i="1">
+                                      <a:latin typeface="Cambria Math" panose="02040503050406030204" pitchFamily="18" charset="0"/>
+                                    </a:rPr>
                                     <m:t>𝑖</m:t>
                                   </m:r>
                                 </m:sub>
@@ -7900,16 +8012,22 @@
                               <m:chr m:val="∑"/>
                               <m:limLoc m:val="undOvr"/>
                               <m:ctrlPr>
-                                <a:rPr lang="en-US" i="1"/>
+                                <a:rPr lang="en-US" i="1">
+                                  <a:latin typeface="Cambria Math" panose="02040503050406030204" pitchFamily="18" charset="0"/>
+                                </a:rPr>
                               </m:ctrlPr>
                             </m:naryPr>
                             <m:sub>
                               <m:r>
-                                <a:rPr lang="en-US" i="1"/>
+                                <a:rPr lang="en-US" i="1">
+                                  <a:latin typeface="Cambria Math" panose="02040503050406030204" pitchFamily="18" charset="0"/>
+                                </a:rPr>
                                 <m:t>𝑘</m:t>
                               </m:r>
                               <m:r>
-                                <a:rPr lang="en-US" i="1"/>
+                                <a:rPr lang="en-US" i="1">
+                                  <a:latin typeface="Cambria Math" panose="02040503050406030204" pitchFamily="18" charset="0"/>
+                                </a:rPr>
                                 <m:t>=1</m:t>
                               </m:r>
                             </m:sub>
@@ -7917,18 +8035,24 @@
                               <m:sSub>
                                 <m:sSubPr>
                                   <m:ctrlPr>
-                                    <a:rPr lang="en-US" i="1"/>
+                                    <a:rPr lang="en-US" i="1">
+                                      <a:latin typeface="Cambria Math" panose="02040503050406030204" pitchFamily="18" charset="0"/>
+                                    </a:rPr>
                                   </m:ctrlPr>
                                 </m:sSubPr>
                                 <m:e>
                                   <m:r>
-                                    <a:rPr lang="en-US" i="1"/>
+                                    <a:rPr lang="en-US" i="1">
+                                      <a:latin typeface="Cambria Math" panose="02040503050406030204" pitchFamily="18" charset="0"/>
+                                    </a:rPr>
                                     <m:t>𝐾</m:t>
                                   </m:r>
                                 </m:e>
                                 <m:sub>
                                   <m:r>
-                                    <a:rPr lang="en-US" i="1"/>
+                                    <a:rPr lang="en-US" i="1">
+                                      <a:latin typeface="Cambria Math" panose="02040503050406030204" pitchFamily="18" charset="0"/>
+                                    </a:rPr>
                                     <m:t>𝑖</m:t>
                                   </m:r>
                                 </m:sub>
@@ -7936,75 +8060,101 @@
                             </m:sup>
                             <m:e>
                               <m:r>
-                                <a:rPr lang="en-US" i="1"/>
+                                <a:rPr lang="en-US" i="1">
+                                  <a:latin typeface="Cambria Math" panose="02040503050406030204" pitchFamily="18" charset="0"/>
+                                </a:rPr>
                                 <m:t>𝑈</m:t>
                               </m:r>
                               <m:d>
                                 <m:dPr>
                                   <m:ctrlPr>
-                                    <a:rPr lang="en-US" i="1"/>
+                                    <a:rPr lang="en-US" i="1">
+                                      <a:latin typeface="Cambria Math" panose="02040503050406030204" pitchFamily="18" charset="0"/>
+                                    </a:rPr>
                                   </m:ctrlPr>
                                 </m:dPr>
                                 <m:e>
                                   <m:r>
-                                    <a:rPr lang="en-US" i="1"/>
+                                    <a:rPr lang="en-US" i="1">
+                                      <a:latin typeface="Cambria Math" panose="02040503050406030204" pitchFamily="18" charset="0"/>
+                                    </a:rPr>
                                     <m:t>0,</m:t>
                                   </m:r>
                                   <m:r>
-                                    <a:rPr lang="en-US" i="1"/>
+                                    <a:rPr lang="en-US" i="1">
+                                      <a:latin typeface="Cambria Math" panose="02040503050406030204" pitchFamily="18" charset="0"/>
+                                    </a:rPr>
                                     <m:t>𝜙</m:t>
                                   </m:r>
                                 </m:e>
                               </m:d>
                               <m:r>
-                                <a:rPr lang="en-US" i="1"/>
+                                <a:rPr lang="en-US" i="1">
+                                  <a:latin typeface="Cambria Math" panose="02040503050406030204" pitchFamily="18" charset="0"/>
+                                </a:rPr>
                                 <m:t>⨂</m:t>
                               </m:r>
                               <m:d>
                                 <m:dPr>
                                   <m:ctrlPr>
-                                    <a:rPr lang="en-US" i="1"/>
+                                    <a:rPr lang="en-US" i="1">
+                                      <a:latin typeface="Cambria Math" panose="02040503050406030204" pitchFamily="18" charset="0"/>
+                                    </a:rPr>
                                   </m:ctrlPr>
                                 </m:dPr>
                                 <m:e>
                                   <m:sSub>
                                     <m:sSubPr>
                                       <m:ctrlPr>
-                                        <a:rPr lang="en-US" i="1"/>
+                                        <a:rPr lang="en-US" i="1">
+                                          <a:latin typeface="Cambria Math" panose="02040503050406030204" pitchFamily="18" charset="0"/>
+                                        </a:rPr>
                                       </m:ctrlPr>
                                     </m:sSubPr>
                                     <m:e>
                                       <m:r>
-                                        <a:rPr lang="en-US" b="1" i="1"/>
+                                        <a:rPr lang="en-US" b="1" i="1">
+                                          <a:latin typeface="Cambria Math" panose="02040503050406030204" pitchFamily="18" charset="0"/>
+                                        </a:rPr>
                                         <m:t>𝒒</m:t>
                                       </m:r>
                                     </m:e>
                                     <m:sub>
                                       <m:r>
-                                        <a:rPr lang="en-US" i="1"/>
+                                        <a:rPr lang="en-US" i="1">
+                                          <a:latin typeface="Cambria Math" panose="02040503050406030204" pitchFamily="18" charset="0"/>
+                                        </a:rPr>
                                         <m:t>𝑘</m:t>
                                       </m:r>
                                     </m:sub>
                                   </m:sSub>
                                   <m:r>
-                                    <a:rPr lang="en-US" i="1"/>
+                                    <a:rPr lang="en-US" i="1">
+                                      <a:latin typeface="Cambria Math" panose="02040503050406030204" pitchFamily="18" charset="0"/>
+                                    </a:rPr>
                                     <m:t>−</m:t>
                                   </m:r>
                                   <m:sSub>
                                     <m:sSubPr>
                                       <m:ctrlPr>
-                                        <a:rPr lang="en-US" i="1"/>
+                                        <a:rPr lang="en-US" i="1">
+                                          <a:latin typeface="Cambria Math" panose="02040503050406030204" pitchFamily="18" charset="0"/>
+                                        </a:rPr>
                                       </m:ctrlPr>
                                     </m:sSubPr>
                                     <m:e>
                                       <m:r>
-                                        <a:rPr lang="en-US" b="1" i="1"/>
+                                        <a:rPr lang="en-US" b="1" i="1">
+                                          <a:latin typeface="Cambria Math" panose="02040503050406030204" pitchFamily="18" charset="0"/>
+                                        </a:rPr>
                                         <m:t>𝒙</m:t>
                                       </m:r>
                                     </m:e>
                                     <m:sub>
                                       <m:r>
-                                        <a:rPr lang="en-US" i="1"/>
+                                        <a:rPr lang="en-US" i="1">
+                                          <a:latin typeface="Cambria Math" panose="02040503050406030204" pitchFamily="18" charset="0"/>
+                                        </a:rPr>
                                         <m:t>𝑖</m:t>
                                       </m:r>
                                     </m:sub>
@@ -8162,7 +8312,7 @@
                 </a:r>
                 <a:r>
                   <a:rPr lang="en-US" dirty="0"/>
-                  <a:t>whereas previous equations 1.1, 1.3, and 1.4 specifies </a:t>
+                  <a:t>whereas previous equations 1.1, 1.3, and 1.4 specify </a:t>
                 </a:r>
                 <a:r>
                   <a:rPr lang="en-US" i="1" dirty="0"/>
@@ -8239,7 +8389,7 @@
           <a:p>
             <a:fld id="{4E10A670-4E98-4FA5-A2C2-4F9C00874B7B}" type="datetime1">
               <a:rPr lang="en-US" smtClean="0"/>
-              <a:t>2/26/2021</a:t>
+              <a:t>17/03/2021</a:t>
             </a:fld>
             <a:endParaRPr lang="en-US"/>
           </a:p>
@@ -8432,7 +8582,7 @@
           <a:p>
             <a:fld id="{4E10A670-4E98-4FA5-A2C2-4F9C00874B7B}" type="datetime1">
               <a:rPr lang="en-US" smtClean="0"/>
-              <a:t>2/26/2021</a:t>
+              <a:t>17/03/2021</a:t>
             </a:fld>
             <a:endParaRPr lang="en-US"/>
           </a:p>
@@ -8623,7 +8773,7 @@
           <a:p>
             <a:fld id="{F3F053F5-9530-4683-9E69-031535182494}" type="datetime1">
               <a:rPr lang="en-US" smtClean="0"/>
-              <a:t>2/26/2021</a:t>
+              <a:t>17/03/2021</a:t>
             </a:fld>
             <a:endParaRPr lang="en-US"/>
           </a:p>
@@ -8733,8 +8883,8 @@
           </a:p>
         </p:txBody>
       </p:sp>
-      <mc:AlternateContent xmlns:mc="http://schemas.openxmlformats.org/markup-compatibility/2006">
-        <mc:Choice xmlns:a14="http://schemas.microsoft.com/office/drawing/2010/main" Requires="a14">
+      <mc:AlternateContent xmlns:mc="http://schemas.openxmlformats.org/markup-compatibility/2006" xmlns:a14="http://schemas.microsoft.com/office/drawing/2010/main">
+        <mc:Choice Requires="a14">
           <p:sp>
             <p:nvSpPr>
               <p:cNvPr id="3" name="Content Placeholder 2">
@@ -8829,94 +8979,128 @@
                       <m:sSub>
                         <m:sSubPr>
                           <m:ctrlPr>
-                            <a:rPr lang="en-US" i="1"/>
+                            <a:rPr lang="en-US" i="1">
+                              <a:latin typeface="Cambria Math" panose="02040503050406030204" pitchFamily="18" charset="0"/>
+                            </a:rPr>
                           </m:ctrlPr>
                         </m:sSubPr>
                         <m:e>
                           <m:r>
-                            <a:rPr lang="en-US" b="1" i="1"/>
+                            <a:rPr lang="en-US" b="1" i="1">
+                              <a:latin typeface="Cambria Math" panose="02040503050406030204" pitchFamily="18" charset="0"/>
+                            </a:rPr>
                             <m:t>𝒗</m:t>
                           </m:r>
                         </m:e>
                         <m:sub>
                           <m:r>
-                            <a:rPr lang="en-US" i="1"/>
+                            <a:rPr lang="en-US" i="1">
+                              <a:latin typeface="Cambria Math" panose="02040503050406030204" pitchFamily="18" charset="0"/>
+                            </a:rPr>
                             <m:t>𝑖</m:t>
                           </m:r>
                         </m:sub>
                       </m:sSub>
                       <m:r>
-                        <a:rPr lang="en-US" i="1"/>
+                        <a:rPr lang="en-US" i="1">
+                          <a:latin typeface="Cambria Math" panose="02040503050406030204" pitchFamily="18" charset="0"/>
+                        </a:rPr>
                         <m:t>=</m:t>
                       </m:r>
                       <m:r>
-                        <a:rPr lang="en-US" i="1"/>
+                        <a:rPr lang="en-US" i="1">
+                          <a:latin typeface="Cambria Math" panose="02040503050406030204" pitchFamily="18" charset="0"/>
+                        </a:rPr>
                         <m:t>𝜒</m:t>
                       </m:r>
                       <m:d>
                         <m:dPr>
                           <m:ctrlPr>
-                            <a:rPr lang="en-US" i="1"/>
+                            <a:rPr lang="en-US" i="1">
+                              <a:latin typeface="Cambria Math" panose="02040503050406030204" pitchFamily="18" charset="0"/>
+                            </a:rPr>
                           </m:ctrlPr>
                         </m:dPr>
                         <m:e>
                           <m:r>
-                            <a:rPr lang="en-US" i="1"/>
+                            <a:rPr lang="en-US" i="1">
+                              <a:latin typeface="Cambria Math" panose="02040503050406030204" pitchFamily="18" charset="0"/>
+                            </a:rPr>
                             <m:t>𝜔</m:t>
                           </m:r>
                           <m:sSub>
                             <m:sSubPr>
                               <m:ctrlPr>
-                                <a:rPr lang="en-US" i="1"/>
+                                <a:rPr lang="en-US" i="1">
+                                  <a:latin typeface="Cambria Math" panose="02040503050406030204" pitchFamily="18" charset="0"/>
+                                </a:rPr>
                               </m:ctrlPr>
                             </m:sSubPr>
                             <m:e>
                               <m:r>
-                                <a:rPr lang="en-US" b="1" i="1"/>
+                                <a:rPr lang="en-US" b="1" i="1">
+                                  <a:latin typeface="Cambria Math" panose="02040503050406030204" pitchFamily="18" charset="0"/>
+                                </a:rPr>
                                 <m:t>𝒗</m:t>
                               </m:r>
                             </m:e>
                             <m:sub>
                               <m:r>
-                                <a:rPr lang="en-US" i="1"/>
+                                <a:rPr lang="en-US" i="1">
+                                  <a:latin typeface="Cambria Math" panose="02040503050406030204" pitchFamily="18" charset="0"/>
+                                </a:rPr>
                                 <m:t>𝑖</m:t>
                               </m:r>
                             </m:sub>
                           </m:sSub>
                           <m:r>
-                            <a:rPr lang="en-US" i="1"/>
+                            <a:rPr lang="en-US" i="1">
+                              <a:latin typeface="Cambria Math" panose="02040503050406030204" pitchFamily="18" charset="0"/>
+                            </a:rPr>
                             <m:t>+</m:t>
                           </m:r>
                           <m:r>
-                            <a:rPr lang="en-US" i="1"/>
+                            <a:rPr lang="en-US" i="1">
+                              <a:latin typeface="Cambria Math" panose="02040503050406030204" pitchFamily="18" charset="0"/>
+                            </a:rPr>
                             <m:t>𝑈</m:t>
                           </m:r>
                           <m:d>
                             <m:dPr>
                               <m:ctrlPr>
-                                <a:rPr lang="en-US" i="1"/>
+                                <a:rPr lang="en-US" i="1">
+                                  <a:latin typeface="Cambria Math" panose="02040503050406030204" pitchFamily="18" charset="0"/>
+                                </a:rPr>
                               </m:ctrlPr>
                             </m:dPr>
                             <m:e>
                               <m:r>
-                                <a:rPr lang="en-US" i="1"/>
+                                <a:rPr lang="en-US" i="1">
+                                  <a:latin typeface="Cambria Math" panose="02040503050406030204" pitchFamily="18" charset="0"/>
+                                </a:rPr>
                                 <m:t>0,</m:t>
                               </m:r>
                               <m:sSub>
                                 <m:sSubPr>
                                   <m:ctrlPr>
-                                    <a:rPr lang="en-US" i="1"/>
+                                    <a:rPr lang="en-US" i="1">
+                                      <a:latin typeface="Cambria Math" panose="02040503050406030204" pitchFamily="18" charset="0"/>
+                                    </a:rPr>
                                   </m:ctrlPr>
                                 </m:sSubPr>
                                 <m:e>
                                   <m:r>
-                                    <a:rPr lang="en-US" i="1"/>
+                                    <a:rPr lang="en-US" i="1">
+                                      <a:latin typeface="Cambria Math" panose="02040503050406030204" pitchFamily="18" charset="0"/>
+                                    </a:rPr>
                                     <m:t>𝜙</m:t>
                                   </m:r>
                                 </m:e>
                                 <m:sub>
                                   <m:r>
-                                    <a:rPr lang="en-US" i="1"/>
+                                    <a:rPr lang="en-US" i="1">
+                                      <a:latin typeface="Cambria Math" panose="02040503050406030204" pitchFamily="18" charset="0"/>
+                                    </a:rPr>
                                     <m:t>1</m:t>
                                   </m:r>
                                 </m:sub>
@@ -8924,54 +9108,72 @@
                             </m:e>
                           </m:d>
                           <m:r>
-                            <a:rPr lang="en-US" i="1"/>
+                            <a:rPr lang="en-US" i="1">
+                              <a:latin typeface="Cambria Math" panose="02040503050406030204" pitchFamily="18" charset="0"/>
+                            </a:rPr>
                             <m:t>⨂</m:t>
                           </m:r>
                           <m:d>
                             <m:dPr>
                               <m:ctrlPr>
-                                <a:rPr lang="en-US" i="1"/>
+                                <a:rPr lang="en-US" i="1">
+                                  <a:latin typeface="Cambria Math" panose="02040503050406030204" pitchFamily="18" charset="0"/>
+                                </a:rPr>
                               </m:ctrlPr>
                             </m:dPr>
                             <m:e>
                               <m:sSub>
                                 <m:sSubPr>
                                   <m:ctrlPr>
-                                    <a:rPr lang="en-US" i="1"/>
+                                    <a:rPr lang="en-US" i="1">
+                                      <a:latin typeface="Cambria Math" panose="02040503050406030204" pitchFamily="18" charset="0"/>
+                                    </a:rPr>
                                   </m:ctrlPr>
                                 </m:sSubPr>
                                 <m:e>
                                   <m:r>
-                                    <a:rPr lang="en-US" b="1" i="1"/>
+                                    <a:rPr lang="en-US" b="1" i="1">
+                                      <a:latin typeface="Cambria Math" panose="02040503050406030204" pitchFamily="18" charset="0"/>
+                                    </a:rPr>
                                     <m:t>𝒑</m:t>
                                   </m:r>
                                 </m:e>
                                 <m:sub>
                                   <m:r>
-                                    <a:rPr lang="en-US" i="1"/>
+                                    <a:rPr lang="en-US" i="1">
+                                      <a:latin typeface="Cambria Math" panose="02040503050406030204" pitchFamily="18" charset="0"/>
+                                    </a:rPr>
                                     <m:t>𝑖</m:t>
                                   </m:r>
                                 </m:sub>
                               </m:sSub>
                               <m:r>
-                                <a:rPr lang="en-US" i="1"/>
+                                <a:rPr lang="en-US" i="1">
+                                  <a:latin typeface="Cambria Math" panose="02040503050406030204" pitchFamily="18" charset="0"/>
+                                </a:rPr>
                                 <m:t>−</m:t>
                               </m:r>
                               <m:sSub>
                                 <m:sSubPr>
                                   <m:ctrlPr>
-                                    <a:rPr lang="en-US" i="1"/>
+                                    <a:rPr lang="en-US" i="1">
+                                      <a:latin typeface="Cambria Math" panose="02040503050406030204" pitchFamily="18" charset="0"/>
+                                    </a:rPr>
                                   </m:ctrlPr>
                                 </m:sSubPr>
                                 <m:e>
                                   <m:r>
-                                    <a:rPr lang="en-US" b="1" i="1"/>
+                                    <a:rPr lang="en-US" b="1" i="1">
+                                      <a:latin typeface="Cambria Math" panose="02040503050406030204" pitchFamily="18" charset="0"/>
+                                    </a:rPr>
                                     <m:t>𝒙</m:t>
                                   </m:r>
                                 </m:e>
                                 <m:sub>
                                   <m:r>
-                                    <a:rPr lang="en-US" i="1"/>
+                                    <a:rPr lang="en-US" i="1">
+                                      <a:latin typeface="Cambria Math" panose="02040503050406030204" pitchFamily="18" charset="0"/>
+                                    </a:rPr>
                                     <m:t>𝑖</m:t>
                                   </m:r>
                                 </m:sub>
@@ -8979,39 +9181,53 @@
                             </m:e>
                           </m:d>
                           <m:r>
-                            <a:rPr lang="en-US" i="1"/>
+                            <a:rPr lang="en-US" i="1">
+                              <a:latin typeface="Cambria Math" panose="02040503050406030204" pitchFamily="18" charset="0"/>
+                            </a:rPr>
                             <m:t>+</m:t>
                           </m:r>
                           <m:r>
-                            <a:rPr lang="en-US" i="1"/>
+                            <a:rPr lang="en-US" i="1">
+                              <a:latin typeface="Cambria Math" panose="02040503050406030204" pitchFamily="18" charset="0"/>
+                            </a:rPr>
                             <m:t>𝑈</m:t>
                           </m:r>
                           <m:d>
                             <m:dPr>
                               <m:ctrlPr>
-                                <a:rPr lang="en-US" i="1"/>
+                                <a:rPr lang="en-US" i="1">
+                                  <a:latin typeface="Cambria Math" panose="02040503050406030204" pitchFamily="18" charset="0"/>
+                                </a:rPr>
                               </m:ctrlPr>
                             </m:dPr>
                             <m:e>
                               <m:r>
-                                <a:rPr lang="en-US" i="1"/>
+                                <a:rPr lang="en-US" i="1">
+                                  <a:latin typeface="Cambria Math" panose="02040503050406030204" pitchFamily="18" charset="0"/>
+                                </a:rPr>
                                 <m:t>0,</m:t>
                               </m:r>
                               <m:sSub>
                                 <m:sSubPr>
                                   <m:ctrlPr>
-                                    <a:rPr lang="en-US" i="1"/>
+                                    <a:rPr lang="en-US" i="1">
+                                      <a:latin typeface="Cambria Math" panose="02040503050406030204" pitchFamily="18" charset="0"/>
+                                    </a:rPr>
                                   </m:ctrlPr>
                                 </m:sSubPr>
                                 <m:e>
                                   <m:r>
-                                    <a:rPr lang="en-US" i="1"/>
+                                    <a:rPr lang="en-US" i="1">
+                                      <a:latin typeface="Cambria Math" panose="02040503050406030204" pitchFamily="18" charset="0"/>
+                                    </a:rPr>
                                     <m:t>𝜙</m:t>
                                   </m:r>
                                 </m:e>
                                 <m:sub>
                                   <m:r>
-                                    <a:rPr lang="en-US" i="1"/>
+                                    <a:rPr lang="en-US" i="1">
+                                      <a:latin typeface="Cambria Math" panose="02040503050406030204" pitchFamily="18" charset="0"/>
+                                    </a:rPr>
                                     <m:t>2</m:t>
                                   </m:r>
                                 </m:sub>
@@ -9019,54 +9235,72 @@
                             </m:e>
                           </m:d>
                           <m:r>
-                            <a:rPr lang="en-US" i="1"/>
+                            <a:rPr lang="en-US" i="1">
+                              <a:latin typeface="Cambria Math" panose="02040503050406030204" pitchFamily="18" charset="0"/>
+                            </a:rPr>
                             <m:t>⨂</m:t>
                           </m:r>
                           <m:d>
                             <m:dPr>
                               <m:ctrlPr>
-                                <a:rPr lang="en-US" i="1"/>
+                                <a:rPr lang="en-US" i="1">
+                                  <a:latin typeface="Cambria Math" panose="02040503050406030204" pitchFamily="18" charset="0"/>
+                                </a:rPr>
                               </m:ctrlPr>
                             </m:dPr>
                             <m:e>
                               <m:sSub>
                                 <m:sSubPr>
                                   <m:ctrlPr>
-                                    <a:rPr lang="en-US" i="1"/>
+                                    <a:rPr lang="en-US" i="1">
+                                      <a:latin typeface="Cambria Math" panose="02040503050406030204" pitchFamily="18" charset="0"/>
+                                    </a:rPr>
                                   </m:ctrlPr>
                                 </m:sSubPr>
                                 <m:e>
                                   <m:r>
-                                    <a:rPr lang="en-US" b="1" i="1"/>
+                                    <a:rPr lang="en-US" b="1" i="1">
+                                      <a:latin typeface="Cambria Math" panose="02040503050406030204" pitchFamily="18" charset="0"/>
+                                    </a:rPr>
                                     <m:t>𝒑</m:t>
                                   </m:r>
                                 </m:e>
                                 <m:sub>
                                   <m:r>
-                                    <a:rPr lang="en-US" i="1"/>
+                                    <a:rPr lang="en-US" i="1">
+                                      <a:latin typeface="Cambria Math" panose="02040503050406030204" pitchFamily="18" charset="0"/>
+                                    </a:rPr>
                                     <m:t>𝑔</m:t>
                                   </m:r>
                                 </m:sub>
                               </m:sSub>
                               <m:r>
-                                <a:rPr lang="en-US" i="1"/>
+                                <a:rPr lang="en-US" i="1">
+                                  <a:latin typeface="Cambria Math" panose="02040503050406030204" pitchFamily="18" charset="0"/>
+                                </a:rPr>
                                 <m:t>−</m:t>
                               </m:r>
                               <m:sSub>
                                 <m:sSubPr>
                                   <m:ctrlPr>
-                                    <a:rPr lang="en-US" i="1"/>
+                                    <a:rPr lang="en-US" i="1">
+                                      <a:latin typeface="Cambria Math" panose="02040503050406030204" pitchFamily="18" charset="0"/>
+                                    </a:rPr>
                                   </m:ctrlPr>
                                 </m:sSubPr>
                                 <m:e>
                                   <m:r>
-                                    <a:rPr lang="en-US" b="1" i="1"/>
+                                    <a:rPr lang="en-US" b="1" i="1">
+                                      <a:latin typeface="Cambria Math" panose="02040503050406030204" pitchFamily="18" charset="0"/>
+                                    </a:rPr>
                                     <m:t>𝒙</m:t>
                                   </m:r>
                                 </m:e>
                                 <m:sub>
                                   <m:r>
-                                    <a:rPr lang="en-US" i="1"/>
+                                    <a:rPr lang="en-US" i="1">
+                                      <a:latin typeface="Cambria Math" panose="02040503050406030204" pitchFamily="18" charset="0"/>
+                                    </a:rPr>
                                     <m:t>𝑖</m:t>
                                   </m:r>
                                 </m:sub>
@@ -9074,18 +9308,24 @@
                             </m:e>
                           </m:d>
                           <m:r>
-                            <a:rPr lang="en-US" i="1"/>
+                            <a:rPr lang="en-US" i="1">
+                              <a:latin typeface="Cambria Math" panose="02040503050406030204" pitchFamily="18" charset="0"/>
+                            </a:rPr>
                             <m:t>+</m:t>
                           </m:r>
                           <m:f>
                             <m:fPr>
                               <m:ctrlPr>
-                                <a:rPr lang="en-US" i="1"/>
+                                <a:rPr lang="en-US" i="1">
+                                  <a:latin typeface="Cambria Math" panose="02040503050406030204" pitchFamily="18" charset="0"/>
+                                </a:rPr>
                               </m:ctrlPr>
                             </m:fPr>
                             <m:num>
                               <m:r>
-                                <a:rPr lang="en-US" i="1"/>
+                                <a:rPr lang="en-US" i="1">
+                                  <a:latin typeface="Cambria Math" panose="02040503050406030204" pitchFamily="18" charset="0"/>
+                                </a:rPr>
                                 <m:t>1</m:t>
                               </m:r>
                             </m:num>
@@ -9093,18 +9333,24 @@
                               <m:sSub>
                                 <m:sSubPr>
                                   <m:ctrlPr>
-                                    <a:rPr lang="en-US" i="1"/>
+                                    <a:rPr lang="en-US" i="1">
+                                      <a:latin typeface="Cambria Math" panose="02040503050406030204" pitchFamily="18" charset="0"/>
+                                    </a:rPr>
                                   </m:ctrlPr>
                                 </m:sSubPr>
                                 <m:e>
                                   <m:r>
-                                    <a:rPr lang="en-US" i="1"/>
+                                    <a:rPr lang="en-US" i="1">
+                                      <a:latin typeface="Cambria Math" panose="02040503050406030204" pitchFamily="18" charset="0"/>
+                                    </a:rPr>
                                     <m:t>𝐾</m:t>
                                   </m:r>
                                 </m:e>
                                 <m:sub>
                                   <m:r>
-                                    <a:rPr lang="en-US" i="1"/>
+                                    <a:rPr lang="en-US" i="1">
+                                      <a:latin typeface="Cambria Math" panose="02040503050406030204" pitchFamily="18" charset="0"/>
+                                    </a:rPr>
                                     <m:t>𝑖</m:t>
                                   </m:r>
                                 </m:sub>
@@ -9116,16 +9362,22 @@
                               <m:chr m:val="∑"/>
                               <m:limLoc m:val="undOvr"/>
                               <m:ctrlPr>
-                                <a:rPr lang="en-US" i="1"/>
+                                <a:rPr lang="en-US" i="1">
+                                  <a:latin typeface="Cambria Math" panose="02040503050406030204" pitchFamily="18" charset="0"/>
+                                </a:rPr>
                               </m:ctrlPr>
                             </m:naryPr>
                             <m:sub>
                               <m:r>
-                                <a:rPr lang="en-US" i="1"/>
+                                <a:rPr lang="en-US" i="1">
+                                  <a:latin typeface="Cambria Math" panose="02040503050406030204" pitchFamily="18" charset="0"/>
+                                </a:rPr>
                                 <m:t>𝑘</m:t>
                               </m:r>
                               <m:r>
-                                <a:rPr lang="en-US" i="1"/>
+                                <a:rPr lang="en-US" i="1">
+                                  <a:latin typeface="Cambria Math" panose="02040503050406030204" pitchFamily="18" charset="0"/>
+                                </a:rPr>
                                 <m:t>=1</m:t>
                               </m:r>
                             </m:sub>
@@ -9133,18 +9385,24 @@
                               <m:sSub>
                                 <m:sSubPr>
                                   <m:ctrlPr>
-                                    <a:rPr lang="en-US" i="1"/>
+                                    <a:rPr lang="en-US" i="1">
+                                      <a:latin typeface="Cambria Math" panose="02040503050406030204" pitchFamily="18" charset="0"/>
+                                    </a:rPr>
                                   </m:ctrlPr>
                                 </m:sSubPr>
                                 <m:e>
                                   <m:r>
-                                    <a:rPr lang="en-US" i="1"/>
+                                    <a:rPr lang="en-US" i="1">
+                                      <a:latin typeface="Cambria Math" panose="02040503050406030204" pitchFamily="18" charset="0"/>
+                                    </a:rPr>
                                     <m:t>𝐾</m:t>
                                   </m:r>
                                 </m:e>
                                 <m:sub>
                                   <m:r>
-                                    <a:rPr lang="en-US" i="1"/>
+                                    <a:rPr lang="en-US" i="1">
+                                      <a:latin typeface="Cambria Math" panose="02040503050406030204" pitchFamily="18" charset="0"/>
+                                    </a:rPr>
                                     <m:t>𝑖</m:t>
                                   </m:r>
                                 </m:sub>
@@ -9152,75 +9410,101 @@
                             </m:sup>
                             <m:e>
                               <m:r>
-                                <a:rPr lang="en-US" i="1"/>
+                                <a:rPr lang="en-US" i="1">
+                                  <a:latin typeface="Cambria Math" panose="02040503050406030204" pitchFamily="18" charset="0"/>
+                                </a:rPr>
                                 <m:t>𝑈</m:t>
                               </m:r>
                               <m:d>
                                 <m:dPr>
                                   <m:ctrlPr>
-                                    <a:rPr lang="en-US" i="1"/>
+                                    <a:rPr lang="en-US" i="1">
+                                      <a:latin typeface="Cambria Math" panose="02040503050406030204" pitchFamily="18" charset="0"/>
+                                    </a:rPr>
                                   </m:ctrlPr>
                                 </m:dPr>
                                 <m:e>
                                   <m:r>
-                                    <a:rPr lang="en-US" i="1"/>
+                                    <a:rPr lang="en-US" i="1">
+                                      <a:latin typeface="Cambria Math" panose="02040503050406030204" pitchFamily="18" charset="0"/>
+                                    </a:rPr>
                                     <m:t>0,</m:t>
                                   </m:r>
                                   <m:r>
-                                    <a:rPr lang="en-US" i="1"/>
+                                    <a:rPr lang="en-US" i="1">
+                                      <a:latin typeface="Cambria Math" panose="02040503050406030204" pitchFamily="18" charset="0"/>
+                                    </a:rPr>
                                     <m:t>𝜙</m:t>
                                   </m:r>
                                 </m:e>
                               </m:d>
                               <m:r>
-                                <a:rPr lang="en-US" i="1"/>
+                                <a:rPr lang="en-US" i="1">
+                                  <a:latin typeface="Cambria Math" panose="02040503050406030204" pitchFamily="18" charset="0"/>
+                                </a:rPr>
                                 <m:t>⨂</m:t>
                               </m:r>
                               <m:d>
                                 <m:dPr>
                                   <m:ctrlPr>
-                                    <a:rPr lang="en-US" i="1"/>
+                                    <a:rPr lang="en-US" i="1">
+                                      <a:latin typeface="Cambria Math" panose="02040503050406030204" pitchFamily="18" charset="0"/>
+                                    </a:rPr>
                                   </m:ctrlPr>
                                 </m:dPr>
                                 <m:e>
                                   <m:sSub>
                                     <m:sSubPr>
                                       <m:ctrlPr>
-                                        <a:rPr lang="en-US" i="1"/>
+                                        <a:rPr lang="en-US" i="1">
+                                          <a:latin typeface="Cambria Math" panose="02040503050406030204" pitchFamily="18" charset="0"/>
+                                        </a:rPr>
                                       </m:ctrlPr>
                                     </m:sSubPr>
                                     <m:e>
                                       <m:r>
-                                        <a:rPr lang="en-US" b="1" i="1"/>
+                                        <a:rPr lang="en-US" b="1" i="1">
+                                          <a:latin typeface="Cambria Math" panose="02040503050406030204" pitchFamily="18" charset="0"/>
+                                        </a:rPr>
                                         <m:t>𝒒</m:t>
                                       </m:r>
                                     </m:e>
                                     <m:sub>
                                       <m:r>
-                                        <a:rPr lang="en-US" i="1"/>
+                                        <a:rPr lang="en-US" i="1">
+                                          <a:latin typeface="Cambria Math" panose="02040503050406030204" pitchFamily="18" charset="0"/>
+                                        </a:rPr>
                                         <m:t>𝑘</m:t>
                                       </m:r>
                                     </m:sub>
                                   </m:sSub>
                                   <m:r>
-                                    <a:rPr lang="en-US" i="1"/>
+                                    <a:rPr lang="en-US" i="1">
+                                      <a:latin typeface="Cambria Math" panose="02040503050406030204" pitchFamily="18" charset="0"/>
+                                    </a:rPr>
                                     <m:t>−</m:t>
                                   </m:r>
                                   <m:sSub>
                                     <m:sSubPr>
                                       <m:ctrlPr>
-                                        <a:rPr lang="en-US" i="1"/>
+                                        <a:rPr lang="en-US" i="1">
+                                          <a:latin typeface="Cambria Math" panose="02040503050406030204" pitchFamily="18" charset="0"/>
+                                        </a:rPr>
                                       </m:ctrlPr>
                                     </m:sSubPr>
                                     <m:e>
                                       <m:r>
-                                        <a:rPr lang="en-US" b="1" i="1"/>
+                                        <a:rPr lang="en-US" b="1" i="1">
+                                          <a:latin typeface="Cambria Math" panose="02040503050406030204" pitchFamily="18" charset="0"/>
+                                        </a:rPr>
                                         <m:t>𝒙</m:t>
                                       </m:r>
                                     </m:e>
                                     <m:sub>
                                       <m:r>
-                                        <a:rPr lang="en-US" i="1"/>
+                                        <a:rPr lang="en-US" i="1">
+                                          <a:latin typeface="Cambria Math" panose="02040503050406030204" pitchFamily="18" charset="0"/>
+                                        </a:rPr>
                                         <m:t>𝑖</m:t>
                                       </m:r>
                                     </m:sub>
@@ -9344,7 +9628,7 @@
             </p:txBody>
           </p:sp>
         </mc:Choice>
-        <mc:Fallback>
+        <mc:Fallback xmlns="">
           <p:sp>
             <p:nvSpPr>
               <p:cNvPr id="3" name="Content Placeholder 2">
@@ -9411,7 +9695,7 @@
           <a:p>
             <a:fld id="{4E10A670-4E98-4FA5-A2C2-4F9C00874B7B}" type="datetime1">
               <a:rPr lang="en-US" smtClean="0"/>
-              <a:t>2/26/2021</a:t>
+              <a:t>17/03/2021</a:t>
             </a:fld>
             <a:endParaRPr lang="en-US"/>
           </a:p>
@@ -9558,7 +9842,7 @@
           <a:p>
             <a:r>
               <a:rPr lang="en-US" dirty="0"/>
-              <a:t>In PSO theory, solutions of dynamic problem are to improve the exploitation so that PSO can converge as fast as possible. Inertial weight and constriction coefficient are common solutions for dynamic problem. Hence, constriction coefficient is tuned with GPSO. However, tuning a parameter does not means that such parameter is modified simply at each iteration because the modification must be solid and based on valuable knowledge.</a:t>
+              <a:t>In PSO theory, solutions of dynamic problem are to improve the exploitation so that PSO can converge as fast as possible. Inertial weight and constriction coefficient are common solutions for dynamic problem. Hence, constriction coefficient is tuned with GPSO. However, tuning a parameter does not mean that such parameter is modified simply at each iteration because the modification must be solid and based on valuable knowledge.</a:t>
             </a:r>
           </a:p>
           <a:p>
@@ -9803,8 +10087,8 @@
               <a:t>ij</a:t>
             </a:r>
             <a:r>
-              <a:rPr lang="en-US" dirty="0"/>
-              <a:t>–</a:t>
+              <a:rPr lang="en-US" dirty="0" err="1"/>
+              <a:t>+</a:t>
             </a:r>
             <a:r>
               <a:rPr lang="en-US" i="1" dirty="0" err="1"/>
@@ -9884,7 +10168,7 @@
           <a:p>
             <a:fld id="{4E10A670-4E98-4FA5-A2C2-4F9C00874B7B}" type="datetime1">
               <a:rPr lang="en-US" smtClean="0"/>
-              <a:t>2/26/2021</a:t>
+              <a:t>17/03/2021</a:t>
             </a:fld>
             <a:endParaRPr lang="en-US"/>
           </a:p>
@@ -10094,7 +10378,7 @@
                 </a:r>
                 <a:r>
                   <a:rPr lang="en-US" sz="1900" dirty="0"/>
-                  <a:t>) be random vector so that each position </a:t>
+                  <a:t>) be random vector corresponding to each position </a:t>
                 </a:r>
                 <a:r>
                   <a:rPr lang="en-US" sz="1900" b="1" i="1" dirty="0"/>
@@ -10155,61 +10439,81 @@
                 <a14:m>
                   <m:oMath xmlns:m="http://schemas.openxmlformats.org/officeDocument/2006/math">
                     <m:r>
-                      <a:rPr lang="en-US" sz="1900" i="1"/>
+                      <a:rPr lang="en-US" sz="1900" i="1">
+                        <a:latin typeface="Cambria Math" panose="02040503050406030204" pitchFamily="18" charset="0"/>
+                      </a:rPr>
                       <m:t>𝒩</m:t>
                     </m:r>
                     <m:d>
                       <m:dPr>
                         <m:ctrlPr>
-                          <a:rPr lang="en-US" sz="1900" i="1"/>
+                          <a:rPr lang="en-US" sz="1900" i="1">
+                            <a:latin typeface="Cambria Math" panose="02040503050406030204" pitchFamily="18" charset="0"/>
+                          </a:rPr>
                         </m:ctrlPr>
                       </m:dPr>
                       <m:e>
                         <m:f>
                           <m:fPr>
                             <m:ctrlPr>
-                              <a:rPr lang="en-US" sz="1900" i="1"/>
+                              <a:rPr lang="en-US" sz="1900" i="1">
+                                <a:latin typeface="Cambria Math" panose="02040503050406030204" pitchFamily="18" charset="0"/>
+                              </a:rPr>
                             </m:ctrlPr>
                           </m:fPr>
                           <m:num>
                             <m:sSub>
                               <m:sSubPr>
                                 <m:ctrlPr>
-                                  <a:rPr lang="en-US" sz="1900" i="1"/>
+                                  <a:rPr lang="en-US" sz="1900" i="1">
+                                    <a:latin typeface="Cambria Math" panose="02040503050406030204" pitchFamily="18" charset="0"/>
+                                  </a:rPr>
                                 </m:ctrlPr>
                               </m:sSubPr>
                               <m:e>
                                 <m:r>
-                                  <a:rPr lang="en-US" sz="1900" i="1"/>
+                                  <a:rPr lang="en-US" sz="1900" i="1">
+                                    <a:latin typeface="Cambria Math" panose="02040503050406030204" pitchFamily="18" charset="0"/>
+                                  </a:rPr>
                                   <m:t>𝑝</m:t>
                                 </m:r>
                               </m:e>
                               <m:sub>
                                 <m:r>
-                                  <a:rPr lang="en-US" sz="1900" i="1"/>
+                                  <a:rPr lang="en-US" sz="1900" i="1">
+                                    <a:latin typeface="Cambria Math" panose="02040503050406030204" pitchFamily="18" charset="0"/>
+                                  </a:rPr>
                                   <m:t>𝑖𝑗</m:t>
                                 </m:r>
                               </m:sub>
                             </m:sSub>
                             <m:r>
-                              <a:rPr lang="en-US" sz="1900" i="1"/>
+                              <a:rPr lang="en-US" sz="1900" i="1">
+                                <a:latin typeface="Cambria Math" panose="02040503050406030204" pitchFamily="18" charset="0"/>
+                              </a:rPr>
                               <m:t>+</m:t>
                             </m:r>
                             <m:sSub>
                               <m:sSubPr>
                                 <m:ctrlPr>
-                                  <a:rPr lang="en-US" sz="1900" i="1"/>
+                                  <a:rPr lang="en-US" sz="1900" i="1">
+                                    <a:latin typeface="Cambria Math" panose="02040503050406030204" pitchFamily="18" charset="0"/>
+                                  </a:rPr>
                                 </m:ctrlPr>
                               </m:sSubPr>
                               <m:e>
                                 <m:r>
-                                  <a:rPr lang="en-US" sz="1900" i="1"/>
+                                  <a:rPr lang="en-US" sz="1900" i="1">
+                                    <a:latin typeface="Cambria Math" panose="02040503050406030204" pitchFamily="18" charset="0"/>
+                                  </a:rPr>
                                   <m:t>𝑝</m:t>
                                 </m:r>
                               </m:e>
                               <m:sub>
                                 <m:r>
-                                  <a:rPr lang="en-US" sz="1900" i="1"/>
+                                  <a:rPr lang="en-US" sz="1900" i="1">
+                                    <a:latin typeface="Cambria Math" panose="02040503050406030204" pitchFamily="18" charset="0"/>
+                                  </a:rPr>
                                   <m:t>𝑔𝑗</m:t>
                                 </m:r>
                               </m:sub>
@@ -10217,67 +10521,89 @@
                           </m:num>
                           <m:den>
                             <m:r>
-                              <a:rPr lang="en-US" sz="1900" i="1"/>
+                              <a:rPr lang="en-US" sz="1900" i="1">
+                                <a:latin typeface="Cambria Math" panose="02040503050406030204" pitchFamily="18" charset="0"/>
+                              </a:rPr>
                               <m:t>2</m:t>
                             </m:r>
                           </m:den>
                         </m:f>
                         <m:r>
-                          <a:rPr lang="en-US" sz="1900" i="1"/>
+                          <a:rPr lang="en-US" sz="1900" i="1">
+                            <a:latin typeface="Cambria Math" panose="02040503050406030204" pitchFamily="18" charset="0"/>
+                          </a:rPr>
                           <m:t>,</m:t>
                         </m:r>
                         <m:sSup>
                           <m:sSupPr>
                             <m:ctrlPr>
-                              <a:rPr lang="en-US" sz="1900" i="1"/>
+                              <a:rPr lang="en-US" sz="1900" i="1">
+                                <a:latin typeface="Cambria Math" panose="02040503050406030204" pitchFamily="18" charset="0"/>
+                              </a:rPr>
                             </m:ctrlPr>
                           </m:sSupPr>
                           <m:e>
                             <m:d>
                               <m:dPr>
                                 <m:ctrlPr>
-                                  <a:rPr lang="en-US" sz="1900" i="1"/>
+                                  <a:rPr lang="en-US" sz="1900" i="1">
+                                    <a:latin typeface="Cambria Math" panose="02040503050406030204" pitchFamily="18" charset="0"/>
+                                  </a:rPr>
                                 </m:ctrlPr>
                               </m:dPr>
                               <m:e>
                                 <m:sSub>
                                   <m:sSubPr>
                                     <m:ctrlPr>
-                                      <a:rPr lang="en-US" sz="1900" i="1"/>
+                                      <a:rPr lang="en-US" sz="1900" i="1">
+                                        <a:latin typeface="Cambria Math" panose="02040503050406030204" pitchFamily="18" charset="0"/>
+                                      </a:rPr>
                                     </m:ctrlPr>
                                   </m:sSubPr>
                                   <m:e>
                                     <m:r>
-                                      <a:rPr lang="en-US" sz="1900" i="1"/>
+                                      <a:rPr lang="en-US" sz="1900" i="1">
+                                        <a:latin typeface="Cambria Math" panose="02040503050406030204" pitchFamily="18" charset="0"/>
+                                      </a:rPr>
                                       <m:t>𝑝</m:t>
                                     </m:r>
                                   </m:e>
                                   <m:sub>
                                     <m:r>
-                                      <a:rPr lang="en-US" sz="1900" i="1"/>
+                                      <a:rPr lang="en-US" sz="1900" i="1">
+                                        <a:latin typeface="Cambria Math" panose="02040503050406030204" pitchFamily="18" charset="0"/>
+                                      </a:rPr>
                                       <m:t>𝑖𝑗</m:t>
                                     </m:r>
                                   </m:sub>
                                 </m:sSub>
                                 <m:r>
-                                  <a:rPr lang="en-US" sz="1900" i="1"/>
+                                  <a:rPr lang="en-US" sz="1900" i="1">
+                                    <a:latin typeface="Cambria Math" panose="02040503050406030204" pitchFamily="18" charset="0"/>
+                                  </a:rPr>
                                   <m:t>−</m:t>
                                 </m:r>
                                 <m:sSub>
                                   <m:sSubPr>
                                     <m:ctrlPr>
-                                      <a:rPr lang="en-US" sz="1900" i="1"/>
+                                      <a:rPr lang="en-US" sz="1900" i="1">
+                                        <a:latin typeface="Cambria Math" panose="02040503050406030204" pitchFamily="18" charset="0"/>
+                                      </a:rPr>
                                     </m:ctrlPr>
                                   </m:sSubPr>
                                   <m:e>
                                     <m:r>
-                                      <a:rPr lang="en-US" sz="1900" i="1"/>
+                                      <a:rPr lang="en-US" sz="1900" i="1">
+                                        <a:latin typeface="Cambria Math" panose="02040503050406030204" pitchFamily="18" charset="0"/>
+                                      </a:rPr>
                                       <m:t>𝑝</m:t>
                                     </m:r>
                                   </m:e>
                                   <m:sub>
                                     <m:r>
-                                      <a:rPr lang="en-US" sz="1900" i="1"/>
+                                      <a:rPr lang="en-US" sz="1900" i="1">
+                                        <a:latin typeface="Cambria Math" panose="02040503050406030204" pitchFamily="18" charset="0"/>
+                                      </a:rPr>
                                       <m:t>𝑔𝑗</m:t>
                                     </m:r>
                                   </m:sub>
@@ -10287,7 +10613,9 @@
                           </m:e>
                           <m:sup>
                             <m:r>
-                              <a:rPr lang="en-US" sz="1900" i="1"/>
+                              <a:rPr lang="en-US" sz="1900" i="1">
+                                <a:latin typeface="Cambria Math" panose="02040503050406030204" pitchFamily="18" charset="0"/>
+                              </a:rPr>
                               <m:t>2</m:t>
                             </m:r>
                           </m:sup>
@@ -10344,31 +10672,41 @@
                     </m:oMathParaPr>
                     <m:oMath xmlns:m="http://schemas.openxmlformats.org/officeDocument/2006/math">
                       <m:r>
-                        <a:rPr lang="en-US" sz="1900" i="1"/>
+                        <a:rPr lang="en-US" sz="1900" i="1">
+                          <a:latin typeface="Cambria Math" panose="02040503050406030204" pitchFamily="18" charset="0"/>
+                        </a:rPr>
                         <m:t>𝑔</m:t>
                       </m:r>
                       <m:d>
                         <m:dPr>
                           <m:ctrlPr>
-                            <a:rPr lang="en-US" sz="1900" i="1"/>
+                            <a:rPr lang="en-US" sz="1900" i="1">
+                              <a:latin typeface="Cambria Math" panose="02040503050406030204" pitchFamily="18" charset="0"/>
+                            </a:rPr>
                           </m:ctrlPr>
                         </m:dPr>
                         <m:e>
                           <m:sSub>
                             <m:sSubPr>
                               <m:ctrlPr>
-                                <a:rPr lang="en-US" sz="1900" i="1"/>
+                                <a:rPr lang="en-US" sz="1900" i="1">
+                                  <a:latin typeface="Cambria Math" panose="02040503050406030204" pitchFamily="18" charset="0"/>
+                                </a:rPr>
                               </m:ctrlPr>
                             </m:sSubPr>
                             <m:e>
                               <m:r>
-                                <a:rPr lang="en-US" sz="1900" i="1"/>
+                                <a:rPr lang="en-US" sz="1900" i="1">
+                                  <a:latin typeface="Cambria Math" panose="02040503050406030204" pitchFamily="18" charset="0"/>
+                                </a:rPr>
                                 <m:t>𝑧</m:t>
                               </m:r>
                             </m:e>
                             <m:sub>
                               <m:r>
-                                <a:rPr lang="en-US" sz="1900" i="1"/>
+                                <a:rPr lang="en-US" sz="1900" i="1">
+                                  <a:latin typeface="Cambria Math" panose="02040503050406030204" pitchFamily="18" charset="0"/>
+                                </a:rPr>
                                 <m:t>𝑖𝑗</m:t>
                               </m:r>
                             </m:sub>
@@ -10376,42 +10714,56 @@
                         </m:e>
                       </m:d>
                       <m:r>
-                        <a:rPr lang="en-US" sz="1900" i="1"/>
+                        <a:rPr lang="en-US" sz="1900" i="1">
+                          <a:latin typeface="Cambria Math" panose="02040503050406030204" pitchFamily="18" charset="0"/>
+                        </a:rPr>
                         <m:t>=</m:t>
                       </m:r>
                       <m:r>
                         <m:rPr>
                           <m:sty m:val="p"/>
                         </m:rPr>
-                        <a:rPr lang="en-US" sz="1900"/>
+                        <a:rPr lang="en-US" sz="1900">
+                          <a:latin typeface="Cambria Math" panose="02040503050406030204" pitchFamily="18" charset="0"/>
+                        </a:rPr>
                         <m:t>exp</m:t>
                       </m:r>
                       <m:d>
                         <m:dPr>
                           <m:ctrlPr>
-                            <a:rPr lang="en-US" sz="1900" i="1"/>
+                            <a:rPr lang="en-US" sz="1900" i="1">
+                              <a:latin typeface="Cambria Math" panose="02040503050406030204" pitchFamily="18" charset="0"/>
+                            </a:rPr>
                           </m:ctrlPr>
                         </m:dPr>
                         <m:e>
                           <m:r>
-                            <a:rPr lang="en-US" sz="1900" i="1"/>
+                            <a:rPr lang="en-US" sz="1900" i="1">
+                              <a:latin typeface="Cambria Math" panose="02040503050406030204" pitchFamily="18" charset="0"/>
+                            </a:rPr>
                             <m:t>−</m:t>
                           </m:r>
                           <m:f>
                             <m:fPr>
                               <m:ctrlPr>
-                                <a:rPr lang="en-US" sz="1900" i="1"/>
+                                <a:rPr lang="en-US" sz="1900" i="1">
+                                  <a:latin typeface="Cambria Math" panose="02040503050406030204" pitchFamily="18" charset="0"/>
+                                </a:rPr>
                               </m:ctrlPr>
                             </m:fPr>
                             <m:num>
                               <m:r>
-                                <a:rPr lang="en-US" sz="1900" i="1"/>
+                                <a:rPr lang="en-US" sz="1900" i="1">
+                                  <a:latin typeface="Cambria Math" panose="02040503050406030204" pitchFamily="18" charset="0"/>
+                                </a:rPr>
                                 <m:t>1</m:t>
                               </m:r>
                             </m:num>
                             <m:den>
                               <m:r>
-                                <a:rPr lang="en-US" sz="1900" i="1"/>
+                                <a:rPr lang="en-US" sz="1900" i="1">
+                                  <a:latin typeface="Cambria Math" panose="02040503050406030204" pitchFamily="18" charset="0"/>
+                                </a:rPr>
                                 <m:t>2</m:t>
                               </m:r>
                             </m:den>
@@ -10419,92 +10771,122 @@
                           <m:f>
                             <m:fPr>
                               <m:ctrlPr>
-                                <a:rPr lang="en-US" sz="1900" i="1"/>
+                                <a:rPr lang="en-US" sz="1900" i="1">
+                                  <a:latin typeface="Cambria Math" panose="02040503050406030204" pitchFamily="18" charset="0"/>
+                                </a:rPr>
                               </m:ctrlPr>
                             </m:fPr>
                             <m:num>
                               <m:sSup>
                                 <m:sSupPr>
                                   <m:ctrlPr>
-                                    <a:rPr lang="en-US" sz="1900" i="1"/>
+                                    <a:rPr lang="en-US" sz="1900" i="1">
+                                      <a:latin typeface="Cambria Math" panose="02040503050406030204" pitchFamily="18" charset="0"/>
+                                    </a:rPr>
                                   </m:ctrlPr>
                                 </m:sSupPr>
                                 <m:e>
                                   <m:d>
                                     <m:dPr>
                                       <m:ctrlPr>
-                                        <a:rPr lang="en-US" sz="1900" i="1"/>
+                                        <a:rPr lang="en-US" sz="1900" i="1">
+                                          <a:latin typeface="Cambria Math" panose="02040503050406030204" pitchFamily="18" charset="0"/>
+                                        </a:rPr>
                                       </m:ctrlPr>
                                     </m:dPr>
                                     <m:e>
                                       <m:sSub>
                                         <m:sSubPr>
                                           <m:ctrlPr>
-                                            <a:rPr lang="en-US" sz="1900" i="1"/>
+                                            <a:rPr lang="en-US" sz="1900" i="1">
+                                              <a:latin typeface="Cambria Math" panose="02040503050406030204" pitchFamily="18" charset="0"/>
+                                            </a:rPr>
                                           </m:ctrlPr>
                                         </m:sSubPr>
                                         <m:e>
                                           <m:r>
-                                            <a:rPr lang="en-US" sz="1900" i="1"/>
+                                            <a:rPr lang="en-US" sz="1900" i="1">
+                                              <a:latin typeface="Cambria Math" panose="02040503050406030204" pitchFamily="18" charset="0"/>
+                                            </a:rPr>
                                             <m:t>𝑧</m:t>
                                           </m:r>
                                         </m:e>
                                         <m:sub>
                                           <m:r>
-                                            <a:rPr lang="en-US" sz="1900" i="1"/>
+                                            <a:rPr lang="en-US" sz="1900" i="1">
+                                              <a:latin typeface="Cambria Math" panose="02040503050406030204" pitchFamily="18" charset="0"/>
+                                            </a:rPr>
                                             <m:t>𝑖𝑗</m:t>
                                           </m:r>
                                         </m:sub>
                                       </m:sSub>
                                       <m:r>
-                                        <a:rPr lang="en-US" sz="1900" i="1"/>
+                                        <a:rPr lang="en-US" sz="1900" i="1">
+                                          <a:latin typeface="Cambria Math" panose="02040503050406030204" pitchFamily="18" charset="0"/>
+                                        </a:rPr>
                                         <m:t>−</m:t>
                                       </m:r>
                                       <m:f>
                                         <m:fPr>
                                           <m:ctrlPr>
-                                            <a:rPr lang="en-US" sz="1900" i="1"/>
+                                            <a:rPr lang="en-US" sz="1900" i="1">
+                                              <a:latin typeface="Cambria Math" panose="02040503050406030204" pitchFamily="18" charset="0"/>
+                                            </a:rPr>
                                           </m:ctrlPr>
                                         </m:fPr>
                                         <m:num>
                                           <m:sSub>
                                             <m:sSubPr>
                                               <m:ctrlPr>
-                                                <a:rPr lang="en-US" sz="1900" i="1"/>
+                                                <a:rPr lang="en-US" sz="1900" i="1">
+                                                  <a:latin typeface="Cambria Math" panose="02040503050406030204" pitchFamily="18" charset="0"/>
+                                                </a:rPr>
                                               </m:ctrlPr>
                                             </m:sSubPr>
                                             <m:e>
                                               <m:r>
-                                                <a:rPr lang="en-US" sz="1900" i="1"/>
+                                                <a:rPr lang="en-US" sz="1900" i="1">
+                                                  <a:latin typeface="Cambria Math" panose="02040503050406030204" pitchFamily="18" charset="0"/>
+                                                </a:rPr>
                                                 <m:t>𝑝</m:t>
                                               </m:r>
                                             </m:e>
                                             <m:sub>
                                               <m:r>
-                                                <a:rPr lang="en-US" sz="1900" i="1"/>
+                                                <a:rPr lang="en-US" sz="1900" i="1">
+                                                  <a:latin typeface="Cambria Math" panose="02040503050406030204" pitchFamily="18" charset="0"/>
+                                                </a:rPr>
                                                 <m:t>𝑖𝑗</m:t>
                                               </m:r>
                                             </m:sub>
                                           </m:sSub>
                                           <m:r>
-                                            <a:rPr lang="en-US" sz="1900" i="1"/>
+                                            <a:rPr lang="en-US" sz="1900" i="1">
+                                              <a:latin typeface="Cambria Math" panose="02040503050406030204" pitchFamily="18" charset="0"/>
+                                            </a:rPr>
                                             <m:t>+</m:t>
                                           </m:r>
                                           <m:sSub>
                                             <m:sSubPr>
                                               <m:ctrlPr>
-                                                <a:rPr lang="en-US" sz="1900" i="1"/>
+                                                <a:rPr lang="en-US" sz="1900" i="1">
+                                                  <a:latin typeface="Cambria Math" panose="02040503050406030204" pitchFamily="18" charset="0"/>
+                                                </a:rPr>
                                               </m:ctrlPr>
                                             </m:sSubPr>
                                             <m:e>
                                               <m:r>
-                                                <a:rPr lang="en-US" sz="1900" i="1"/>
+                                                <a:rPr lang="en-US" sz="1900" i="1">
+                                                  <a:latin typeface="Cambria Math" panose="02040503050406030204" pitchFamily="18" charset="0"/>
+                                                </a:rPr>
                                                 <m:t>𝑝</m:t>
                                               </m:r>
                                             </m:e>
                                             <m:sub>
                                               <m:r>
-                                                <a:rPr lang="en-US" sz="1900" i="1"/>
+                                                <a:rPr lang="en-US" sz="1900" i="1">
+                                                  <a:latin typeface="Cambria Math" panose="02040503050406030204" pitchFamily="18" charset="0"/>
+                                                </a:rPr>
                                                 <m:t>𝑔𝑗</m:t>
                                               </m:r>
                                             </m:sub>
@@ -10512,7 +10894,9 @@
                                         </m:num>
                                         <m:den>
                                           <m:r>
-                                            <a:rPr lang="en-US" sz="1900" i="1"/>
+                                            <a:rPr lang="en-US" sz="1900" i="1">
+                                              <a:latin typeface="Cambria Math" panose="02040503050406030204" pitchFamily="18" charset="0"/>
+                                            </a:rPr>
                                             <m:t>2</m:t>
                                           </m:r>
                                         </m:den>
@@ -10522,7 +10906,9 @@
                                 </m:e>
                                 <m:sup>
                                   <m:r>
-                                    <a:rPr lang="en-US" sz="1900" i="1"/>
+                                    <a:rPr lang="en-US" sz="1900" i="1">
+                                      <a:latin typeface="Cambria Math" panose="02040503050406030204" pitchFamily="18" charset="0"/>
+                                    </a:rPr>
                                     <m:t>2</m:t>
                                   </m:r>
                                 </m:sup>
@@ -10532,55 +10918,73 @@
                               <m:sSup>
                                 <m:sSupPr>
                                   <m:ctrlPr>
-                                    <a:rPr lang="en-US" sz="1900" i="1"/>
+                                    <a:rPr lang="en-US" sz="1900" i="1">
+                                      <a:latin typeface="Cambria Math" panose="02040503050406030204" pitchFamily="18" charset="0"/>
+                                    </a:rPr>
                                   </m:ctrlPr>
                                 </m:sSupPr>
                                 <m:e>
                                   <m:d>
                                     <m:dPr>
                                       <m:ctrlPr>
-                                        <a:rPr lang="en-US" sz="1900" i="1"/>
+                                        <a:rPr lang="en-US" sz="1900" i="1">
+                                          <a:latin typeface="Cambria Math" panose="02040503050406030204" pitchFamily="18" charset="0"/>
+                                        </a:rPr>
                                       </m:ctrlPr>
                                     </m:dPr>
                                     <m:e>
                                       <m:sSub>
                                         <m:sSubPr>
                                           <m:ctrlPr>
-                                            <a:rPr lang="en-US" sz="1900" i="1"/>
+                                            <a:rPr lang="en-US" sz="1900" i="1">
+                                              <a:latin typeface="Cambria Math" panose="02040503050406030204" pitchFamily="18" charset="0"/>
+                                            </a:rPr>
                                           </m:ctrlPr>
                                         </m:sSubPr>
                                         <m:e>
                                           <m:r>
-                                            <a:rPr lang="en-US" sz="1900" i="1"/>
+                                            <a:rPr lang="en-US" sz="1900" i="1">
+                                              <a:latin typeface="Cambria Math" panose="02040503050406030204" pitchFamily="18" charset="0"/>
+                                            </a:rPr>
                                             <m:t>𝑝</m:t>
                                           </m:r>
                                         </m:e>
                                         <m:sub>
                                           <m:r>
-                                            <a:rPr lang="en-US" sz="1900" i="1"/>
+                                            <a:rPr lang="en-US" sz="1900" i="1">
+                                              <a:latin typeface="Cambria Math" panose="02040503050406030204" pitchFamily="18" charset="0"/>
+                                            </a:rPr>
                                             <m:t>𝑖𝑗</m:t>
                                           </m:r>
                                         </m:sub>
                                       </m:sSub>
                                       <m:r>
-                                        <a:rPr lang="en-US" sz="1900" i="1"/>
+                                        <a:rPr lang="en-US" sz="1900" i="1">
+                                          <a:latin typeface="Cambria Math" panose="02040503050406030204" pitchFamily="18" charset="0"/>
+                                        </a:rPr>
                                         <m:t>−</m:t>
                                       </m:r>
                                       <m:sSub>
                                         <m:sSubPr>
                                           <m:ctrlPr>
-                                            <a:rPr lang="en-US" sz="1900" i="1"/>
+                                            <a:rPr lang="en-US" sz="1900" i="1">
+                                              <a:latin typeface="Cambria Math" panose="02040503050406030204" pitchFamily="18" charset="0"/>
+                                            </a:rPr>
                                           </m:ctrlPr>
                                         </m:sSubPr>
                                         <m:e>
                                           <m:r>
-                                            <a:rPr lang="en-US" sz="1900" i="1"/>
+                                            <a:rPr lang="en-US" sz="1900" i="1">
+                                              <a:latin typeface="Cambria Math" panose="02040503050406030204" pitchFamily="18" charset="0"/>
+                                            </a:rPr>
                                             <m:t>𝑝</m:t>
                                           </m:r>
                                         </m:e>
                                         <m:sub>
                                           <m:r>
-                                            <a:rPr lang="en-US" sz="1900" i="1"/>
+                                            <a:rPr lang="en-US" sz="1900" i="1">
+                                              <a:latin typeface="Cambria Math" panose="02040503050406030204" pitchFamily="18" charset="0"/>
+                                            </a:rPr>
                                             <m:t>𝑔𝑗</m:t>
                                           </m:r>
                                         </m:sub>
@@ -10590,7 +10994,9 @@
                                 </m:e>
                                 <m:sup>
                                   <m:r>
-                                    <a:rPr lang="en-US" sz="1900" i="1"/>
+                                    <a:rPr lang="en-US" sz="1900" i="1">
+                                      <a:latin typeface="Cambria Math" panose="02040503050406030204" pitchFamily="18" charset="0"/>
+                                    </a:rPr>
                                     <m:t>2</m:t>
                                   </m:r>
                                 </m:sup>
@@ -10718,24 +11124,32 @@
                       <m:sSub>
                         <m:sSubPr>
                           <m:ctrlPr>
-                            <a:rPr lang="en-US" sz="1900" i="1"/>
+                            <a:rPr lang="en-US" sz="1900" i="1">
+                              <a:latin typeface="Cambria Math" panose="02040503050406030204" pitchFamily="18" charset="0"/>
+                            </a:rPr>
                           </m:ctrlPr>
                         </m:sSubPr>
                         <m:e>
                           <m:r>
-                            <a:rPr lang="en-US" sz="1900" i="1"/>
+                            <a:rPr lang="en-US" sz="1900" i="1">
+                              <a:latin typeface="Cambria Math" panose="02040503050406030204" pitchFamily="18" charset="0"/>
+                            </a:rPr>
                             <m:t>𝜒</m:t>
                           </m:r>
                         </m:e>
                         <m:sub>
                           <m:r>
-                            <a:rPr lang="en-US" sz="1900" i="1"/>
+                            <a:rPr lang="en-US" sz="1900" i="1">
+                              <a:latin typeface="Cambria Math" panose="02040503050406030204" pitchFamily="18" charset="0"/>
+                            </a:rPr>
                             <m:t>𝑗</m:t>
                           </m:r>
                         </m:sub>
                       </m:sSub>
                       <m:r>
-                        <a:rPr lang="en-US" sz="1900" i="1"/>
+                        <a:rPr lang="en-US" sz="1900" i="1">
+                          <a:latin typeface="Cambria Math" panose="02040503050406030204" pitchFamily="18" charset="0"/>
+                        </a:rPr>
                         <m:t>=</m:t>
                       </m:r>
                       <m:d>
@@ -10743,7 +11157,9 @@
                           <m:begChr m:val="{"/>
                           <m:endChr m:val=""/>
                           <m:ctrlPr>
-                            <a:rPr lang="en-US" sz="1900" i="1"/>
+                            <a:rPr lang="en-US" sz="1900" i="1">
+                              <a:latin typeface="Cambria Math" panose="02040503050406030204" pitchFamily="18" charset="0"/>
+                            </a:rPr>
                           </m:ctrlPr>
                         </m:dPr>
                         <m:e>
@@ -10758,151 +11174,203 @@
                                 </m:mc>
                               </m:mcs>
                               <m:ctrlPr>
-                                <a:rPr lang="en-US" sz="1900" i="1"/>
+                                <a:rPr lang="en-US" sz="1900" i="1">
+                                  <a:latin typeface="Cambria Math" panose="02040503050406030204" pitchFamily="18" charset="0"/>
+                                </a:rPr>
                               </m:ctrlPr>
                             </m:mPr>
                             <m:mr>
                               <m:e>
                                 <m:r>
-                                  <a:rPr lang="en-US" sz="1900" i="1"/>
+                                  <a:rPr lang="en-US" sz="1900" i="1">
+                                    <a:latin typeface="Cambria Math" panose="02040503050406030204" pitchFamily="18" charset="0"/>
+                                  </a:rPr>
                                   <m:t>0 </m:t>
                                 </m:r>
                                 <m:r>
                                   <m:rPr>
                                     <m:sty m:val="p"/>
                                   </m:rPr>
-                                  <a:rPr lang="en-US" sz="1900"/>
+                                  <a:rPr lang="en-US" sz="1900">
+                                    <a:latin typeface="Cambria Math" panose="02040503050406030204" pitchFamily="18" charset="0"/>
+                                  </a:rPr>
                                   <m:t>if</m:t>
                                 </m:r>
                                 <m:r>
-                                  <a:rPr lang="en-US" sz="1900" i="1"/>
+                                  <a:rPr lang="en-US" sz="1900" i="1">
+                                    <a:latin typeface="Cambria Math" panose="02040503050406030204" pitchFamily="18" charset="0"/>
+                                  </a:rPr>
                                   <m:t> </m:t>
                                 </m:r>
                                 <m:sSub>
                                   <m:sSubPr>
                                     <m:ctrlPr>
-                                      <a:rPr lang="en-US" sz="1900" i="1"/>
+                                      <a:rPr lang="en-US" sz="1900" i="1">
+                                        <a:latin typeface="Cambria Math" panose="02040503050406030204" pitchFamily="18" charset="0"/>
+                                      </a:rPr>
                                     </m:ctrlPr>
                                   </m:sSubPr>
                                   <m:e>
                                     <m:r>
-                                      <a:rPr lang="en-US" sz="1900" i="1"/>
+                                      <a:rPr lang="en-US" sz="1900" i="1">
+                                        <a:latin typeface="Cambria Math" panose="02040503050406030204" pitchFamily="18" charset="0"/>
+                                      </a:rPr>
                                       <m:t>𝑝</m:t>
                                     </m:r>
                                   </m:e>
                                   <m:sub>
                                     <m:r>
-                                      <a:rPr lang="en-US" sz="1900" i="1"/>
+                                      <a:rPr lang="en-US" sz="1900" i="1">
+                                        <a:latin typeface="Cambria Math" panose="02040503050406030204" pitchFamily="18" charset="0"/>
+                                      </a:rPr>
                                       <m:t>𝑖𝑗</m:t>
                                     </m:r>
                                   </m:sub>
                                 </m:sSub>
                                 <m:r>
-                                  <a:rPr lang="en-US" sz="1900" i="1"/>
+                                  <a:rPr lang="en-US" sz="1900" i="1">
+                                    <a:latin typeface="Cambria Math" panose="02040503050406030204" pitchFamily="18" charset="0"/>
+                                  </a:rPr>
                                   <m:t>=</m:t>
                                 </m:r>
                                 <m:sSub>
                                   <m:sSubPr>
                                     <m:ctrlPr>
-                                      <a:rPr lang="en-US" sz="1900" i="1"/>
+                                      <a:rPr lang="en-US" sz="1900" i="1">
+                                        <a:latin typeface="Cambria Math" panose="02040503050406030204" pitchFamily="18" charset="0"/>
+                                      </a:rPr>
                                     </m:ctrlPr>
                                   </m:sSubPr>
                                   <m:e>
                                     <m:r>
-                                      <a:rPr lang="en-US" sz="1900" i="1"/>
+                                      <a:rPr lang="en-US" sz="1900" i="1">
+                                        <a:latin typeface="Cambria Math" panose="02040503050406030204" pitchFamily="18" charset="0"/>
+                                      </a:rPr>
                                       <m:t>𝑝</m:t>
                                     </m:r>
                                   </m:e>
                                   <m:sub>
                                     <m:r>
-                                      <a:rPr lang="en-US" sz="1900" i="1"/>
+                                      <a:rPr lang="en-US" sz="1900" i="1">
+                                        <a:latin typeface="Cambria Math" panose="02040503050406030204" pitchFamily="18" charset="0"/>
+                                      </a:rPr>
                                       <m:t>𝑔𝑗</m:t>
                                     </m:r>
                                   </m:sub>
                                 </m:sSub>
                                 <m:r>
-                                  <a:rPr lang="en-US" sz="1900" i="1"/>
+                                  <a:rPr lang="en-US" sz="1900" i="1">
+                                    <a:latin typeface="Cambria Math" panose="02040503050406030204" pitchFamily="18" charset="0"/>
+                                  </a:rPr>
                                   <m:t> </m:t>
                                 </m:r>
                                 <m:r>
                                   <m:rPr>
                                     <m:sty m:val="p"/>
                                   </m:rPr>
-                                  <a:rPr lang="en-US" sz="1900"/>
+                                  <a:rPr lang="en-US" sz="1900">
+                                    <a:latin typeface="Cambria Math" panose="02040503050406030204" pitchFamily="18" charset="0"/>
+                                  </a:rPr>
                                   <m:t>and</m:t>
                                 </m:r>
                                 <m:r>
-                                  <a:rPr lang="en-US" sz="1900" i="1"/>
+                                  <a:rPr lang="en-US" sz="1900" i="1">
+                                    <a:latin typeface="Cambria Math" panose="02040503050406030204" pitchFamily="18" charset="0"/>
+                                  </a:rPr>
                                   <m:t> </m:t>
                                 </m:r>
                                 <m:sSub>
                                   <m:sSubPr>
                                     <m:ctrlPr>
-                                      <a:rPr lang="en-US" sz="1900" i="1"/>
+                                      <a:rPr lang="en-US" sz="1900" i="1">
+                                        <a:latin typeface="Cambria Math" panose="02040503050406030204" pitchFamily="18" charset="0"/>
+                                      </a:rPr>
                                     </m:ctrlPr>
                                   </m:sSubPr>
                                   <m:e>
                                     <m:r>
-                                      <a:rPr lang="en-US" sz="1900" i="1"/>
+                                      <a:rPr lang="en-US" sz="1900" i="1">
+                                        <a:latin typeface="Cambria Math" panose="02040503050406030204" pitchFamily="18" charset="0"/>
+                                      </a:rPr>
                                       <m:t>𝑧</m:t>
                                     </m:r>
                                   </m:e>
                                   <m:sub>
                                     <m:r>
-                                      <a:rPr lang="en-US" sz="1900" i="1"/>
+                                      <a:rPr lang="en-US" sz="1900" i="1">
+                                        <a:latin typeface="Cambria Math" panose="02040503050406030204" pitchFamily="18" charset="0"/>
+                                      </a:rPr>
                                       <m:t>𝑖𝑗</m:t>
                                     </m:r>
                                   </m:sub>
                                 </m:sSub>
                                 <m:r>
-                                  <a:rPr lang="en-US" sz="1900" i="1"/>
+                                  <a:rPr lang="en-US" sz="1900" i="1">
+                                    <a:latin typeface="Cambria Math" panose="02040503050406030204" pitchFamily="18" charset="0"/>
+                                  </a:rPr>
                                   <m:t>≠</m:t>
                                 </m:r>
                                 <m:f>
                                   <m:fPr>
                                     <m:ctrlPr>
-                                      <a:rPr lang="en-US" sz="1900" i="1"/>
+                                      <a:rPr lang="en-US" sz="1900" i="1">
+                                        <a:latin typeface="Cambria Math" panose="02040503050406030204" pitchFamily="18" charset="0"/>
+                                      </a:rPr>
                                     </m:ctrlPr>
                                   </m:fPr>
                                   <m:num>
                                     <m:sSub>
                                       <m:sSubPr>
                                         <m:ctrlPr>
-                                          <a:rPr lang="en-US" sz="1900" i="1"/>
+                                          <a:rPr lang="en-US" sz="1900" i="1">
+                                            <a:latin typeface="Cambria Math" panose="02040503050406030204" pitchFamily="18" charset="0"/>
+                                          </a:rPr>
                                         </m:ctrlPr>
                                       </m:sSubPr>
                                       <m:e>
                                         <m:r>
-                                          <a:rPr lang="en-US" sz="1900" i="1"/>
+                                          <a:rPr lang="en-US" sz="1900" i="1">
+                                            <a:latin typeface="Cambria Math" panose="02040503050406030204" pitchFamily="18" charset="0"/>
+                                          </a:rPr>
                                           <m:t>𝑝</m:t>
                                         </m:r>
                                       </m:e>
                                       <m:sub>
                                         <m:r>
-                                          <a:rPr lang="en-US" sz="1900" i="1"/>
+                                          <a:rPr lang="en-US" sz="1900" i="1">
+                                            <a:latin typeface="Cambria Math" panose="02040503050406030204" pitchFamily="18" charset="0"/>
+                                          </a:rPr>
                                           <m:t>𝑖𝑗</m:t>
                                         </m:r>
                                       </m:sub>
                                     </m:sSub>
                                     <m:r>
-                                      <a:rPr lang="en-US" sz="1900" i="1"/>
+                                      <a:rPr lang="en-US" sz="1900" i="1">
+                                        <a:latin typeface="Cambria Math" panose="02040503050406030204" pitchFamily="18" charset="0"/>
+                                      </a:rPr>
                                       <m:t>+</m:t>
                                     </m:r>
                                     <m:sSub>
                                       <m:sSubPr>
                                         <m:ctrlPr>
-                                          <a:rPr lang="en-US" sz="1900" i="1"/>
+                                          <a:rPr lang="en-US" sz="1900" i="1">
+                                            <a:latin typeface="Cambria Math" panose="02040503050406030204" pitchFamily="18" charset="0"/>
+                                          </a:rPr>
                                         </m:ctrlPr>
                                       </m:sSubPr>
                                       <m:e>
                                         <m:r>
-                                          <a:rPr lang="en-US" sz="1900" i="1"/>
+                                          <a:rPr lang="en-US" sz="1900" i="1">
+                                            <a:latin typeface="Cambria Math" panose="02040503050406030204" pitchFamily="18" charset="0"/>
+                                          </a:rPr>
                                           <m:t>𝑝</m:t>
                                         </m:r>
                                       </m:e>
                                       <m:sub>
                                         <m:r>
-                                          <a:rPr lang="en-US" sz="1900" i="1"/>
+                                          <a:rPr lang="en-US" sz="1900" i="1">
+                                            <a:latin typeface="Cambria Math" panose="02040503050406030204" pitchFamily="18" charset="0"/>
+                                          </a:rPr>
                                           <m:t>𝑔𝑗</m:t>
                                         </m:r>
                                       </m:sub>
@@ -10910,7 +11378,9 @@
                                   </m:num>
                                   <m:den>
                                     <m:r>
-                                      <a:rPr lang="en-US" sz="1900" i="1"/>
+                                      <a:rPr lang="en-US" sz="1900" i="1">
+                                        <a:latin typeface="Cambria Math" panose="02040503050406030204" pitchFamily="18" charset="0"/>
+                                      </a:rPr>
                                       <m:t>2</m:t>
                                     </m:r>
                                   </m:den>
@@ -10920,145 +11390,195 @@
                             <m:mr>
                               <m:e>
                                 <m:r>
-                                  <a:rPr lang="en-US" sz="1900" i="1"/>
+                                  <a:rPr lang="en-US" sz="1900" i="1">
+                                    <a:latin typeface="Cambria Math" panose="02040503050406030204" pitchFamily="18" charset="0"/>
+                                  </a:rPr>
                                   <m:t>1 </m:t>
                                 </m:r>
                                 <m:r>
                                   <m:rPr>
                                     <m:sty m:val="p"/>
                                   </m:rPr>
-                                  <a:rPr lang="en-US" sz="1900"/>
+                                  <a:rPr lang="en-US" sz="1900">
+                                    <a:latin typeface="Cambria Math" panose="02040503050406030204" pitchFamily="18" charset="0"/>
+                                  </a:rPr>
                                   <m:t>if</m:t>
                                 </m:r>
                                 <m:r>
-                                  <a:rPr lang="en-US" sz="1900" i="1"/>
+                                  <a:rPr lang="en-US" sz="1900" i="1">
+                                    <a:latin typeface="Cambria Math" panose="02040503050406030204" pitchFamily="18" charset="0"/>
+                                  </a:rPr>
                                   <m:t> </m:t>
                                 </m:r>
                                 <m:sSub>
                                   <m:sSubPr>
                                     <m:ctrlPr>
-                                      <a:rPr lang="en-US" sz="1900" i="1"/>
+                                      <a:rPr lang="en-US" sz="1900" i="1">
+                                        <a:latin typeface="Cambria Math" panose="02040503050406030204" pitchFamily="18" charset="0"/>
+                                      </a:rPr>
                                     </m:ctrlPr>
                                   </m:sSubPr>
                                   <m:e>
                                     <m:r>
-                                      <a:rPr lang="en-US" sz="1900" i="1"/>
+                                      <a:rPr lang="en-US" sz="1900" i="1">
+                                        <a:latin typeface="Cambria Math" panose="02040503050406030204" pitchFamily="18" charset="0"/>
+                                      </a:rPr>
                                       <m:t>𝑝</m:t>
                                     </m:r>
                                   </m:e>
                                   <m:sub>
                                     <m:r>
-                                      <a:rPr lang="en-US" sz="1900" i="1"/>
+                                      <a:rPr lang="en-US" sz="1900" i="1">
+                                        <a:latin typeface="Cambria Math" panose="02040503050406030204" pitchFamily="18" charset="0"/>
+                                      </a:rPr>
                                       <m:t>𝑖𝑗</m:t>
                                     </m:r>
                                   </m:sub>
                                 </m:sSub>
                                 <m:r>
-                                  <a:rPr lang="en-US" sz="1900" i="1"/>
+                                  <a:rPr lang="en-US" sz="1900" i="1">
+                                    <a:latin typeface="Cambria Math" panose="02040503050406030204" pitchFamily="18" charset="0"/>
+                                  </a:rPr>
                                   <m:t>=</m:t>
                                 </m:r>
                                 <m:sSub>
                                   <m:sSubPr>
                                     <m:ctrlPr>
-                                      <a:rPr lang="en-US" sz="1900" i="1"/>
+                                      <a:rPr lang="en-US" sz="1900" i="1">
+                                        <a:latin typeface="Cambria Math" panose="02040503050406030204" pitchFamily="18" charset="0"/>
+                                      </a:rPr>
                                     </m:ctrlPr>
                                   </m:sSubPr>
                                   <m:e>
                                     <m:r>
-                                      <a:rPr lang="en-US" sz="1900" i="1"/>
+                                      <a:rPr lang="en-US" sz="1900" i="1">
+                                        <a:latin typeface="Cambria Math" panose="02040503050406030204" pitchFamily="18" charset="0"/>
+                                      </a:rPr>
                                       <m:t>𝑝</m:t>
                                     </m:r>
                                   </m:e>
                                   <m:sub>
                                     <m:r>
-                                      <a:rPr lang="en-US" sz="1900" i="1"/>
+                                      <a:rPr lang="en-US" sz="1900" i="1">
+                                        <a:latin typeface="Cambria Math" panose="02040503050406030204" pitchFamily="18" charset="0"/>
+                                      </a:rPr>
                                       <m:t>𝑔𝑗</m:t>
                                     </m:r>
                                   </m:sub>
                                 </m:sSub>
                                 <m:r>
-                                  <a:rPr lang="en-US" sz="1900" i="1"/>
+                                  <a:rPr lang="en-US" sz="1900" i="1">
+                                    <a:latin typeface="Cambria Math" panose="02040503050406030204" pitchFamily="18" charset="0"/>
+                                  </a:rPr>
                                   <m:t> </m:t>
                                 </m:r>
                                 <m:r>
                                   <m:rPr>
                                     <m:sty m:val="p"/>
                                   </m:rPr>
-                                  <a:rPr lang="en-US" sz="1900"/>
+                                  <a:rPr lang="en-US" sz="1900">
+                                    <a:latin typeface="Cambria Math" panose="02040503050406030204" pitchFamily="18" charset="0"/>
+                                  </a:rPr>
                                   <m:t>and</m:t>
                                 </m:r>
                                 <m:r>
-                                  <a:rPr lang="en-US" sz="1900" i="1"/>
+                                  <a:rPr lang="en-US" sz="1900" i="1">
+                                    <a:latin typeface="Cambria Math" panose="02040503050406030204" pitchFamily="18" charset="0"/>
+                                  </a:rPr>
                                   <m:t> </m:t>
                                 </m:r>
                                 <m:sSub>
                                   <m:sSubPr>
                                     <m:ctrlPr>
-                                      <a:rPr lang="en-US" sz="1900" i="1"/>
+                                      <a:rPr lang="en-US" sz="1900" i="1">
+                                        <a:latin typeface="Cambria Math" panose="02040503050406030204" pitchFamily="18" charset="0"/>
+                                      </a:rPr>
                                     </m:ctrlPr>
                                   </m:sSubPr>
                                   <m:e>
                                     <m:r>
-                                      <a:rPr lang="en-US" sz="1900" i="1"/>
+                                      <a:rPr lang="en-US" sz="1900" i="1">
+                                        <a:latin typeface="Cambria Math" panose="02040503050406030204" pitchFamily="18" charset="0"/>
+                                      </a:rPr>
                                       <m:t>𝑧</m:t>
                                     </m:r>
                                   </m:e>
                                   <m:sub>
                                     <m:r>
-                                      <a:rPr lang="en-US" sz="1900" i="1"/>
+                                      <a:rPr lang="en-US" sz="1900" i="1">
+                                        <a:latin typeface="Cambria Math" panose="02040503050406030204" pitchFamily="18" charset="0"/>
+                                      </a:rPr>
                                       <m:t>𝑖𝑗</m:t>
                                     </m:r>
                                   </m:sub>
                                 </m:sSub>
                                 <m:r>
-                                  <a:rPr lang="en-US" sz="1900" i="1"/>
+                                  <a:rPr lang="en-US" sz="1900" i="1">
+                                    <a:latin typeface="Cambria Math" panose="02040503050406030204" pitchFamily="18" charset="0"/>
+                                  </a:rPr>
                                   <m:t>=</m:t>
                                 </m:r>
                                 <m:f>
                                   <m:fPr>
                                     <m:ctrlPr>
-                                      <a:rPr lang="en-US" sz="1900" i="1"/>
+                                      <a:rPr lang="en-US" sz="1900" i="1">
+                                        <a:latin typeface="Cambria Math" panose="02040503050406030204" pitchFamily="18" charset="0"/>
+                                      </a:rPr>
                                     </m:ctrlPr>
                                   </m:fPr>
                                   <m:num>
                                     <m:sSub>
                                       <m:sSubPr>
                                         <m:ctrlPr>
-                                          <a:rPr lang="en-US" sz="1900" i="1"/>
+                                          <a:rPr lang="en-US" sz="1900" i="1">
+                                            <a:latin typeface="Cambria Math" panose="02040503050406030204" pitchFamily="18" charset="0"/>
+                                          </a:rPr>
                                         </m:ctrlPr>
                                       </m:sSubPr>
                                       <m:e>
                                         <m:r>
-                                          <a:rPr lang="en-US" sz="1900" i="1"/>
+                                          <a:rPr lang="en-US" sz="1900" i="1">
+                                            <a:latin typeface="Cambria Math" panose="02040503050406030204" pitchFamily="18" charset="0"/>
+                                          </a:rPr>
                                           <m:t>𝑝</m:t>
                                         </m:r>
                                       </m:e>
                                       <m:sub>
                                         <m:r>
-                                          <a:rPr lang="en-US" sz="1900" i="1"/>
+                                          <a:rPr lang="en-US" sz="1900" i="1">
+                                            <a:latin typeface="Cambria Math" panose="02040503050406030204" pitchFamily="18" charset="0"/>
+                                          </a:rPr>
                                           <m:t>𝑖𝑗</m:t>
                                         </m:r>
                                       </m:sub>
                                     </m:sSub>
                                     <m:r>
-                                      <a:rPr lang="en-US" sz="1900" i="1"/>
+                                      <a:rPr lang="en-US" sz="1900" i="1">
+                                        <a:latin typeface="Cambria Math" panose="02040503050406030204" pitchFamily="18" charset="0"/>
+                                      </a:rPr>
                                       <m:t>−</m:t>
                                     </m:r>
                                     <m:sSub>
                                       <m:sSubPr>
                                         <m:ctrlPr>
-                                          <a:rPr lang="en-US" sz="1900" i="1"/>
+                                          <a:rPr lang="en-US" sz="1900" i="1">
+                                            <a:latin typeface="Cambria Math" panose="02040503050406030204" pitchFamily="18" charset="0"/>
+                                          </a:rPr>
                                         </m:ctrlPr>
                                       </m:sSubPr>
                                       <m:e>
                                         <m:r>
-                                          <a:rPr lang="en-US" sz="1900" i="1"/>
+                                          <a:rPr lang="en-US" sz="1900" i="1">
+                                            <a:latin typeface="Cambria Math" panose="02040503050406030204" pitchFamily="18" charset="0"/>
+                                          </a:rPr>
                                           <m:t>𝑝</m:t>
                                         </m:r>
                                       </m:e>
                                       <m:sub>
                                         <m:r>
-                                          <a:rPr lang="en-US" sz="1900" i="1"/>
+                                          <a:rPr lang="en-US" sz="1900" i="1">
+                                            <a:latin typeface="Cambria Math" panose="02040503050406030204" pitchFamily="18" charset="0"/>
+                                          </a:rPr>
                                           <m:t>𝑔𝑗</m:t>
                                         </m:r>
                                       </m:sub>
@@ -11066,7 +11586,9 @@
                                   </m:num>
                                   <m:den>
                                     <m:r>
-                                      <a:rPr lang="en-US" sz="1900" i="1"/>
+                                      <a:rPr lang="en-US" sz="1900" i="1">
+                                        <a:latin typeface="Cambria Math" panose="02040503050406030204" pitchFamily="18" charset="0"/>
+                                      </a:rPr>
                                       <m:t>2</m:t>
                                     </m:r>
                                   </m:den>
@@ -11076,31 +11598,41 @@
                             <m:mr>
                               <m:e>
                                 <m:r>
-                                  <a:rPr lang="en-US" sz="1900" i="1"/>
+                                  <a:rPr lang="en-US" sz="1900" i="1">
+                                    <a:latin typeface="Cambria Math" panose="02040503050406030204" pitchFamily="18" charset="0"/>
+                                  </a:rPr>
                                   <m:t>𝑔</m:t>
                                 </m:r>
                                 <m:d>
                                   <m:dPr>
                                     <m:ctrlPr>
-                                      <a:rPr lang="en-US" sz="1900" i="1"/>
+                                      <a:rPr lang="en-US" sz="1900" i="1">
+                                        <a:latin typeface="Cambria Math" panose="02040503050406030204" pitchFamily="18" charset="0"/>
+                                      </a:rPr>
                                     </m:ctrlPr>
                                   </m:dPr>
                                   <m:e>
                                     <m:sSub>
                                       <m:sSubPr>
                                         <m:ctrlPr>
-                                          <a:rPr lang="en-US" sz="1900" i="1"/>
+                                          <a:rPr lang="en-US" sz="1900" i="1">
+                                            <a:latin typeface="Cambria Math" panose="02040503050406030204" pitchFamily="18" charset="0"/>
+                                          </a:rPr>
                                         </m:ctrlPr>
                                       </m:sSubPr>
                                       <m:e>
                                         <m:r>
-                                          <a:rPr lang="en-US" sz="1900" i="1"/>
+                                          <a:rPr lang="en-US" sz="1900" i="1">
+                                            <a:latin typeface="Cambria Math" panose="02040503050406030204" pitchFamily="18" charset="0"/>
+                                          </a:rPr>
                                           <m:t>𝑧</m:t>
                                         </m:r>
                                       </m:e>
                                       <m:sub>
                                         <m:r>
-                                          <a:rPr lang="en-US" sz="1900" i="1"/>
+                                          <a:rPr lang="en-US" sz="1900" i="1">
+                                            <a:latin typeface="Cambria Math" panose="02040503050406030204" pitchFamily="18" charset="0"/>
+                                          </a:rPr>
                                           <m:t>𝑖𝑗</m:t>
                                         </m:r>
                                       </m:sub>
@@ -11108,58 +11640,78 @@
                                   </m:e>
                                 </m:d>
                                 <m:r>
-                                  <a:rPr lang="en-US" sz="1900" i="1"/>
+                                  <a:rPr lang="en-US" sz="1900" i="1">
+                                    <a:latin typeface="Cambria Math" panose="02040503050406030204" pitchFamily="18" charset="0"/>
+                                  </a:rPr>
                                   <m:t> </m:t>
                                 </m:r>
                                 <m:r>
                                   <m:rPr>
                                     <m:sty m:val="p"/>
                                   </m:rPr>
-                                  <a:rPr lang="en-US" sz="1900"/>
+                                  <a:rPr lang="en-US" sz="1900">
+                                    <a:latin typeface="Cambria Math" panose="02040503050406030204" pitchFamily="18" charset="0"/>
+                                  </a:rPr>
                                   <m:t>if</m:t>
                                 </m:r>
                                 <m:r>
-                                  <a:rPr lang="en-US" sz="1900" i="1"/>
+                                  <a:rPr lang="en-US" sz="1900" i="1">
+                                    <a:latin typeface="Cambria Math" panose="02040503050406030204" pitchFamily="18" charset="0"/>
+                                  </a:rPr>
                                   <m:t> </m:t>
                                 </m:r>
                                 <m:sSub>
                                   <m:sSubPr>
                                     <m:ctrlPr>
-                                      <a:rPr lang="en-US" sz="1900" i="1"/>
+                                      <a:rPr lang="en-US" sz="1900" i="1">
+                                        <a:latin typeface="Cambria Math" panose="02040503050406030204" pitchFamily="18" charset="0"/>
+                                      </a:rPr>
                                     </m:ctrlPr>
                                   </m:sSubPr>
                                   <m:e>
                                     <m:r>
-                                      <a:rPr lang="en-US" sz="1900" i="1"/>
+                                      <a:rPr lang="en-US" sz="1900" i="1">
+                                        <a:latin typeface="Cambria Math" panose="02040503050406030204" pitchFamily="18" charset="0"/>
+                                      </a:rPr>
                                       <m:t>𝑝</m:t>
                                     </m:r>
                                   </m:e>
                                   <m:sub>
                                     <m:r>
-                                      <a:rPr lang="en-US" sz="1900" i="1"/>
+                                      <a:rPr lang="en-US" sz="1900" i="1">
+                                        <a:latin typeface="Cambria Math" panose="02040503050406030204" pitchFamily="18" charset="0"/>
+                                      </a:rPr>
                                       <m:t>𝑖𝑗</m:t>
                                     </m:r>
                                   </m:sub>
                                 </m:sSub>
                                 <m:r>
-                                  <a:rPr lang="en-US" sz="1900" i="1"/>
+                                  <a:rPr lang="en-US" sz="1900" i="1">
+                                    <a:latin typeface="Cambria Math" panose="02040503050406030204" pitchFamily="18" charset="0"/>
+                                  </a:rPr>
                                   <m:t>≠</m:t>
                                 </m:r>
                                 <m:sSub>
                                   <m:sSubPr>
                                     <m:ctrlPr>
-                                      <a:rPr lang="en-US" sz="1900" i="1"/>
+                                      <a:rPr lang="en-US" sz="1900" i="1">
+                                        <a:latin typeface="Cambria Math" panose="02040503050406030204" pitchFamily="18" charset="0"/>
+                                      </a:rPr>
                                     </m:ctrlPr>
                                   </m:sSubPr>
                                   <m:e>
                                     <m:r>
-                                      <a:rPr lang="en-US" sz="1900" i="1"/>
+                                      <a:rPr lang="en-US" sz="1900" i="1">
+                                        <a:latin typeface="Cambria Math" panose="02040503050406030204" pitchFamily="18" charset="0"/>
+                                      </a:rPr>
                                       <m:t>𝑝</m:t>
                                     </m:r>
                                   </m:e>
                                   <m:sub>
                                     <m:r>
-                                      <a:rPr lang="en-US" sz="1900" i="1"/>
+                                      <a:rPr lang="en-US" sz="1900" i="1">
+                                        <a:latin typeface="Cambria Math" panose="02040503050406030204" pitchFamily="18" charset="0"/>
+                                      </a:rPr>
                                       <m:t>𝑔𝑗</m:t>
                                     </m:r>
                                   </m:sub>
@@ -11228,101 +11780,137 @@
                       <m:sSub>
                         <m:sSubPr>
                           <m:ctrlPr>
-                            <a:rPr lang="en-US" sz="1900" i="1"/>
+                            <a:rPr lang="en-US" sz="1900" i="1">
+                              <a:latin typeface="Cambria Math" panose="02040503050406030204" pitchFamily="18" charset="0"/>
+                            </a:rPr>
                           </m:ctrlPr>
                         </m:sSubPr>
                         <m:e>
                           <m:r>
-                            <a:rPr lang="en-US" sz="1900" b="1" i="1"/>
+                            <a:rPr lang="en-US" sz="1900" b="1" i="1">
+                              <a:latin typeface="Cambria Math" panose="02040503050406030204" pitchFamily="18" charset="0"/>
+                            </a:rPr>
                             <m:t>𝒗</m:t>
                           </m:r>
                         </m:e>
                         <m:sub>
                           <m:r>
-                            <a:rPr lang="en-US" sz="1900" i="1"/>
+                            <a:rPr lang="en-US" sz="1900" i="1">
+                              <a:latin typeface="Cambria Math" panose="02040503050406030204" pitchFamily="18" charset="0"/>
+                            </a:rPr>
                             <m:t>𝑖</m:t>
                           </m:r>
                         </m:sub>
                       </m:sSub>
                       <m:r>
-                        <a:rPr lang="en-US" sz="1900" i="1"/>
+                        <a:rPr lang="en-US" sz="1900" i="1">
+                          <a:latin typeface="Cambria Math" panose="02040503050406030204" pitchFamily="18" charset="0"/>
+                        </a:rPr>
                         <m:t>=</m:t>
                       </m:r>
                       <m:r>
                         <m:rPr>
                           <m:sty m:val="p"/>
                         </m:rPr>
-                        <a:rPr lang="en-US" sz="1900"/>
+                        <a:rPr lang="en-US" sz="1900">
+                          <a:latin typeface="Cambria Math" panose="02040503050406030204" pitchFamily="18" charset="0"/>
+                        </a:rPr>
                         <m:t>Χ</m:t>
                       </m:r>
                       <m:r>
-                        <a:rPr lang="en-US" sz="1900"/>
+                        <a:rPr lang="en-US" sz="1900">
+                          <a:latin typeface="Cambria Math" panose="02040503050406030204" pitchFamily="18" charset="0"/>
+                        </a:rPr>
                         <m:t>⨂</m:t>
                       </m:r>
                       <m:d>
                         <m:dPr>
                           <m:ctrlPr>
-                            <a:rPr lang="en-US" sz="1900" i="1"/>
+                            <a:rPr lang="en-US" sz="1900" i="1">
+                              <a:latin typeface="Cambria Math" panose="02040503050406030204" pitchFamily="18" charset="0"/>
+                            </a:rPr>
                           </m:ctrlPr>
                         </m:dPr>
                         <m:e>
                           <m:r>
-                            <a:rPr lang="en-US" sz="1900" i="1"/>
+                            <a:rPr lang="en-US" sz="1900" i="1">
+                              <a:latin typeface="Cambria Math" panose="02040503050406030204" pitchFamily="18" charset="0"/>
+                            </a:rPr>
                             <m:t>𝜔</m:t>
                           </m:r>
                           <m:sSub>
                             <m:sSubPr>
                               <m:ctrlPr>
-                                <a:rPr lang="en-US" sz="1900" i="1"/>
+                                <a:rPr lang="en-US" sz="1900" i="1">
+                                  <a:latin typeface="Cambria Math" panose="02040503050406030204" pitchFamily="18" charset="0"/>
+                                </a:rPr>
                               </m:ctrlPr>
                             </m:sSubPr>
                             <m:e>
                               <m:r>
-                                <a:rPr lang="en-US" sz="1900" b="1" i="1"/>
+                                <a:rPr lang="en-US" sz="1900" b="1" i="1">
+                                  <a:latin typeface="Cambria Math" panose="02040503050406030204" pitchFamily="18" charset="0"/>
+                                </a:rPr>
                                 <m:t>𝒗</m:t>
                               </m:r>
                             </m:e>
                             <m:sub>
                               <m:r>
-                                <a:rPr lang="en-US" sz="1900" i="1"/>
+                                <a:rPr lang="en-US" sz="1900" i="1">
+                                  <a:latin typeface="Cambria Math" panose="02040503050406030204" pitchFamily="18" charset="0"/>
+                                </a:rPr>
                                 <m:t>𝑖</m:t>
                               </m:r>
                             </m:sub>
                           </m:sSub>
                           <m:r>
-                            <a:rPr lang="en-US" sz="1900" i="1"/>
+                            <a:rPr lang="en-US" sz="1900" i="1">
+                              <a:latin typeface="Cambria Math" panose="02040503050406030204" pitchFamily="18" charset="0"/>
+                            </a:rPr>
                             <m:t>+</m:t>
                           </m:r>
                           <m:r>
-                            <a:rPr lang="en-US" sz="1900" i="1"/>
+                            <a:rPr lang="en-US" sz="1900" i="1">
+                              <a:latin typeface="Cambria Math" panose="02040503050406030204" pitchFamily="18" charset="0"/>
+                            </a:rPr>
                             <m:t>𝑈</m:t>
                           </m:r>
                           <m:d>
                             <m:dPr>
                               <m:ctrlPr>
-                                <a:rPr lang="en-US" sz="1900" i="1"/>
+                                <a:rPr lang="en-US" sz="1900" i="1">
+                                  <a:latin typeface="Cambria Math" panose="02040503050406030204" pitchFamily="18" charset="0"/>
+                                </a:rPr>
                               </m:ctrlPr>
                             </m:dPr>
                             <m:e>
                               <m:r>
-                                <a:rPr lang="en-US" sz="1900" i="1"/>
+                                <a:rPr lang="en-US" sz="1900" i="1">
+                                  <a:latin typeface="Cambria Math" panose="02040503050406030204" pitchFamily="18" charset="0"/>
+                                </a:rPr>
                                 <m:t>0,</m:t>
                               </m:r>
                               <m:sSub>
                                 <m:sSubPr>
                                   <m:ctrlPr>
-                                    <a:rPr lang="en-US" sz="1900" i="1"/>
+                                    <a:rPr lang="en-US" sz="1900" i="1">
+                                      <a:latin typeface="Cambria Math" panose="02040503050406030204" pitchFamily="18" charset="0"/>
+                                    </a:rPr>
                                   </m:ctrlPr>
                                 </m:sSubPr>
                                 <m:e>
                                   <m:r>
-                                    <a:rPr lang="en-US" sz="1900" i="1"/>
+                                    <a:rPr lang="en-US" sz="1900" i="1">
+                                      <a:latin typeface="Cambria Math" panose="02040503050406030204" pitchFamily="18" charset="0"/>
+                                    </a:rPr>
                                     <m:t>𝜙</m:t>
                                   </m:r>
                                 </m:e>
                                 <m:sub>
                                   <m:r>
-                                    <a:rPr lang="en-US" sz="1900" i="1"/>
+                                    <a:rPr lang="en-US" sz="1900" i="1">
+                                      <a:latin typeface="Cambria Math" panose="02040503050406030204" pitchFamily="18" charset="0"/>
+                                    </a:rPr>
                                     <m:t>1</m:t>
                                   </m:r>
                                 </m:sub>
@@ -11330,54 +11918,72 @@
                             </m:e>
                           </m:d>
                           <m:r>
-                            <a:rPr lang="en-US" sz="1900" i="1"/>
+                            <a:rPr lang="en-US" sz="1900" i="1">
+                              <a:latin typeface="Cambria Math" panose="02040503050406030204" pitchFamily="18" charset="0"/>
+                            </a:rPr>
                             <m:t>⨂</m:t>
                           </m:r>
                           <m:d>
                             <m:dPr>
                               <m:ctrlPr>
-                                <a:rPr lang="en-US" sz="1900" i="1"/>
+                                <a:rPr lang="en-US" sz="1900" i="1">
+                                  <a:latin typeface="Cambria Math" panose="02040503050406030204" pitchFamily="18" charset="0"/>
+                                </a:rPr>
                               </m:ctrlPr>
                             </m:dPr>
                             <m:e>
                               <m:sSub>
                                 <m:sSubPr>
                                   <m:ctrlPr>
-                                    <a:rPr lang="en-US" sz="1900" i="1"/>
+                                    <a:rPr lang="en-US" sz="1900" i="1">
+                                      <a:latin typeface="Cambria Math" panose="02040503050406030204" pitchFamily="18" charset="0"/>
+                                    </a:rPr>
                                   </m:ctrlPr>
                                 </m:sSubPr>
                                 <m:e>
                                   <m:r>
-                                    <a:rPr lang="en-US" sz="1900" b="1" i="1"/>
+                                    <a:rPr lang="en-US" sz="1900" b="1" i="1">
+                                      <a:latin typeface="Cambria Math" panose="02040503050406030204" pitchFamily="18" charset="0"/>
+                                    </a:rPr>
                                     <m:t>𝒑</m:t>
                                   </m:r>
                                 </m:e>
                                 <m:sub>
                                   <m:r>
-                                    <a:rPr lang="en-US" sz="1900" i="1"/>
+                                    <a:rPr lang="en-US" sz="1900" i="1">
+                                      <a:latin typeface="Cambria Math" panose="02040503050406030204" pitchFamily="18" charset="0"/>
+                                    </a:rPr>
                                     <m:t>𝑖</m:t>
                                   </m:r>
                                 </m:sub>
                               </m:sSub>
                               <m:r>
-                                <a:rPr lang="en-US" sz="1900" i="1"/>
+                                <a:rPr lang="en-US" sz="1900" i="1">
+                                  <a:latin typeface="Cambria Math" panose="02040503050406030204" pitchFamily="18" charset="0"/>
+                                </a:rPr>
                                 <m:t>−</m:t>
                               </m:r>
                               <m:sSub>
                                 <m:sSubPr>
                                   <m:ctrlPr>
-                                    <a:rPr lang="en-US" sz="1900" i="1"/>
+                                    <a:rPr lang="en-US" sz="1900" i="1">
+                                      <a:latin typeface="Cambria Math" panose="02040503050406030204" pitchFamily="18" charset="0"/>
+                                    </a:rPr>
                                   </m:ctrlPr>
                                 </m:sSubPr>
                                 <m:e>
                                   <m:r>
-                                    <a:rPr lang="en-US" sz="1900" b="1" i="1"/>
+                                    <a:rPr lang="en-US" sz="1900" b="1" i="1">
+                                      <a:latin typeface="Cambria Math" panose="02040503050406030204" pitchFamily="18" charset="0"/>
+                                    </a:rPr>
                                     <m:t>𝒙</m:t>
                                   </m:r>
                                 </m:e>
                                 <m:sub>
                                   <m:r>
-                                    <a:rPr lang="en-US" sz="1900" i="1"/>
+                                    <a:rPr lang="en-US" sz="1900" i="1">
+                                      <a:latin typeface="Cambria Math" panose="02040503050406030204" pitchFamily="18" charset="0"/>
+                                    </a:rPr>
                                     <m:t>𝑖</m:t>
                                   </m:r>
                                 </m:sub>
@@ -11385,39 +11991,53 @@
                             </m:e>
                           </m:d>
                           <m:r>
-                            <a:rPr lang="en-US" sz="1900" i="1"/>
+                            <a:rPr lang="en-US" sz="1900" i="1">
+                              <a:latin typeface="Cambria Math" panose="02040503050406030204" pitchFamily="18" charset="0"/>
+                            </a:rPr>
                             <m:t>+</m:t>
                           </m:r>
                           <m:r>
-                            <a:rPr lang="en-US" sz="1900" i="1"/>
+                            <a:rPr lang="en-US" sz="1900" i="1">
+                              <a:latin typeface="Cambria Math" panose="02040503050406030204" pitchFamily="18" charset="0"/>
+                            </a:rPr>
                             <m:t>𝑈</m:t>
                           </m:r>
                           <m:d>
                             <m:dPr>
                               <m:ctrlPr>
-                                <a:rPr lang="en-US" sz="1900" i="1"/>
+                                <a:rPr lang="en-US" sz="1900" i="1">
+                                  <a:latin typeface="Cambria Math" panose="02040503050406030204" pitchFamily="18" charset="0"/>
+                                </a:rPr>
                               </m:ctrlPr>
                             </m:dPr>
                             <m:e>
                               <m:r>
-                                <a:rPr lang="en-US" sz="1900" i="1"/>
+                                <a:rPr lang="en-US" sz="1900" i="1">
+                                  <a:latin typeface="Cambria Math" panose="02040503050406030204" pitchFamily="18" charset="0"/>
+                                </a:rPr>
                                 <m:t>0,</m:t>
                               </m:r>
                               <m:sSub>
                                 <m:sSubPr>
                                   <m:ctrlPr>
-                                    <a:rPr lang="en-US" sz="1900" i="1"/>
+                                    <a:rPr lang="en-US" sz="1900" i="1">
+                                      <a:latin typeface="Cambria Math" panose="02040503050406030204" pitchFamily="18" charset="0"/>
+                                    </a:rPr>
                                   </m:ctrlPr>
                                 </m:sSubPr>
                                 <m:e>
                                   <m:r>
-                                    <a:rPr lang="en-US" sz="1900" i="1"/>
+                                    <a:rPr lang="en-US" sz="1900" i="1">
+                                      <a:latin typeface="Cambria Math" panose="02040503050406030204" pitchFamily="18" charset="0"/>
+                                    </a:rPr>
                                     <m:t>𝜙</m:t>
                                   </m:r>
                                 </m:e>
                                 <m:sub>
                                   <m:r>
-                                    <a:rPr lang="en-US" sz="1900" i="1"/>
+                                    <a:rPr lang="en-US" sz="1900" i="1">
+                                      <a:latin typeface="Cambria Math" panose="02040503050406030204" pitchFamily="18" charset="0"/>
+                                    </a:rPr>
                                     <m:t>2</m:t>
                                   </m:r>
                                 </m:sub>
@@ -11425,54 +12045,72 @@
                             </m:e>
                           </m:d>
                           <m:r>
-                            <a:rPr lang="en-US" sz="1900" i="1"/>
+                            <a:rPr lang="en-US" sz="1900" i="1">
+                              <a:latin typeface="Cambria Math" panose="02040503050406030204" pitchFamily="18" charset="0"/>
+                            </a:rPr>
                             <m:t>⨂</m:t>
                           </m:r>
                           <m:d>
                             <m:dPr>
                               <m:ctrlPr>
-                                <a:rPr lang="en-US" sz="1900" i="1"/>
+                                <a:rPr lang="en-US" sz="1900" i="1">
+                                  <a:latin typeface="Cambria Math" panose="02040503050406030204" pitchFamily="18" charset="0"/>
+                                </a:rPr>
                               </m:ctrlPr>
                             </m:dPr>
                             <m:e>
                               <m:sSub>
                                 <m:sSubPr>
                                   <m:ctrlPr>
-                                    <a:rPr lang="en-US" sz="1900" i="1"/>
+                                    <a:rPr lang="en-US" sz="1900" i="1">
+                                      <a:latin typeface="Cambria Math" panose="02040503050406030204" pitchFamily="18" charset="0"/>
+                                    </a:rPr>
                                   </m:ctrlPr>
                                 </m:sSubPr>
                                 <m:e>
                                   <m:r>
-                                    <a:rPr lang="en-US" sz="1900" b="1" i="1"/>
+                                    <a:rPr lang="en-US" sz="1900" b="1" i="1">
+                                      <a:latin typeface="Cambria Math" panose="02040503050406030204" pitchFamily="18" charset="0"/>
+                                    </a:rPr>
                                     <m:t>𝒑</m:t>
                                   </m:r>
                                 </m:e>
                                 <m:sub>
                                   <m:r>
-                                    <a:rPr lang="en-US" sz="1900" i="1"/>
+                                    <a:rPr lang="en-US" sz="1900" i="1">
+                                      <a:latin typeface="Cambria Math" panose="02040503050406030204" pitchFamily="18" charset="0"/>
+                                    </a:rPr>
                                     <m:t>𝑔</m:t>
                                   </m:r>
                                 </m:sub>
                               </m:sSub>
                               <m:r>
-                                <a:rPr lang="en-US" sz="1900" i="1"/>
+                                <a:rPr lang="en-US" sz="1900" i="1">
+                                  <a:latin typeface="Cambria Math" panose="02040503050406030204" pitchFamily="18" charset="0"/>
+                                </a:rPr>
                                 <m:t>−</m:t>
                               </m:r>
                               <m:sSub>
                                 <m:sSubPr>
                                   <m:ctrlPr>
-                                    <a:rPr lang="en-US" sz="1900" i="1"/>
+                                    <a:rPr lang="en-US" sz="1900" i="1">
+                                      <a:latin typeface="Cambria Math" panose="02040503050406030204" pitchFamily="18" charset="0"/>
+                                    </a:rPr>
                                   </m:ctrlPr>
                                 </m:sSubPr>
                                 <m:e>
                                   <m:r>
-                                    <a:rPr lang="en-US" sz="1900" b="1" i="1"/>
+                                    <a:rPr lang="en-US" sz="1900" b="1" i="1">
+                                      <a:latin typeface="Cambria Math" panose="02040503050406030204" pitchFamily="18" charset="0"/>
+                                    </a:rPr>
                                     <m:t>𝒙</m:t>
                                   </m:r>
                                 </m:e>
                                 <m:sub>
                                   <m:r>
-                                    <a:rPr lang="en-US" sz="1900" i="1"/>
+                                    <a:rPr lang="en-US" sz="1900" i="1">
+                                      <a:latin typeface="Cambria Math" panose="02040503050406030204" pitchFamily="18" charset="0"/>
+                                    </a:rPr>
                                     <m:t>𝑖</m:t>
                                   </m:r>
                                 </m:sub>
@@ -11480,18 +12118,24 @@
                             </m:e>
                           </m:d>
                           <m:r>
-                            <a:rPr lang="en-US" sz="1900" i="1"/>
+                            <a:rPr lang="en-US" sz="1900" i="1">
+                              <a:latin typeface="Cambria Math" panose="02040503050406030204" pitchFamily="18" charset="0"/>
+                            </a:rPr>
                             <m:t>+</m:t>
                           </m:r>
                           <m:f>
                             <m:fPr>
                               <m:ctrlPr>
-                                <a:rPr lang="en-US" sz="1900" i="1"/>
+                                <a:rPr lang="en-US" sz="1900" i="1">
+                                  <a:latin typeface="Cambria Math" panose="02040503050406030204" pitchFamily="18" charset="0"/>
+                                </a:rPr>
                               </m:ctrlPr>
                             </m:fPr>
                             <m:num>
                               <m:r>
-                                <a:rPr lang="en-US" sz="1900" i="1"/>
+                                <a:rPr lang="en-US" sz="1900" i="1">
+                                  <a:latin typeface="Cambria Math" panose="02040503050406030204" pitchFamily="18" charset="0"/>
+                                </a:rPr>
                                 <m:t>1</m:t>
                               </m:r>
                             </m:num>
@@ -11499,18 +12143,24 @@
                               <m:sSub>
                                 <m:sSubPr>
                                   <m:ctrlPr>
-                                    <a:rPr lang="en-US" sz="1900" i="1"/>
+                                    <a:rPr lang="en-US" sz="1900" i="1">
+                                      <a:latin typeface="Cambria Math" panose="02040503050406030204" pitchFamily="18" charset="0"/>
+                                    </a:rPr>
                                   </m:ctrlPr>
                                 </m:sSubPr>
                                 <m:e>
                                   <m:r>
-                                    <a:rPr lang="en-US" sz="1900" i="1"/>
+                                    <a:rPr lang="en-US" sz="1900" i="1">
+                                      <a:latin typeface="Cambria Math" panose="02040503050406030204" pitchFamily="18" charset="0"/>
+                                    </a:rPr>
                                     <m:t>𝐾</m:t>
                                   </m:r>
                                 </m:e>
                                 <m:sub>
                                   <m:r>
-                                    <a:rPr lang="en-US" sz="1900" i="1"/>
+                                    <a:rPr lang="en-US" sz="1900" i="1">
+                                      <a:latin typeface="Cambria Math" panose="02040503050406030204" pitchFamily="18" charset="0"/>
+                                    </a:rPr>
                                     <m:t>𝑖</m:t>
                                   </m:r>
                                 </m:sub>
@@ -11522,16 +12172,22 @@
                               <m:chr m:val="∑"/>
                               <m:limLoc m:val="undOvr"/>
                               <m:ctrlPr>
-                                <a:rPr lang="en-US" sz="1900" i="1"/>
+                                <a:rPr lang="en-US" sz="1900" i="1">
+                                  <a:latin typeface="Cambria Math" panose="02040503050406030204" pitchFamily="18" charset="0"/>
+                                </a:rPr>
                               </m:ctrlPr>
                             </m:naryPr>
                             <m:sub>
                               <m:r>
-                                <a:rPr lang="en-US" sz="1900" i="1"/>
+                                <a:rPr lang="en-US" sz="1900" i="1">
+                                  <a:latin typeface="Cambria Math" panose="02040503050406030204" pitchFamily="18" charset="0"/>
+                                </a:rPr>
                                 <m:t>𝑘</m:t>
                               </m:r>
                               <m:r>
-                                <a:rPr lang="en-US" sz="1900" i="1"/>
+                                <a:rPr lang="en-US" sz="1900" i="1">
+                                  <a:latin typeface="Cambria Math" panose="02040503050406030204" pitchFamily="18" charset="0"/>
+                                </a:rPr>
                                 <m:t>=1</m:t>
                               </m:r>
                             </m:sub>
@@ -11539,18 +12195,24 @@
                               <m:sSub>
                                 <m:sSubPr>
                                   <m:ctrlPr>
-                                    <a:rPr lang="en-US" sz="1900" i="1"/>
+                                    <a:rPr lang="en-US" sz="1900" i="1">
+                                      <a:latin typeface="Cambria Math" panose="02040503050406030204" pitchFamily="18" charset="0"/>
+                                    </a:rPr>
                                   </m:ctrlPr>
                                 </m:sSubPr>
                                 <m:e>
                                   <m:r>
-                                    <a:rPr lang="en-US" sz="1900" i="1"/>
+                                    <a:rPr lang="en-US" sz="1900" i="1">
+                                      <a:latin typeface="Cambria Math" panose="02040503050406030204" pitchFamily="18" charset="0"/>
+                                    </a:rPr>
                                     <m:t>𝐾</m:t>
                                   </m:r>
                                 </m:e>
                                 <m:sub>
                                   <m:r>
-                                    <a:rPr lang="en-US" sz="1900" i="1"/>
+                                    <a:rPr lang="en-US" sz="1900" i="1">
+                                      <a:latin typeface="Cambria Math" panose="02040503050406030204" pitchFamily="18" charset="0"/>
+                                    </a:rPr>
                                     <m:t>𝑖</m:t>
                                   </m:r>
                                 </m:sub>
@@ -11558,75 +12220,101 @@
                             </m:sup>
                             <m:e>
                               <m:r>
-                                <a:rPr lang="en-US" sz="1900" i="1"/>
+                                <a:rPr lang="en-US" sz="1900" i="1">
+                                  <a:latin typeface="Cambria Math" panose="02040503050406030204" pitchFamily="18" charset="0"/>
+                                </a:rPr>
                                 <m:t>𝑈</m:t>
                               </m:r>
                               <m:d>
                                 <m:dPr>
                                   <m:ctrlPr>
-                                    <a:rPr lang="en-US" sz="1900" i="1"/>
+                                    <a:rPr lang="en-US" sz="1900" i="1">
+                                      <a:latin typeface="Cambria Math" panose="02040503050406030204" pitchFamily="18" charset="0"/>
+                                    </a:rPr>
                                   </m:ctrlPr>
                                 </m:dPr>
                                 <m:e>
                                   <m:r>
-                                    <a:rPr lang="en-US" sz="1900" i="1"/>
+                                    <a:rPr lang="en-US" sz="1900" i="1">
+                                      <a:latin typeface="Cambria Math" panose="02040503050406030204" pitchFamily="18" charset="0"/>
+                                    </a:rPr>
                                     <m:t>0,</m:t>
                                   </m:r>
                                   <m:r>
-                                    <a:rPr lang="en-US" sz="1900" i="1"/>
+                                    <a:rPr lang="en-US" sz="1900" i="1">
+                                      <a:latin typeface="Cambria Math" panose="02040503050406030204" pitchFamily="18" charset="0"/>
+                                    </a:rPr>
                                     <m:t>𝜙</m:t>
                                   </m:r>
                                 </m:e>
                               </m:d>
                               <m:r>
-                                <a:rPr lang="en-US" sz="1900" i="1"/>
+                                <a:rPr lang="en-US" sz="1900" i="1">
+                                  <a:latin typeface="Cambria Math" panose="02040503050406030204" pitchFamily="18" charset="0"/>
+                                </a:rPr>
                                 <m:t>⨂</m:t>
                               </m:r>
                               <m:d>
                                 <m:dPr>
                                   <m:ctrlPr>
-                                    <a:rPr lang="en-US" sz="1900" i="1"/>
+                                    <a:rPr lang="en-US" sz="1900" i="1">
+                                      <a:latin typeface="Cambria Math" panose="02040503050406030204" pitchFamily="18" charset="0"/>
+                                    </a:rPr>
                                   </m:ctrlPr>
                                 </m:dPr>
                                 <m:e>
                                   <m:sSub>
                                     <m:sSubPr>
                                       <m:ctrlPr>
-                                        <a:rPr lang="en-US" sz="1900" i="1"/>
+                                        <a:rPr lang="en-US" sz="1900" i="1">
+                                          <a:latin typeface="Cambria Math" panose="02040503050406030204" pitchFamily="18" charset="0"/>
+                                        </a:rPr>
                                       </m:ctrlPr>
                                     </m:sSubPr>
                                     <m:e>
                                       <m:r>
-                                        <a:rPr lang="en-US" sz="1900" b="1" i="1"/>
+                                        <a:rPr lang="en-US" sz="1900" b="1" i="1">
+                                          <a:latin typeface="Cambria Math" panose="02040503050406030204" pitchFamily="18" charset="0"/>
+                                        </a:rPr>
                                         <m:t>𝒒</m:t>
                                       </m:r>
                                     </m:e>
                                     <m:sub>
                                       <m:r>
-                                        <a:rPr lang="en-US" sz="1900" i="1"/>
+                                        <a:rPr lang="en-US" sz="1900" i="1">
+                                          <a:latin typeface="Cambria Math" panose="02040503050406030204" pitchFamily="18" charset="0"/>
+                                        </a:rPr>
                                         <m:t>𝑘</m:t>
                                       </m:r>
                                     </m:sub>
                                   </m:sSub>
                                   <m:r>
-                                    <a:rPr lang="en-US" sz="1900" i="1"/>
+                                    <a:rPr lang="en-US" sz="1900" i="1">
+                                      <a:latin typeface="Cambria Math" panose="02040503050406030204" pitchFamily="18" charset="0"/>
+                                    </a:rPr>
                                     <m:t>−</m:t>
                                   </m:r>
                                   <m:sSub>
                                     <m:sSubPr>
                                       <m:ctrlPr>
-                                        <a:rPr lang="en-US" sz="1900" i="1"/>
+                                        <a:rPr lang="en-US" sz="1900" i="1">
+                                          <a:latin typeface="Cambria Math" panose="02040503050406030204" pitchFamily="18" charset="0"/>
+                                        </a:rPr>
                                       </m:ctrlPr>
                                     </m:sSubPr>
                                     <m:e>
                                       <m:r>
-                                        <a:rPr lang="en-US" sz="1900" b="1" i="1"/>
+                                        <a:rPr lang="en-US" sz="1900" b="1" i="1">
+                                          <a:latin typeface="Cambria Math" panose="02040503050406030204" pitchFamily="18" charset="0"/>
+                                        </a:rPr>
                                         <m:t>𝒙</m:t>
                                       </m:r>
                                     </m:e>
                                     <m:sub>
                                       <m:r>
-                                        <a:rPr lang="en-US" sz="1900" i="1"/>
+                                        <a:rPr lang="en-US" sz="1900" i="1">
+                                          <a:latin typeface="Cambria Math" panose="02040503050406030204" pitchFamily="18" charset="0"/>
+                                        </a:rPr>
                                         <m:t>𝑖</m:t>
                                       </m:r>
                                     </m:sub>
@@ -11735,7 +12423,7 @@
           <a:p>
             <a:fld id="{4E10A670-4E98-4FA5-A2C2-4F9C00874B7B}" type="datetime1">
               <a:rPr lang="en-US" smtClean="0"/>
-              <a:t>2/26/2021</a:t>
+              <a:t>17/03/2021</a:t>
             </a:fld>
             <a:endParaRPr lang="en-US"/>
           </a:p>
@@ -12035,7 +12723,7 @@
           <a:p>
             <a:fld id="{4E10A670-4E98-4FA5-A2C2-4F9C00874B7B}" type="datetime1">
               <a:rPr lang="en-US" smtClean="0"/>
-              <a:t>2/26/2021</a:t>
+              <a:t>17/03/2021</a:t>
             </a:fld>
             <a:endParaRPr lang="en-US"/>
           </a:p>
@@ -12194,76 +12882,102 @@
                     </m:oMathParaPr>
                     <m:oMath xmlns:m="http://schemas.openxmlformats.org/officeDocument/2006/math">
                       <m:r>
-                        <a:rPr lang="en-US" i="1"/>
+                        <a:rPr lang="en-US" i="1">
+                          <a:latin typeface="Cambria Math" panose="02040503050406030204" pitchFamily="18" charset="0"/>
+                        </a:rPr>
                         <m:t>𝑓</m:t>
                       </m:r>
                       <m:d>
                         <m:dPr>
                           <m:ctrlPr>
-                            <a:rPr lang="en-US" i="1"/>
+                            <a:rPr lang="en-US" i="1">
+                              <a:latin typeface="Cambria Math" panose="02040503050406030204" pitchFamily="18" charset="0"/>
+                            </a:rPr>
                           </m:ctrlPr>
                         </m:dPr>
                         <m:e>
                           <m:r>
-                            <a:rPr lang="en-US" b="1" i="1"/>
+                            <a:rPr lang="en-US" b="1" i="1">
+                              <a:latin typeface="Cambria Math" panose="02040503050406030204" pitchFamily="18" charset="0"/>
+                            </a:rPr>
                             <m:t>𝒙</m:t>
                           </m:r>
                           <m:r>
-                            <a:rPr lang="en-US" i="1"/>
+                            <a:rPr lang="en-US" i="1">
+                              <a:latin typeface="Cambria Math" panose="02040503050406030204" pitchFamily="18" charset="0"/>
+                            </a:rPr>
                             <m:t>=</m:t>
                           </m:r>
                           <m:sSup>
                             <m:sSupPr>
                               <m:ctrlPr>
-                                <a:rPr lang="en-US" i="1"/>
+                                <a:rPr lang="en-US" i="1">
+                                  <a:latin typeface="Cambria Math" panose="02040503050406030204" pitchFamily="18" charset="0"/>
+                                </a:rPr>
                               </m:ctrlPr>
                             </m:sSupPr>
                             <m:e>
                               <m:d>
                                 <m:dPr>
                                   <m:ctrlPr>
-                                    <a:rPr lang="en-US" i="1"/>
+                                    <a:rPr lang="en-US" i="1">
+                                      <a:latin typeface="Cambria Math" panose="02040503050406030204" pitchFamily="18" charset="0"/>
+                                    </a:rPr>
                                   </m:ctrlPr>
                                 </m:dPr>
                                 <m:e>
                                   <m:sSub>
                                     <m:sSubPr>
                                       <m:ctrlPr>
-                                        <a:rPr lang="en-US" i="1"/>
+                                        <a:rPr lang="en-US" i="1">
+                                          <a:latin typeface="Cambria Math" panose="02040503050406030204" pitchFamily="18" charset="0"/>
+                                        </a:rPr>
                                       </m:ctrlPr>
                                     </m:sSubPr>
                                     <m:e>
                                       <m:r>
-                                        <a:rPr lang="en-US" i="1"/>
+                                        <a:rPr lang="en-US" i="1">
+                                          <a:latin typeface="Cambria Math" panose="02040503050406030204" pitchFamily="18" charset="0"/>
+                                        </a:rPr>
                                         <m:t>𝑥</m:t>
                                       </m:r>
                                     </m:e>
                                     <m:sub>
                                       <m:r>
-                                        <a:rPr lang="en-US" i="1"/>
+                                        <a:rPr lang="en-US" i="1">
+                                          <a:latin typeface="Cambria Math" panose="02040503050406030204" pitchFamily="18" charset="0"/>
+                                        </a:rPr>
                                         <m:t>1</m:t>
                                       </m:r>
                                     </m:sub>
                                   </m:sSub>
                                   <m:r>
-                                    <a:rPr lang="en-US" i="1"/>
+                                    <a:rPr lang="en-US" i="1">
+                                      <a:latin typeface="Cambria Math" panose="02040503050406030204" pitchFamily="18" charset="0"/>
+                                    </a:rPr>
                                     <m:t>,</m:t>
                                   </m:r>
                                   <m:sSub>
                                     <m:sSubPr>
                                       <m:ctrlPr>
-                                        <a:rPr lang="en-US" i="1"/>
+                                        <a:rPr lang="en-US" i="1">
+                                          <a:latin typeface="Cambria Math" panose="02040503050406030204" pitchFamily="18" charset="0"/>
+                                        </a:rPr>
                                       </m:ctrlPr>
                                     </m:sSubPr>
                                     <m:e>
                                       <m:r>
-                                        <a:rPr lang="en-US" i="1"/>
+                                        <a:rPr lang="en-US" i="1">
+                                          <a:latin typeface="Cambria Math" panose="02040503050406030204" pitchFamily="18" charset="0"/>
+                                        </a:rPr>
                                         <m:t>𝑥</m:t>
                                       </m:r>
                                     </m:e>
                                     <m:sub>
                                       <m:r>
-                                        <a:rPr lang="en-US" i="1"/>
+                                        <a:rPr lang="en-US" i="1">
+                                          <a:latin typeface="Cambria Math" panose="02040503050406030204" pitchFamily="18" charset="0"/>
+                                        </a:rPr>
                                         <m:t>2</m:t>
                                       </m:r>
                                     </m:sub>
@@ -12273,7 +12987,9 @@
                             </m:e>
                             <m:sup>
                               <m:r>
-                                <a:rPr lang="en-US" i="1"/>
+                                <a:rPr lang="en-US" i="1">
+                                  <a:latin typeface="Cambria Math" panose="02040503050406030204" pitchFamily="18" charset="0"/>
+                                </a:rPr>
                                 <m:t>𝑇</m:t>
                               </m:r>
                             </m:sup>
@@ -12281,38 +12997,50 @@
                         </m:e>
                       </m:d>
                       <m:r>
-                        <a:rPr lang="en-US" i="1"/>
+                        <a:rPr lang="en-US" i="1">
+                          <a:latin typeface="Cambria Math" panose="02040503050406030204" pitchFamily="18" charset="0"/>
+                        </a:rPr>
                         <m:t>=−</m:t>
                       </m:r>
                       <m:r>
                         <m:rPr>
                           <m:sty m:val="p"/>
                         </m:rPr>
-                        <a:rPr lang="en-US"/>
+                        <a:rPr lang="en-US">
+                          <a:latin typeface="Cambria Math" panose="02040503050406030204" pitchFamily="18" charset="0"/>
+                        </a:rPr>
                         <m:t>cos</m:t>
                       </m:r>
                       <m:d>
                         <m:dPr>
                           <m:ctrlPr>
-                            <a:rPr lang="en-US" i="1"/>
+                            <a:rPr lang="en-US" i="1">
+                              <a:latin typeface="Cambria Math" panose="02040503050406030204" pitchFamily="18" charset="0"/>
+                            </a:rPr>
                           </m:ctrlPr>
                         </m:dPr>
                         <m:e>
                           <m:sSub>
                             <m:sSubPr>
                               <m:ctrlPr>
-                                <a:rPr lang="en-US" i="1"/>
+                                <a:rPr lang="en-US" i="1">
+                                  <a:latin typeface="Cambria Math" panose="02040503050406030204" pitchFamily="18" charset="0"/>
+                                </a:rPr>
                               </m:ctrlPr>
                             </m:sSubPr>
                             <m:e>
                               <m:r>
-                                <a:rPr lang="en-US" i="1"/>
+                                <a:rPr lang="en-US" i="1">
+                                  <a:latin typeface="Cambria Math" panose="02040503050406030204" pitchFamily="18" charset="0"/>
+                                </a:rPr>
                                 <m:t>𝑥</m:t>
                               </m:r>
                             </m:e>
                             <m:sub>
                               <m:r>
-                                <a:rPr lang="en-US" i="1"/>
+                                <a:rPr lang="en-US" i="1">
+                                  <a:latin typeface="Cambria Math" panose="02040503050406030204" pitchFamily="18" charset="0"/>
+                                </a:rPr>
                                 <m:t>1</m:t>
                               </m:r>
                             </m:sub>
@@ -12323,31 +13051,41 @@
                         <m:rPr>
                           <m:sty m:val="p"/>
                         </m:rPr>
-                        <a:rPr lang="en-US"/>
+                        <a:rPr lang="en-US">
+                          <a:latin typeface="Cambria Math" panose="02040503050406030204" pitchFamily="18" charset="0"/>
+                        </a:rPr>
                         <m:t>cos</m:t>
                       </m:r>
                       <m:d>
                         <m:dPr>
                           <m:ctrlPr>
-                            <a:rPr lang="en-US" i="1"/>
+                            <a:rPr lang="en-US" i="1">
+                              <a:latin typeface="Cambria Math" panose="02040503050406030204" pitchFamily="18" charset="0"/>
+                            </a:rPr>
                           </m:ctrlPr>
                         </m:dPr>
                         <m:e>
                           <m:sSub>
                             <m:sSubPr>
                               <m:ctrlPr>
-                                <a:rPr lang="en-US" i="1"/>
+                                <a:rPr lang="en-US" i="1">
+                                  <a:latin typeface="Cambria Math" panose="02040503050406030204" pitchFamily="18" charset="0"/>
+                                </a:rPr>
                               </m:ctrlPr>
                             </m:sSubPr>
                             <m:e>
                               <m:r>
-                                <a:rPr lang="en-US" i="1"/>
+                                <a:rPr lang="en-US" i="1">
+                                  <a:latin typeface="Cambria Math" panose="02040503050406030204" pitchFamily="18" charset="0"/>
+                                </a:rPr>
                                 <m:t>𝑥</m:t>
                               </m:r>
                             </m:e>
                             <m:sub>
                               <m:r>
-                                <a:rPr lang="en-US" i="1"/>
+                                <a:rPr lang="en-US" i="1">
+                                  <a:latin typeface="Cambria Math" panose="02040503050406030204" pitchFamily="18" charset="0"/>
+                                </a:rPr>
                                 <m:t>2</m:t>
                               </m:r>
                             </m:sub>
@@ -12358,59 +13096,79 @@
                         <m:rPr>
                           <m:sty m:val="p"/>
                         </m:rPr>
-                        <a:rPr lang="en-US"/>
+                        <a:rPr lang="en-US">
+                          <a:latin typeface="Cambria Math" panose="02040503050406030204" pitchFamily="18" charset="0"/>
+                        </a:rPr>
                         <m:t>exp</m:t>
                       </m:r>
                       <m:d>
                         <m:dPr>
                           <m:ctrlPr>
-                            <a:rPr lang="en-US" i="1"/>
+                            <a:rPr lang="en-US" i="1">
+                              <a:latin typeface="Cambria Math" panose="02040503050406030204" pitchFamily="18" charset="0"/>
+                            </a:rPr>
                           </m:ctrlPr>
                         </m:dPr>
                         <m:e>
                           <m:r>
-                            <a:rPr lang="en-US" i="1"/>
+                            <a:rPr lang="en-US" i="1">
+                              <a:latin typeface="Cambria Math" panose="02040503050406030204" pitchFamily="18" charset="0"/>
+                            </a:rPr>
                             <m:t>−</m:t>
                           </m:r>
                           <m:sSup>
                             <m:sSupPr>
                               <m:ctrlPr>
-                                <a:rPr lang="en-US" i="1"/>
+                                <a:rPr lang="en-US" i="1">
+                                  <a:latin typeface="Cambria Math" panose="02040503050406030204" pitchFamily="18" charset="0"/>
+                                </a:rPr>
                               </m:ctrlPr>
                             </m:sSupPr>
                             <m:e>
                               <m:d>
                                 <m:dPr>
                                   <m:ctrlPr>
-                                    <a:rPr lang="en-US" i="1"/>
+                                    <a:rPr lang="en-US" i="1">
+                                      <a:latin typeface="Cambria Math" panose="02040503050406030204" pitchFamily="18" charset="0"/>
+                                    </a:rPr>
                                   </m:ctrlPr>
                                 </m:dPr>
                                 <m:e>
                                   <m:sSub>
                                     <m:sSubPr>
                                       <m:ctrlPr>
-                                        <a:rPr lang="en-US" i="1"/>
+                                        <a:rPr lang="en-US" i="1">
+                                          <a:latin typeface="Cambria Math" panose="02040503050406030204" pitchFamily="18" charset="0"/>
+                                        </a:rPr>
                                       </m:ctrlPr>
                                     </m:sSubPr>
                                     <m:e>
                                       <m:r>
-                                        <a:rPr lang="en-US" i="1"/>
+                                        <a:rPr lang="en-US" i="1">
+                                          <a:latin typeface="Cambria Math" panose="02040503050406030204" pitchFamily="18" charset="0"/>
+                                        </a:rPr>
                                         <m:t>𝑥</m:t>
                                       </m:r>
                                     </m:e>
                                     <m:sub>
                                       <m:r>
-                                        <a:rPr lang="en-US" i="1"/>
+                                        <a:rPr lang="en-US" i="1">
+                                          <a:latin typeface="Cambria Math" panose="02040503050406030204" pitchFamily="18" charset="0"/>
+                                        </a:rPr>
                                         <m:t>1</m:t>
                                       </m:r>
                                     </m:sub>
                                   </m:sSub>
                                   <m:r>
-                                    <a:rPr lang="en-US" i="1"/>
+                                    <a:rPr lang="en-US" i="1">
+                                      <a:latin typeface="Cambria Math" panose="02040503050406030204" pitchFamily="18" charset="0"/>
+                                    </a:rPr>
                                     <m:t>−</m:t>
                                   </m:r>
                                   <m:r>
-                                    <a:rPr lang="en-US" i="1"/>
+                                    <a:rPr lang="en-US" i="1">
+                                      <a:latin typeface="Cambria Math" panose="02040503050406030204" pitchFamily="18" charset="0"/>
+                                    </a:rPr>
                                     <m:t>𝜋</m:t>
                                   </m:r>
                                 </m:e>
@@ -12418,54 +13176,72 @@
                             </m:e>
                             <m:sup>
                               <m:r>
-                                <a:rPr lang="en-US" i="1"/>
+                                <a:rPr lang="en-US" i="1">
+                                  <a:latin typeface="Cambria Math" panose="02040503050406030204" pitchFamily="18" charset="0"/>
+                                </a:rPr>
                                 <m:t>2</m:t>
                               </m:r>
                             </m:sup>
                           </m:sSup>
                           <m:r>
-                            <a:rPr lang="en-US" i="1"/>
+                            <a:rPr lang="en-US" i="1">
+                              <a:latin typeface="Cambria Math" panose="02040503050406030204" pitchFamily="18" charset="0"/>
+                            </a:rPr>
                             <m:t>−</m:t>
                           </m:r>
                           <m:sSup>
                             <m:sSupPr>
                               <m:ctrlPr>
-                                <a:rPr lang="en-US" i="1"/>
+                                <a:rPr lang="en-US" i="1">
+                                  <a:latin typeface="Cambria Math" panose="02040503050406030204" pitchFamily="18" charset="0"/>
+                                </a:rPr>
                               </m:ctrlPr>
                             </m:sSupPr>
                             <m:e>
                               <m:d>
                                 <m:dPr>
                                   <m:ctrlPr>
-                                    <a:rPr lang="en-US" i="1"/>
+                                    <a:rPr lang="en-US" i="1">
+                                      <a:latin typeface="Cambria Math" panose="02040503050406030204" pitchFamily="18" charset="0"/>
+                                    </a:rPr>
                                   </m:ctrlPr>
                                 </m:dPr>
                                 <m:e>
                                   <m:sSub>
                                     <m:sSubPr>
                                       <m:ctrlPr>
-                                        <a:rPr lang="en-US" i="1"/>
+                                        <a:rPr lang="en-US" i="1">
+                                          <a:latin typeface="Cambria Math" panose="02040503050406030204" pitchFamily="18" charset="0"/>
+                                        </a:rPr>
                                       </m:ctrlPr>
                                     </m:sSubPr>
                                     <m:e>
                                       <m:r>
-                                        <a:rPr lang="en-US" i="1"/>
+                                        <a:rPr lang="en-US" i="1">
+                                          <a:latin typeface="Cambria Math" panose="02040503050406030204" pitchFamily="18" charset="0"/>
+                                        </a:rPr>
                                         <m:t>𝑥</m:t>
                                       </m:r>
                                     </m:e>
                                     <m:sub>
                                       <m:r>
-                                        <a:rPr lang="en-US" i="1"/>
+                                        <a:rPr lang="en-US" i="1">
+                                          <a:latin typeface="Cambria Math" panose="02040503050406030204" pitchFamily="18" charset="0"/>
+                                        </a:rPr>
                                         <m:t>2</m:t>
                                       </m:r>
                                     </m:sub>
                                   </m:sSub>
                                   <m:r>
-                                    <a:rPr lang="en-US" i="1"/>
+                                    <a:rPr lang="en-US" i="1">
+                                      <a:latin typeface="Cambria Math" panose="02040503050406030204" pitchFamily="18" charset="0"/>
+                                    </a:rPr>
                                     <m:t>−</m:t>
                                   </m:r>
                                   <m:r>
-                                    <a:rPr lang="en-US" i="1"/>
+                                    <a:rPr lang="en-US" i="1">
+                                      <a:latin typeface="Cambria Math" panose="02040503050406030204" pitchFamily="18" charset="0"/>
+                                    </a:rPr>
                                     <m:t>𝜋</m:t>
                                   </m:r>
                                 </m:e>
@@ -12473,7 +13249,9 @@
                             </m:e>
                             <m:sup>
                               <m:r>
-                                <a:rPr lang="en-US" i="1"/>
+                                <a:rPr lang="en-US" i="1">
+                                  <a:latin typeface="Cambria Math" panose="02040503050406030204" pitchFamily="18" charset="0"/>
+                                </a:rPr>
                                 <m:t>2</m:t>
                               </m:r>
                             </m:sup>
@@ -12516,7 +13294,7 @@
                 </a:pPr>
                 <a:r>
                   <a:rPr lang="en-US" dirty="0"/>
-                  <a:t>The lower bound and upper bound up of positions in initialization stage are </a:t>
+                  <a:t>The lower bound and upper bound of positions in initialization stage are </a:t>
                 </a:r>
                 <a:r>
                   <a:rPr lang="en-US" b="1" i="1" dirty="0"/>
@@ -12811,54 +13589,72 @@
                         <m:rPr>
                           <m:sty m:val="p"/>
                         </m:rPr>
-                        <a:rPr lang="en-US"/>
+                        <a:rPr lang="en-US">
+                          <a:latin typeface="Cambria Math" panose="02040503050406030204" pitchFamily="18" charset="0"/>
+                        </a:rPr>
                         <m:t>FDR</m:t>
                       </m:r>
                       <m:d>
                         <m:dPr>
                           <m:ctrlPr>
-                            <a:rPr lang="en-US" i="1"/>
+                            <a:rPr lang="en-US" i="1">
+                              <a:latin typeface="Cambria Math" panose="02040503050406030204" pitchFamily="18" charset="0"/>
+                            </a:rPr>
                           </m:ctrlPr>
                         </m:dPr>
                         <m:e>
                           <m:sSub>
                             <m:sSubPr>
                               <m:ctrlPr>
-                                <a:rPr lang="en-US" i="1"/>
+                                <a:rPr lang="en-US" i="1">
+                                  <a:latin typeface="Cambria Math" panose="02040503050406030204" pitchFamily="18" charset="0"/>
+                                </a:rPr>
                               </m:ctrlPr>
                             </m:sSubPr>
                             <m:e>
                               <m:r>
-                                <a:rPr lang="en-US" b="1" i="1"/>
+                                <a:rPr lang="en-US" b="1" i="1">
+                                  <a:latin typeface="Cambria Math" panose="02040503050406030204" pitchFamily="18" charset="0"/>
+                                </a:rPr>
                                 <m:t>𝒙</m:t>
                               </m:r>
                             </m:e>
                             <m:sub>
                               <m:r>
-                                <a:rPr lang="en-US" i="1"/>
+                                <a:rPr lang="en-US" i="1">
+                                  <a:latin typeface="Cambria Math" panose="02040503050406030204" pitchFamily="18" charset="0"/>
+                                </a:rPr>
                                 <m:t>𝑖</m:t>
                               </m:r>
                             </m:sub>
                           </m:sSub>
                           <m:r>
-                            <a:rPr lang="en-US" i="1"/>
+                            <a:rPr lang="en-US" i="1">
+                              <a:latin typeface="Cambria Math" panose="02040503050406030204" pitchFamily="18" charset="0"/>
+                            </a:rPr>
                             <m:t>,</m:t>
                           </m:r>
                           <m:sSub>
                             <m:sSubPr>
                               <m:ctrlPr>
-                                <a:rPr lang="en-US" i="1"/>
+                                <a:rPr lang="en-US" i="1">
+                                  <a:latin typeface="Cambria Math" panose="02040503050406030204" pitchFamily="18" charset="0"/>
+                                </a:rPr>
                               </m:ctrlPr>
                             </m:sSubPr>
                             <m:e>
                               <m:r>
-                                <a:rPr lang="en-US" b="1" i="1"/>
+                                <a:rPr lang="en-US" b="1" i="1">
+                                  <a:latin typeface="Cambria Math" panose="02040503050406030204" pitchFamily="18" charset="0"/>
+                                </a:rPr>
                                 <m:t>𝒙</m:t>
                               </m:r>
                             </m:e>
                             <m:sub>
                               <m:r>
-                                <a:rPr lang="en-US" i="1"/>
+                                <a:rPr lang="en-US" i="1">
+                                  <a:latin typeface="Cambria Math" panose="02040503050406030204" pitchFamily="18" charset="0"/>
+                                </a:rPr>
                                 <m:t>𝑗</m:t>
                               </m:r>
                             </m:sub>
@@ -12866,13 +13662,17 @@
                         </m:e>
                       </m:d>
                       <m:r>
-                        <a:rPr lang="en-US" i="1"/>
+                        <a:rPr lang="en-US" i="1">
+                          <a:latin typeface="Cambria Math" panose="02040503050406030204" pitchFamily="18" charset="0"/>
+                        </a:rPr>
                         <m:t>=</m:t>
                       </m:r>
                       <m:f>
                         <m:fPr>
                           <m:ctrlPr>
-                            <a:rPr lang="en-US" i="1"/>
+                            <a:rPr lang="en-US" i="1">
+                              <a:latin typeface="Cambria Math" panose="02040503050406030204" pitchFamily="18" charset="0"/>
+                            </a:rPr>
                           </m:ctrlPr>
                         </m:fPr>
                         <m:num>
@@ -12881,36 +13681,48 @@
                               <m:begChr m:val="|"/>
                               <m:endChr m:val="|"/>
                               <m:ctrlPr>
-                                <a:rPr lang="en-US" i="1"/>
+                                <a:rPr lang="en-US" i="1">
+                                  <a:latin typeface="Cambria Math" panose="02040503050406030204" pitchFamily="18" charset="0"/>
+                                </a:rPr>
                               </m:ctrlPr>
                             </m:dPr>
                             <m:e>
                               <m:r>
-                                <a:rPr lang="en-US" i="1"/>
+                                <a:rPr lang="en-US" i="1">
+                                  <a:latin typeface="Cambria Math" panose="02040503050406030204" pitchFamily="18" charset="0"/>
+                                </a:rPr>
                                 <m:t>𝑓</m:t>
                               </m:r>
                               <m:d>
                                 <m:dPr>
                                   <m:ctrlPr>
-                                    <a:rPr lang="en-US" i="1"/>
+                                    <a:rPr lang="en-US" i="1">
+                                      <a:latin typeface="Cambria Math" panose="02040503050406030204" pitchFamily="18" charset="0"/>
+                                    </a:rPr>
                                   </m:ctrlPr>
                                 </m:dPr>
                                 <m:e>
                                   <m:sSub>
                                     <m:sSubPr>
                                       <m:ctrlPr>
-                                        <a:rPr lang="en-US" i="1"/>
+                                        <a:rPr lang="en-US" i="1">
+                                          <a:latin typeface="Cambria Math" panose="02040503050406030204" pitchFamily="18" charset="0"/>
+                                        </a:rPr>
                                       </m:ctrlPr>
                                     </m:sSubPr>
                                     <m:e>
                                       <m:r>
-                                        <a:rPr lang="en-US" b="1" i="1"/>
+                                        <a:rPr lang="en-US" b="1" i="1">
+                                          <a:latin typeface="Cambria Math" panose="02040503050406030204" pitchFamily="18" charset="0"/>
+                                        </a:rPr>
                                         <m:t>𝒙</m:t>
                                       </m:r>
                                     </m:e>
                                     <m:sub>
                                       <m:r>
-                                        <a:rPr lang="en-US" i="1"/>
+                                        <a:rPr lang="en-US" i="1">
+                                          <a:latin typeface="Cambria Math" panose="02040503050406030204" pitchFamily="18" charset="0"/>
+                                        </a:rPr>
                                         <m:t>𝑖</m:t>
                                       </m:r>
                                     </m:sub>
@@ -12918,35 +13730,47 @@
                                 </m:e>
                               </m:d>
                               <m:r>
-                                <a:rPr lang="en-US" i="1"/>
+                                <a:rPr lang="en-US" i="1">
+                                  <a:latin typeface="Cambria Math" panose="02040503050406030204" pitchFamily="18" charset="0"/>
+                                </a:rPr>
                                 <m:t>−</m:t>
                               </m:r>
                               <m:r>
-                                <a:rPr lang="en-US" i="1"/>
+                                <a:rPr lang="en-US" i="1">
+                                  <a:latin typeface="Cambria Math" panose="02040503050406030204" pitchFamily="18" charset="0"/>
+                                </a:rPr>
                                 <m:t>𝑓</m:t>
                               </m:r>
                               <m:d>
                                 <m:dPr>
                                   <m:ctrlPr>
-                                    <a:rPr lang="en-US" i="1"/>
+                                    <a:rPr lang="en-US" i="1">
+                                      <a:latin typeface="Cambria Math" panose="02040503050406030204" pitchFamily="18" charset="0"/>
+                                    </a:rPr>
                                   </m:ctrlPr>
                                 </m:dPr>
                                 <m:e>
                                   <m:sSub>
                                     <m:sSubPr>
                                       <m:ctrlPr>
-                                        <a:rPr lang="en-US" i="1"/>
+                                        <a:rPr lang="en-US" i="1">
+                                          <a:latin typeface="Cambria Math" panose="02040503050406030204" pitchFamily="18" charset="0"/>
+                                        </a:rPr>
                                       </m:ctrlPr>
                                     </m:sSubPr>
                                     <m:e>
                                       <m:r>
-                                        <a:rPr lang="en-US" b="1" i="1"/>
+                                        <a:rPr lang="en-US" b="1" i="1">
+                                          <a:latin typeface="Cambria Math" panose="02040503050406030204" pitchFamily="18" charset="0"/>
+                                        </a:rPr>
                                         <m:t>𝒙</m:t>
                                       </m:r>
                                     </m:e>
                                     <m:sub>
                                       <m:r>
-                                        <a:rPr lang="en-US" i="1"/>
+                                        <a:rPr lang="en-US" i="1">
+                                          <a:latin typeface="Cambria Math" panose="02040503050406030204" pitchFamily="18" charset="0"/>
+                                        </a:rPr>
                                         <m:t>𝑗</m:t>
                                       </m:r>
                                     </m:sub>
@@ -12962,48 +13786,64 @@
                               <m:begChr m:val="|"/>
                               <m:endChr m:val="|"/>
                               <m:ctrlPr>
-                                <a:rPr lang="en-US" i="1"/>
+                                <a:rPr lang="en-US" i="1">
+                                  <a:latin typeface="Cambria Math" panose="02040503050406030204" pitchFamily="18" charset="0"/>
+                                </a:rPr>
                               </m:ctrlPr>
                             </m:dPr>
                             <m:e>
                               <m:sSub>
                                 <m:sSubPr>
                                   <m:ctrlPr>
-                                    <a:rPr lang="en-US" i="1"/>
+                                    <a:rPr lang="en-US" i="1">
+                                      <a:latin typeface="Cambria Math" panose="02040503050406030204" pitchFamily="18" charset="0"/>
+                                    </a:rPr>
                                   </m:ctrlPr>
                                 </m:sSubPr>
                                 <m:e>
                                   <m:r>
-                                    <a:rPr lang="en-US" b="1" i="1"/>
+                                    <a:rPr lang="en-US" b="1" i="1">
+                                      <a:latin typeface="Cambria Math" panose="02040503050406030204" pitchFamily="18" charset="0"/>
+                                    </a:rPr>
                                     <m:t>𝒙</m:t>
                                   </m:r>
                                 </m:e>
                                 <m:sub>
                                   <m:r>
-                                    <a:rPr lang="en-US" i="1"/>
+                                    <a:rPr lang="en-US" i="1">
+                                      <a:latin typeface="Cambria Math" panose="02040503050406030204" pitchFamily="18" charset="0"/>
+                                    </a:rPr>
                                     <m:t>𝑖</m:t>
                                   </m:r>
                                 </m:sub>
                               </m:sSub>
                               <m:r>
-                                <a:rPr lang="en-US" i="1"/>
+                                <a:rPr lang="en-US" i="1">
+                                  <a:latin typeface="Cambria Math" panose="02040503050406030204" pitchFamily="18" charset="0"/>
+                                </a:rPr>
                                 <m:t>−</m:t>
                               </m:r>
                               <m:sSub>
                                 <m:sSubPr>
                                   <m:ctrlPr>
-                                    <a:rPr lang="en-US" i="1"/>
+                                    <a:rPr lang="en-US" i="1">
+                                      <a:latin typeface="Cambria Math" panose="02040503050406030204" pitchFamily="18" charset="0"/>
+                                    </a:rPr>
                                   </m:ctrlPr>
                                 </m:sSubPr>
                                 <m:e>
                                   <m:r>
-                                    <a:rPr lang="en-US" b="1" i="1"/>
+                                    <a:rPr lang="en-US" b="1" i="1">
+                                      <a:latin typeface="Cambria Math" panose="02040503050406030204" pitchFamily="18" charset="0"/>
+                                    </a:rPr>
                                     <m:t>𝒙</m:t>
                                   </m:r>
                                 </m:e>
                                 <m:sub>
                                   <m:r>
-                                    <a:rPr lang="en-US" i="1"/>
+                                    <a:rPr lang="en-US" i="1">
+                                      <a:latin typeface="Cambria Math" panose="02040503050406030204" pitchFamily="18" charset="0"/>
+                                    </a:rPr>
                                     <m:t>𝑗</m:t>
                                   </m:r>
                                 </m:sub>
@@ -13079,7 +13919,7 @@
           <a:p>
             <a:fld id="{857C667D-3867-4299-8481-161C344AB00F}" type="datetime1">
               <a:rPr lang="en-US" smtClean="0"/>
-              <a:t>2/26/2021</a:t>
+              <a:t>17/03/2021</a:t>
             </a:fld>
             <a:endParaRPr lang="en-US"/>
           </a:p>
@@ -13239,7 +14079,7 @@
             </a:r>
             <a:r>
               <a:rPr lang="en-US" sz="2100" dirty="0"/>
-              <a:t>. From the experiment, basic PSO, GPSO, and probabilistic PSO converge to best values –0.9842, –0.9973, and –0.9999 with global best positions (3.0421, 3.1151)</a:t>
+              <a:t>. From the experiment, basic PSO, GPSO, and probabilistic GPSO converge to best values –0.9842, –0.9973, and –0.9999 with global best positions (3.0421, 3.1151)</a:t>
             </a:r>
             <a:r>
               <a:rPr lang="en-US" sz="2100" i="1" baseline="30000" dirty="0"/>
@@ -13300,7 +14140,7 @@
           <a:p>
             <a:fld id="{4E10A670-4E98-4FA5-A2C2-4F9C00874B7B}" type="datetime1">
               <a:rPr lang="en-US" smtClean="0"/>
-              <a:t>2/26/2021</a:t>
+              <a:t>17/03/2021</a:t>
             </a:fld>
             <a:endParaRPr lang="en-US" dirty="0"/>
           </a:p>
@@ -14166,7 +15006,7 @@
           <a:p>
             <a:fld id="{24BDED97-A39D-44EB-ABD8-EFB6D52E3DA3}" type="datetime1">
               <a:rPr lang="en-US" smtClean="0"/>
-              <a:t>2/26/2021</a:t>
+              <a:t>17/03/2021</a:t>
             </a:fld>
             <a:endParaRPr lang="en-US"/>
           </a:p>
@@ -14281,7 +15121,7 @@
           <a:p>
             <a:fld id="{61B21FAA-78DC-4CB6-B733-ACF0181636B4}" type="datetime1">
               <a:rPr lang="en-US" smtClean="0"/>
-              <a:t>2/26/2021</a:t>
+              <a:t>17/03/2021</a:t>
             </a:fld>
             <a:endParaRPr lang="en-US"/>
           </a:p>
@@ -14456,7 +15296,7 @@
           <a:p>
             <a:fld id="{104E6088-58B6-44AB-AC35-471303145D3E}" type="datetime1">
               <a:rPr lang="en-US" smtClean="0"/>
-              <a:t>2/26/2021</a:t>
+              <a:t>17/03/2021</a:t>
             </a:fld>
             <a:endParaRPr lang="en-US"/>
           </a:p>
@@ -14623,7 +15463,7 @@
           <a:p>
             <a:fld id="{CA263C04-B570-4DAF-88A0-3C52FDDC1937}" type="datetime1">
               <a:rPr lang="en-US" smtClean="0"/>
-              <a:t>2/26/2021</a:t>
+              <a:t>17/03/2021</a:t>
             </a:fld>
             <a:endParaRPr lang="en-US"/>
           </a:p>
@@ -14846,7 +15686,7 @@
           <a:p>
             <a:fld id="{25C24866-C684-4F8C-AC50-74D342368667}" type="datetime1">
               <a:rPr lang="en-US" smtClean="0"/>
-              <a:t>2/26/2021</a:t>
+              <a:t>17/03/2021</a:t>
             </a:fld>
             <a:endParaRPr lang="en-US"/>
           </a:p>
@@ -15207,7 +16047,7 @@
           <a:p>
             <a:fld id="{5AB82758-EDA2-444B-A780-6EC7ED8D6ABF}" type="datetime1">
               <a:rPr lang="en-US" smtClean="0"/>
-              <a:t>2/26/2021</a:t>
+              <a:t>17/03/2021</a:t>
             </a:fld>
             <a:endParaRPr lang="en-US"/>
           </a:p>
@@ -16112,7 +16952,7 @@
           <a:p>
             <a:fld id="{4E10A670-4E98-4FA5-A2C2-4F9C00874B7B}" type="datetime1">
               <a:rPr lang="en-US" smtClean="0"/>
-              <a:t>2/26/2021</a:t>
+              <a:t>17/03/2021</a:t>
             </a:fld>
             <a:endParaRPr lang="en-US"/>
           </a:p>
@@ -17105,7 +17945,7 @@
           <a:p>
             <a:fld id="{4E10A670-4E98-4FA5-A2C2-4F9C00874B7B}" type="datetime1">
               <a:rPr lang="en-US" smtClean="0"/>
-              <a:t>2/26/2021</a:t>
+              <a:t>17/03/2021</a:t>
             </a:fld>
             <a:endParaRPr lang="en-US"/>
           </a:p>
@@ -17370,7 +18210,7 @@
             </a:r>
             <a:r>
               <a:rPr lang="en-US" baseline="-25000" dirty="0"/>
-              <a:t>1</a:t>
+              <a:t>2</a:t>
             </a:r>
             <a:r>
               <a:rPr lang="en-US" dirty="0"/>
@@ -17408,7 +18248,7 @@
           <a:p>
             <a:fld id="{4E10A670-4E98-4FA5-A2C2-4F9C00874B7B}" type="datetime1">
               <a:rPr lang="en-US" smtClean="0"/>
-              <a:t>2/26/2021</a:t>
+              <a:t>17/03/2021</a:t>
             </a:fld>
             <a:endParaRPr lang="en-US"/>
           </a:p>
@@ -18262,7 +19102,7 @@
           <a:p>
             <a:fld id="{4E10A670-4E98-4FA5-A2C2-4F9C00874B7B}" type="datetime1">
               <a:rPr lang="en-US" smtClean="0"/>
-              <a:t>2/26/2021</a:t>
+              <a:t>17/03/2021</a:t>
             </a:fld>
             <a:endParaRPr lang="en-US"/>
           </a:p>
@@ -18932,7 +19772,7 @@
           <a:p>
             <a:fld id="{4E10A670-4E98-4FA5-A2C2-4F9C00874B7B}" type="datetime1">
               <a:rPr lang="en-US" smtClean="0"/>
-              <a:t>2/26/2021</a:t>
+              <a:t>17/03/2021</a:t>
             </a:fld>
             <a:endParaRPr lang="en-US"/>
           </a:p>

--- a/2_design/pso/GeneralPSO.pptx
+++ b/2_design/pso/GeneralPSO.pptx
@@ -221,7 +221,7 @@
           <a:p>
             <a:fld id="{8E6BD8EF-833A-4756-9DE8-262172883D9B}" type="datetimeFigureOut">
               <a:rPr lang="en-US" smtClean="0"/>
-              <a:t>17/03/2021</a:t>
+              <a:t>20/03/2021</a:t>
             </a:fld>
             <a:endParaRPr lang="en-US"/>
           </a:p>
@@ -3368,11 +3368,10 @@
             </a:lvl1pPr>
           </a:lstStyle>
           <a:p>
-            <a:fld id="{86C443C5-9896-4FD6-8907-63FA806FC061}" type="datetime1">
-              <a:rPr lang="en-US" smtClean="0"/>
-              <a:t>17/03/2021</a:t>
-            </a:fld>
-            <a:endParaRPr lang="en-US"/>
+            <a:r>
+              <a:rPr lang="en-US"/>
+              <a:t>20/03/2021</a:t>
+            </a:r>
           </a:p>
         </p:txBody>
       </p:sp>
@@ -3599,11 +3598,10 @@
             </a:lvl1pPr>
           </a:lstStyle>
           <a:p>
-            <a:fld id="{AAE09524-0B32-44E6-BBD9-E684CA7A71D1}" type="datetime1">
-              <a:rPr lang="en-US" smtClean="0"/>
-              <a:t>17/03/2021</a:t>
-            </a:fld>
-            <a:endParaRPr lang="en-US"/>
+            <a:r>
+              <a:rPr lang="en-US"/>
+              <a:t>20/03/2021</a:t>
+            </a:r>
           </a:p>
         </p:txBody>
       </p:sp>
@@ -3840,11 +3838,10 @@
             </a:lvl1pPr>
           </a:lstStyle>
           <a:p>
-            <a:fld id="{2126A1F4-AC75-4FB5-B7F6-BC63D3878045}" type="datetime1">
-              <a:rPr lang="en-US" smtClean="0"/>
-              <a:t>17/03/2021</a:t>
-            </a:fld>
-            <a:endParaRPr lang="en-US"/>
+            <a:r>
+              <a:rPr lang="en-US"/>
+              <a:t>20/03/2021</a:t>
+            </a:r>
           </a:p>
         </p:txBody>
       </p:sp>
@@ -4114,11 +4111,10 @@
             </a:lvl1pPr>
           </a:lstStyle>
           <a:p>
-            <a:fld id="{4E10A670-4E98-4FA5-A2C2-4F9C00874B7B}" type="datetime1">
-              <a:rPr lang="en-US" smtClean="0"/>
-              <a:t>17/03/2021</a:t>
-            </a:fld>
-            <a:endParaRPr lang="en-US"/>
+            <a:r>
+              <a:rPr lang="en-US"/>
+              <a:t>20/03/2021</a:t>
+            </a:r>
           </a:p>
         </p:txBody>
       </p:sp>
@@ -4389,11 +4385,10 @@
             </a:lvl1pPr>
           </a:lstStyle>
           <a:p>
-            <a:fld id="{8BB328E5-528A-482D-A24C-DF2DFCFC26D5}" type="datetime1">
-              <a:rPr lang="en-US" smtClean="0"/>
-              <a:t>17/03/2021</a:t>
-            </a:fld>
-            <a:endParaRPr lang="en-US"/>
+            <a:r>
+              <a:rPr lang="en-US"/>
+              <a:t>20/03/2021</a:t>
+            </a:r>
           </a:p>
         </p:txBody>
       </p:sp>
@@ -4712,11 +4707,10 @@
             </a:lvl1pPr>
           </a:lstStyle>
           <a:p>
-            <a:fld id="{C4240D55-2B9C-4000-872C-BC2E0A39B66A}" type="datetime1">
-              <a:rPr lang="en-US" smtClean="0"/>
-              <a:t>17/03/2021</a:t>
-            </a:fld>
-            <a:endParaRPr lang="en-US"/>
+            <a:r>
+              <a:rPr lang="en-US"/>
+              <a:t>20/03/2021</a:t>
+            </a:r>
           </a:p>
         </p:txBody>
       </p:sp>
@@ -5176,11 +5170,10 @@
             </a:lvl1pPr>
           </a:lstStyle>
           <a:p>
-            <a:fld id="{13AD9469-C7BB-4C95-9650-8A5B7EFE1B19}" type="datetime1">
-              <a:rPr lang="en-US" smtClean="0"/>
-              <a:t>17/03/2021</a:t>
-            </a:fld>
-            <a:endParaRPr lang="en-US"/>
+            <a:r>
+              <a:rPr lang="en-US"/>
+              <a:t>20/03/2021</a:t>
+            </a:r>
           </a:p>
         </p:txBody>
       </p:sp>
@@ -5325,11 +5318,10 @@
             </a:lvl1pPr>
           </a:lstStyle>
           <a:p>
-            <a:fld id="{9B245276-D03F-469E-9E86-BC4A9412881C}" type="datetime1">
-              <a:rPr lang="en-US" smtClean="0"/>
-              <a:t>17/03/2021</a:t>
-            </a:fld>
-            <a:endParaRPr lang="en-US"/>
+            <a:r>
+              <a:rPr lang="en-US"/>
+              <a:t>20/03/2021</a:t>
+            </a:r>
           </a:p>
         </p:txBody>
       </p:sp>
@@ -5445,11 +5437,10 @@
             </a:lvl1pPr>
           </a:lstStyle>
           <a:p>
-            <a:fld id="{AEF8DD84-7905-4DFE-89E3-288ABB97B557}" type="datetime1">
-              <a:rPr lang="en-US" smtClean="0"/>
-              <a:t>17/03/2021</a:t>
-            </a:fld>
-            <a:endParaRPr lang="en-US"/>
+            <a:r>
+              <a:rPr lang="en-US"/>
+              <a:t>20/03/2021</a:t>
+            </a:r>
           </a:p>
         </p:txBody>
       </p:sp>
@@ -5766,11 +5757,10 @@
             </a:lvl1pPr>
           </a:lstStyle>
           <a:p>
-            <a:fld id="{DC679EEB-5F96-4936-96A6-45EC20F93502}" type="datetime1">
-              <a:rPr lang="en-US" smtClean="0"/>
-              <a:t>17/03/2021</a:t>
-            </a:fld>
-            <a:endParaRPr lang="en-US"/>
+            <a:r>
+              <a:rPr lang="en-US"/>
+              <a:t>20/03/2021</a:t>
+            </a:r>
           </a:p>
         </p:txBody>
       </p:sp>
@@ -6052,11 +6042,10 @@
             </a:lvl1pPr>
           </a:lstStyle>
           <a:p>
-            <a:fld id="{C3F53566-36C1-44D6-8180-076057385EDC}" type="datetime1">
-              <a:rPr lang="en-US" smtClean="0"/>
-              <a:t>17/03/2021</a:t>
-            </a:fld>
-            <a:endParaRPr lang="en-US"/>
+            <a:r>
+              <a:rPr lang="en-US"/>
+              <a:t>20/03/2021</a:t>
+            </a:r>
           </a:p>
         </p:txBody>
       </p:sp>
@@ -6283,11 +6272,10 @@
             </a:lvl1pPr>
           </a:lstStyle>
           <a:p>
-            <a:fld id="{8EF4E3AB-AC54-4118-A9A7-78F60063BC93}" type="datetime1">
-              <a:rPr lang="en-US" smtClean="0"/>
-              <a:t>17/03/2021</a:t>
-            </a:fld>
-            <a:endParaRPr lang="en-US"/>
+            <a:r>
+              <a:rPr lang="en-US"/>
+              <a:t>20/03/2021</a:t>
+            </a:r>
           </a:p>
         </p:txBody>
       </p:sp>
@@ -6823,11 +6811,10 @@
           <a:bodyPr/>
           <a:lstStyle/>
           <a:p>
-            <a:fld id="{5E4A7863-A1EE-4054-91EE-C7A7B1A1205F}" type="datetime1">
-              <a:rPr lang="en-US" smtClean="0"/>
-              <a:t>17/03/2021</a:t>
-            </a:fld>
-            <a:endParaRPr lang="en-US"/>
+            <a:r>
+              <a:rPr lang="en-US"/>
+              <a:t>20/03/2021</a:t>
+            </a:r>
           </a:p>
         </p:txBody>
       </p:sp>
@@ -6852,6 +6839,55 @@
               <a:t>1</a:t>
             </a:fld>
             <a:endParaRPr lang="en-US"/>
+          </a:p>
+        </p:txBody>
+      </p:sp>
+      <p:sp>
+        <p:nvSpPr>
+          <p:cNvPr id="4" name="TextBox 3">
+            <a:extLst>
+              <a:ext uri="{FF2B5EF4-FFF2-40B4-BE49-F238E27FC236}">
+                <a16:creationId xmlns:a16="http://schemas.microsoft.com/office/drawing/2014/main" id="{B4C7666B-3251-41F0-B99F-666655695DC2}"/>
+              </a:ext>
+            </a:extLst>
+          </p:cNvPr>
+          <p:cNvSpPr txBox="1"/>
+          <p:nvPr/>
+        </p:nvSpPr>
+        <p:spPr>
+          <a:xfrm>
+            <a:off x="1145029" y="751019"/>
+            <a:ext cx="9901942" cy="830997"/>
+          </a:xfrm>
+          <a:prstGeom prst="rect">
+            <a:avLst/>
+          </a:prstGeom>
+          <a:noFill/>
+        </p:spPr>
+        <p:txBody>
+          <a:bodyPr wrap="none" rtlCol="0">
+            <a:spAutoFit/>
+          </a:bodyPr>
+          <a:lstStyle/>
+          <a:p>
+            <a:pPr algn="ctr"/>
+            <a:r>
+              <a:rPr lang="en-US" sz="2400" dirty="0">
+                <a:latin typeface="Times New Roman" panose="02020603050405020304" pitchFamily="18" charset="0"/>
+                <a:cs typeface="Times New Roman" panose="02020603050405020304" pitchFamily="18" charset="0"/>
+              </a:rPr>
+              <a:t>VIT Bhopal University - School of Advanced Sciences and Languages (SASL)</a:t>
+            </a:r>
+          </a:p>
+          <a:p>
+            <a:pPr algn="ctr"/>
+            <a:r>
+              <a:rPr lang="en-US" sz="2400" dirty="0">
+                <a:latin typeface="Times New Roman" panose="02020603050405020304" pitchFamily="18" charset="0"/>
+                <a:cs typeface="Times New Roman" panose="02020603050405020304" pitchFamily="18" charset="0"/>
+              </a:rPr>
+              <a:t>International Workshop, March 20, 2021</a:t>
+            </a:r>
           </a:p>
         </p:txBody>
       </p:sp>
@@ -6913,8 +6949,8 @@
           </a:p>
         </p:txBody>
       </p:sp>
-      <mc:AlternateContent xmlns:mc="http://schemas.openxmlformats.org/markup-compatibility/2006">
-        <mc:Choice xmlns:a14="http://schemas.microsoft.com/office/drawing/2010/main" Requires="a14">
+      <mc:AlternateContent xmlns:mc="http://schemas.openxmlformats.org/markup-compatibility/2006" xmlns:a14="http://schemas.microsoft.com/office/drawing/2010/main">
+        <mc:Choice Requires="a14">
           <p:sp>
             <p:nvSpPr>
               <p:cNvPr id="3" name="Content Placeholder 2">
@@ -7469,7 +7505,7 @@
             </p:txBody>
           </p:sp>
         </mc:Choice>
-        <mc:Fallback>
+        <mc:Fallback xmlns="">
           <p:sp>
             <p:nvSpPr>
               <p:cNvPr id="3" name="Content Placeholder 2">
@@ -7530,11 +7566,10 @@
           <a:bodyPr/>
           <a:lstStyle/>
           <a:p>
-            <a:fld id="{4E10A670-4E98-4FA5-A2C2-4F9C00874B7B}" type="datetime1">
-              <a:rPr lang="en-US" smtClean="0"/>
-              <a:t>17/03/2021</a:t>
-            </a:fld>
-            <a:endParaRPr lang="en-US"/>
+            <a:r>
+              <a:rPr lang="en-US"/>
+              <a:t>20/03/2021</a:t>
+            </a:r>
           </a:p>
         </p:txBody>
       </p:sp>
@@ -7654,8 +7689,8 @@
           </a:p>
         </p:txBody>
       </p:sp>
-      <mc:AlternateContent xmlns:mc="http://schemas.openxmlformats.org/markup-compatibility/2006">
-        <mc:Choice xmlns:a14="http://schemas.microsoft.com/office/drawing/2010/main" Requires="a14">
+      <mc:AlternateContent xmlns:mc="http://schemas.openxmlformats.org/markup-compatibility/2006" xmlns:a14="http://schemas.microsoft.com/office/drawing/2010/main">
+        <mc:Choice Requires="a14">
           <p:sp>
             <p:nvSpPr>
               <p:cNvPr id="3" name="Content Placeholder 2">
@@ -8326,7 +8361,7 @@
             </p:txBody>
           </p:sp>
         </mc:Choice>
-        <mc:Fallback>
+        <mc:Fallback xmlns="">
           <p:sp>
             <p:nvSpPr>
               <p:cNvPr id="3" name="Content Placeholder 2">
@@ -8387,11 +8422,10 @@
           <a:bodyPr/>
           <a:lstStyle/>
           <a:p>
-            <a:fld id="{4E10A670-4E98-4FA5-A2C2-4F9C00874B7B}" type="datetime1">
-              <a:rPr lang="en-US" smtClean="0"/>
-              <a:t>17/03/2021</a:t>
-            </a:fld>
-            <a:endParaRPr lang="en-US"/>
+            <a:r>
+              <a:rPr lang="en-US"/>
+              <a:t>20/03/2021</a:t>
+            </a:r>
           </a:p>
         </p:txBody>
       </p:sp>
@@ -8580,11 +8614,10 @@
           <a:bodyPr/>
           <a:lstStyle/>
           <a:p>
-            <a:fld id="{4E10A670-4E98-4FA5-A2C2-4F9C00874B7B}" type="datetime1">
-              <a:rPr lang="en-US" smtClean="0"/>
-              <a:t>17/03/2021</a:t>
-            </a:fld>
-            <a:endParaRPr lang="en-US"/>
+            <a:r>
+              <a:rPr lang="en-US"/>
+              <a:t>20/03/2021</a:t>
+            </a:r>
           </a:p>
         </p:txBody>
       </p:sp>
@@ -8771,11 +8804,10 @@
           <a:bodyPr/>
           <a:lstStyle/>
           <a:p>
-            <a:fld id="{F3F053F5-9530-4683-9E69-031535182494}" type="datetime1">
-              <a:rPr lang="en-US" smtClean="0"/>
-              <a:t>17/03/2021</a:t>
-            </a:fld>
-            <a:endParaRPr lang="en-US"/>
+            <a:r>
+              <a:rPr lang="en-US"/>
+              <a:t>20/03/2021</a:t>
+            </a:r>
           </a:p>
         </p:txBody>
       </p:sp>
@@ -9693,11 +9725,10 @@
           <a:bodyPr/>
           <a:lstStyle/>
           <a:p>
-            <a:fld id="{4E10A670-4E98-4FA5-A2C2-4F9C00874B7B}" type="datetime1">
-              <a:rPr lang="en-US" smtClean="0"/>
-              <a:t>17/03/2021</a:t>
-            </a:fld>
-            <a:endParaRPr lang="en-US"/>
+            <a:r>
+              <a:rPr lang="en-US"/>
+              <a:t>20/03/2021</a:t>
+            </a:r>
           </a:p>
         </p:txBody>
       </p:sp>
@@ -10166,11 +10197,10 @@
           <a:bodyPr/>
           <a:lstStyle/>
           <a:p>
-            <a:fld id="{4E10A670-4E98-4FA5-A2C2-4F9C00874B7B}" type="datetime1">
-              <a:rPr lang="en-US" smtClean="0"/>
-              <a:t>17/03/2021</a:t>
-            </a:fld>
-            <a:endParaRPr lang="en-US"/>
+            <a:r>
+              <a:rPr lang="en-US"/>
+              <a:t>20/03/2021</a:t>
+            </a:r>
           </a:p>
         </p:txBody>
       </p:sp>
@@ -10290,8 +10320,8 @@
           </a:p>
         </p:txBody>
       </p:sp>
-      <mc:AlternateContent xmlns:mc="http://schemas.openxmlformats.org/markup-compatibility/2006">
-        <mc:Choice xmlns:a14="http://schemas.microsoft.com/office/drawing/2010/main" Requires="a14">
+      <mc:AlternateContent xmlns:mc="http://schemas.openxmlformats.org/markup-compatibility/2006" xmlns:a14="http://schemas.microsoft.com/office/drawing/2010/main">
+        <mc:Choice Requires="a14">
           <p:sp>
             <p:nvSpPr>
               <p:cNvPr id="3" name="Content Placeholder 2">
@@ -12356,7 +12386,7 @@
             </p:txBody>
           </p:sp>
         </mc:Choice>
-        <mc:Fallback>
+        <mc:Fallback xmlns="">
           <p:sp>
             <p:nvSpPr>
               <p:cNvPr id="3" name="Content Placeholder 2">
@@ -12421,11 +12451,10 @@
           <a:bodyPr/>
           <a:lstStyle/>
           <a:p>
-            <a:fld id="{4E10A670-4E98-4FA5-A2C2-4F9C00874B7B}" type="datetime1">
-              <a:rPr lang="en-US" smtClean="0"/>
-              <a:t>17/03/2021</a:t>
-            </a:fld>
-            <a:endParaRPr lang="en-US"/>
+            <a:r>
+              <a:rPr lang="en-US"/>
+              <a:t>20/03/2021</a:t>
+            </a:r>
           </a:p>
         </p:txBody>
       </p:sp>
@@ -12721,11 +12750,10 @@
           <a:bodyPr/>
           <a:lstStyle/>
           <a:p>
-            <a:fld id="{4E10A670-4E98-4FA5-A2C2-4F9C00874B7B}" type="datetime1">
-              <a:rPr lang="en-US" smtClean="0"/>
-              <a:t>17/03/2021</a:t>
-            </a:fld>
-            <a:endParaRPr lang="en-US"/>
+            <a:r>
+              <a:rPr lang="en-US"/>
+              <a:t>20/03/2021</a:t>
+            </a:r>
           </a:p>
         </p:txBody>
       </p:sp>
@@ -12839,8 +12867,8 @@
           </a:p>
         </p:txBody>
       </p:sp>
-      <mc:AlternateContent xmlns:mc="http://schemas.openxmlformats.org/markup-compatibility/2006">
-        <mc:Choice xmlns:a14="http://schemas.microsoft.com/office/drawing/2010/main" Requires="a14">
+      <mc:AlternateContent xmlns:mc="http://schemas.openxmlformats.org/markup-compatibility/2006" xmlns:a14="http://schemas.microsoft.com/office/drawing/2010/main">
+        <mc:Choice Requires="a14">
           <p:sp>
             <p:nvSpPr>
               <p:cNvPr id="3" name="Content Placeholder 2"/>
@@ -13868,7 +13896,7 @@
             </p:txBody>
           </p:sp>
         </mc:Choice>
-        <mc:Fallback>
+        <mc:Fallback xmlns="">
           <p:sp>
             <p:nvSpPr>
               <p:cNvPr id="3" name="Content Placeholder 2"/>
@@ -13917,11 +13945,10 @@
           <a:bodyPr/>
           <a:lstStyle/>
           <a:p>
-            <a:fld id="{857C667D-3867-4299-8481-161C344AB00F}" type="datetime1">
-              <a:rPr lang="en-US" smtClean="0"/>
-              <a:t>17/03/2021</a:t>
-            </a:fld>
-            <a:endParaRPr lang="en-US"/>
+            <a:r>
+              <a:rPr lang="en-US"/>
+              <a:t>20/03/2021</a:t>
+            </a:r>
           </a:p>
         </p:txBody>
       </p:sp>
@@ -14138,10 +14165,10 @@
           <a:bodyPr/>
           <a:lstStyle/>
           <a:p>
-            <a:fld id="{4E10A670-4E98-4FA5-A2C2-4F9C00874B7B}" type="datetime1">
-              <a:rPr lang="en-US" smtClean="0"/>
-              <a:t>17/03/2021</a:t>
-            </a:fld>
+            <a:r>
+              <a:rPr lang="en-US"/>
+              <a:t>20/03/2021</a:t>
+            </a:r>
             <a:endParaRPr lang="en-US" dirty="0"/>
           </a:p>
         </p:txBody>
@@ -15004,11 +15031,10 @@
           <a:bodyPr/>
           <a:lstStyle/>
           <a:p>
-            <a:fld id="{24BDED97-A39D-44EB-ABD8-EFB6D52E3DA3}" type="datetime1">
-              <a:rPr lang="en-US" smtClean="0"/>
-              <a:t>17/03/2021</a:t>
-            </a:fld>
-            <a:endParaRPr lang="en-US"/>
+            <a:r>
+              <a:rPr lang="en-US"/>
+              <a:t>20/03/2021</a:t>
+            </a:r>
           </a:p>
         </p:txBody>
       </p:sp>
@@ -15119,11 +15145,10 @@
           <a:bodyPr/>
           <a:lstStyle/>
           <a:p>
-            <a:fld id="{61B21FAA-78DC-4CB6-B733-ACF0181636B4}" type="datetime1">
-              <a:rPr lang="en-US" smtClean="0"/>
-              <a:t>17/03/2021</a:t>
-            </a:fld>
-            <a:endParaRPr lang="en-US"/>
+            <a:r>
+              <a:rPr lang="en-US"/>
+              <a:t>20/03/2021</a:t>
+            </a:r>
           </a:p>
         </p:txBody>
       </p:sp>
@@ -15294,11 +15319,10 @@
           <a:bodyPr/>
           <a:lstStyle/>
           <a:p>
-            <a:fld id="{104E6088-58B6-44AB-AC35-471303145D3E}" type="datetime1">
-              <a:rPr lang="en-US" smtClean="0"/>
-              <a:t>17/03/2021</a:t>
-            </a:fld>
-            <a:endParaRPr lang="en-US"/>
+            <a:r>
+              <a:rPr lang="en-US"/>
+              <a:t>20/03/2021</a:t>
+            </a:r>
           </a:p>
         </p:txBody>
       </p:sp>
@@ -15461,11 +15485,10 @@
           <a:bodyPr/>
           <a:lstStyle/>
           <a:p>
-            <a:fld id="{CA263C04-B570-4DAF-88A0-3C52FDDC1937}" type="datetime1">
-              <a:rPr lang="en-US" smtClean="0"/>
-              <a:t>17/03/2021</a:t>
-            </a:fld>
-            <a:endParaRPr lang="en-US"/>
+            <a:r>
+              <a:rPr lang="en-US"/>
+              <a:t>20/03/2021</a:t>
+            </a:r>
           </a:p>
         </p:txBody>
       </p:sp>
@@ -15684,11 +15707,10 @@
           <a:bodyPr/>
           <a:lstStyle/>
           <a:p>
-            <a:fld id="{25C24866-C684-4F8C-AC50-74D342368667}" type="datetime1">
-              <a:rPr lang="en-US" smtClean="0"/>
-              <a:t>17/03/2021</a:t>
-            </a:fld>
-            <a:endParaRPr lang="en-US"/>
+            <a:r>
+              <a:rPr lang="en-US"/>
+              <a:t>20/03/2021</a:t>
+            </a:r>
           </a:p>
         </p:txBody>
       </p:sp>
@@ -16045,11 +16067,10 @@
           <a:bodyPr/>
           <a:lstStyle/>
           <a:p>
-            <a:fld id="{5AB82758-EDA2-444B-A780-6EC7ED8D6ABF}" type="datetime1">
-              <a:rPr lang="en-US" smtClean="0"/>
-              <a:t>17/03/2021</a:t>
-            </a:fld>
-            <a:endParaRPr lang="en-US"/>
+            <a:r>
+              <a:rPr lang="en-US"/>
+              <a:t>20/03/2021</a:t>
+            </a:r>
           </a:p>
         </p:txBody>
       </p:sp>
@@ -16950,11 +16971,10 @@
           <a:bodyPr/>
           <a:lstStyle/>
           <a:p>
-            <a:fld id="{4E10A670-4E98-4FA5-A2C2-4F9C00874B7B}" type="datetime1">
-              <a:rPr lang="en-US" smtClean="0"/>
-              <a:t>17/03/2021</a:t>
-            </a:fld>
-            <a:endParaRPr lang="en-US"/>
+            <a:r>
+              <a:rPr lang="en-US"/>
+              <a:t>20/03/2021</a:t>
+            </a:r>
           </a:p>
         </p:txBody>
       </p:sp>
@@ -17943,11 +17963,10 @@
           <a:bodyPr/>
           <a:lstStyle/>
           <a:p>
-            <a:fld id="{4E10A670-4E98-4FA5-A2C2-4F9C00874B7B}" type="datetime1">
-              <a:rPr lang="en-US" smtClean="0"/>
-              <a:t>17/03/2021</a:t>
-            </a:fld>
-            <a:endParaRPr lang="en-US"/>
+            <a:r>
+              <a:rPr lang="en-US"/>
+              <a:t>20/03/2021</a:t>
+            </a:r>
           </a:p>
         </p:txBody>
       </p:sp>
@@ -18246,11 +18265,10 @@
           <a:bodyPr/>
           <a:lstStyle/>
           <a:p>
-            <a:fld id="{4E10A670-4E98-4FA5-A2C2-4F9C00874B7B}" type="datetime1">
-              <a:rPr lang="en-US" smtClean="0"/>
-              <a:t>17/03/2021</a:t>
-            </a:fld>
-            <a:endParaRPr lang="en-US"/>
+            <a:r>
+              <a:rPr lang="en-US"/>
+              <a:t>20/03/2021</a:t>
+            </a:r>
           </a:p>
         </p:txBody>
       </p:sp>
@@ -19100,11 +19118,10 @@
           <a:bodyPr/>
           <a:lstStyle/>
           <a:p>
-            <a:fld id="{4E10A670-4E98-4FA5-A2C2-4F9C00874B7B}" type="datetime1">
-              <a:rPr lang="en-US" smtClean="0"/>
-              <a:t>17/03/2021</a:t>
-            </a:fld>
-            <a:endParaRPr lang="en-US"/>
+            <a:r>
+              <a:rPr lang="en-US"/>
+              <a:t>20/03/2021</a:t>
+            </a:r>
           </a:p>
         </p:txBody>
       </p:sp>
@@ -19770,11 +19787,10 @@
           <a:bodyPr/>
           <a:lstStyle/>
           <a:p>
-            <a:fld id="{4E10A670-4E98-4FA5-A2C2-4F9C00874B7B}" type="datetime1">
-              <a:rPr lang="en-US" smtClean="0"/>
-              <a:t>17/03/2021</a:t>
-            </a:fld>
-            <a:endParaRPr lang="en-US"/>
+            <a:r>
+              <a:rPr lang="en-US"/>
+              <a:t>20/03/2021</a:t>
+            </a:r>
           </a:p>
         </p:txBody>
       </p:sp>
